--- a/Modul_4_Variables/Variables.pptx
+++ b/Modul_4_Variables/Variables.pptx
@@ -5,14 +5,18 @@
     <p:sldMasterId id="2147483648" r:id="rId1"/>
   </p:sldMasterIdLst>
   <p:notesMasterIdLst>
-    <p:notesMasterId r:id="rId7"/>
+    <p:notesMasterId r:id="rId11"/>
   </p:notesMasterIdLst>
   <p:sldIdLst>
     <p:sldId id="271" r:id="rId2"/>
-    <p:sldId id="277" r:id="rId3"/>
-    <p:sldId id="272" r:id="rId4"/>
-    <p:sldId id="275" r:id="rId5"/>
-    <p:sldId id="276" r:id="rId6"/>
+    <p:sldId id="278" r:id="rId3"/>
+    <p:sldId id="277" r:id="rId4"/>
+    <p:sldId id="279" r:id="rId5"/>
+    <p:sldId id="280" r:id="rId6"/>
+    <p:sldId id="272" r:id="rId7"/>
+    <p:sldId id="275" r:id="rId8"/>
+    <p:sldId id="281" r:id="rId9"/>
+    <p:sldId id="276" r:id="rId10"/>
   </p:sldIdLst>
   <p:sldSz cx="12192000" cy="6858000"/>
   <p:notesSz cx="6858000" cy="9144000"/>
@@ -201,7 +205,7 @@
           <a:p>
             <a:fld id="{E9DAB8B5-B9A3-426D-91D9-D7966B0F2B79}" type="datetimeFigureOut">
               <a:rPr lang="de-DE" smtClean="0"/>
-              <a:t>25.06.2021</a:t>
+              <a:t>13.11.2021</a:t>
             </a:fld>
             <a:endParaRPr lang="de-DE"/>
           </a:p>
@@ -618,7 +622,7 @@
           <a:p>
             <a:fld id="{E58C7EAB-645A-4FBB-B6AF-831236EEB6FB}" type="slidenum">
               <a:rPr lang="de-DE" smtClean="0"/>
-              <a:t>3</a:t>
+              <a:t>2</a:t>
             </a:fld>
             <a:endParaRPr lang="de-DE"/>
           </a:p>
@@ -627,7 +631,7 @@
     </p:spTree>
     <p:extLst>
       <p:ext uri="{BB962C8B-B14F-4D97-AF65-F5344CB8AC3E}">
-        <p14:creationId xmlns:p14="http://schemas.microsoft.com/office/powerpoint/2010/main" val="3152998127"/>
+        <p14:creationId xmlns:p14="http://schemas.microsoft.com/office/powerpoint/2010/main" val="1554547019"/>
       </p:ext>
     </p:extLst>
   </p:cSld>
@@ -702,7 +706,175 @@
           <a:p>
             <a:fld id="{E58C7EAB-645A-4FBB-B6AF-831236EEB6FB}" type="slidenum">
               <a:rPr lang="de-DE" smtClean="0"/>
-              <a:t>4</a:t>
+              <a:t>5</a:t>
+            </a:fld>
+            <a:endParaRPr lang="de-DE"/>
+          </a:p>
+        </p:txBody>
+      </p:sp>
+    </p:spTree>
+    <p:extLst>
+      <p:ext uri="{BB962C8B-B14F-4D97-AF65-F5344CB8AC3E}">
+        <p14:creationId xmlns:p14="http://schemas.microsoft.com/office/powerpoint/2010/main" val="3790966581"/>
+      </p:ext>
+    </p:extLst>
+  </p:cSld>
+  <p:clrMapOvr>
+    <a:masterClrMapping/>
+  </p:clrMapOvr>
+</p:notes>
+</file>
+
+<file path=ppt/notesSlides/notesSlide4.xml><?xml version="1.0" encoding="utf-8"?>
+<p:notes xmlns:a="http://schemas.openxmlformats.org/drawingml/2006/main" xmlns:r="http://schemas.openxmlformats.org/officeDocument/2006/relationships" xmlns:p="http://schemas.openxmlformats.org/presentationml/2006/main">
+  <p:cSld>
+    <p:spTree>
+      <p:nvGrpSpPr>
+        <p:cNvPr id="1" name=""/>
+        <p:cNvGrpSpPr/>
+        <p:nvPr/>
+      </p:nvGrpSpPr>
+      <p:grpSpPr>
+        <a:xfrm>
+          <a:off x="0" y="0"/>
+          <a:ext cx="0" cy="0"/>
+          <a:chOff x="0" y="0"/>
+          <a:chExt cx="0" cy="0"/>
+        </a:xfrm>
+      </p:grpSpPr>
+      <p:sp>
+        <p:nvSpPr>
+          <p:cNvPr id="2" name="Folienbildplatzhalter 1"/>
+          <p:cNvSpPr>
+            <a:spLocks noGrp="1" noRot="1" noChangeAspect="1"/>
+          </p:cNvSpPr>
+          <p:nvPr>
+            <p:ph type="sldImg"/>
+          </p:nvPr>
+        </p:nvSpPr>
+        <p:spPr/>
+      </p:sp>
+      <p:sp>
+        <p:nvSpPr>
+          <p:cNvPr id="3" name="Notizenplatzhalter 2"/>
+          <p:cNvSpPr>
+            <a:spLocks noGrp="1"/>
+          </p:cNvSpPr>
+          <p:nvPr>
+            <p:ph type="body" idx="1"/>
+          </p:nvPr>
+        </p:nvSpPr>
+        <p:spPr/>
+        <p:txBody>
+          <a:bodyPr/>
+          <a:lstStyle/>
+          <a:p>
+            <a:endParaRPr lang="de-DE" dirty="0"/>
+          </a:p>
+        </p:txBody>
+      </p:sp>
+      <p:sp>
+        <p:nvSpPr>
+          <p:cNvPr id="4" name="Foliennummernplatzhalter 3"/>
+          <p:cNvSpPr>
+            <a:spLocks noGrp="1"/>
+          </p:cNvSpPr>
+          <p:nvPr>
+            <p:ph type="sldNum" sz="quarter" idx="10"/>
+          </p:nvPr>
+        </p:nvSpPr>
+        <p:spPr/>
+        <p:txBody>
+          <a:bodyPr/>
+          <a:lstStyle/>
+          <a:p>
+            <a:fld id="{E58C7EAB-645A-4FBB-B6AF-831236EEB6FB}" type="slidenum">
+              <a:rPr lang="de-DE" smtClean="0"/>
+              <a:t>6</a:t>
+            </a:fld>
+            <a:endParaRPr lang="de-DE"/>
+          </a:p>
+        </p:txBody>
+      </p:sp>
+    </p:spTree>
+    <p:extLst>
+      <p:ext uri="{BB962C8B-B14F-4D97-AF65-F5344CB8AC3E}">
+        <p14:creationId xmlns:p14="http://schemas.microsoft.com/office/powerpoint/2010/main" val="3152998127"/>
+      </p:ext>
+    </p:extLst>
+  </p:cSld>
+  <p:clrMapOvr>
+    <a:masterClrMapping/>
+  </p:clrMapOvr>
+</p:notes>
+</file>
+
+<file path=ppt/notesSlides/notesSlide5.xml><?xml version="1.0" encoding="utf-8"?>
+<p:notes xmlns:a="http://schemas.openxmlformats.org/drawingml/2006/main" xmlns:r="http://schemas.openxmlformats.org/officeDocument/2006/relationships" xmlns:p="http://schemas.openxmlformats.org/presentationml/2006/main">
+  <p:cSld>
+    <p:spTree>
+      <p:nvGrpSpPr>
+        <p:cNvPr id="1" name=""/>
+        <p:cNvGrpSpPr/>
+        <p:nvPr/>
+      </p:nvGrpSpPr>
+      <p:grpSpPr>
+        <a:xfrm>
+          <a:off x="0" y="0"/>
+          <a:ext cx="0" cy="0"/>
+          <a:chOff x="0" y="0"/>
+          <a:chExt cx="0" cy="0"/>
+        </a:xfrm>
+      </p:grpSpPr>
+      <p:sp>
+        <p:nvSpPr>
+          <p:cNvPr id="2" name="Folienbildplatzhalter 1"/>
+          <p:cNvSpPr>
+            <a:spLocks noGrp="1" noRot="1" noChangeAspect="1"/>
+          </p:cNvSpPr>
+          <p:nvPr>
+            <p:ph type="sldImg"/>
+          </p:nvPr>
+        </p:nvSpPr>
+        <p:spPr/>
+      </p:sp>
+      <p:sp>
+        <p:nvSpPr>
+          <p:cNvPr id="3" name="Notizenplatzhalter 2"/>
+          <p:cNvSpPr>
+            <a:spLocks noGrp="1"/>
+          </p:cNvSpPr>
+          <p:nvPr>
+            <p:ph type="body" idx="1"/>
+          </p:nvPr>
+        </p:nvSpPr>
+        <p:spPr/>
+        <p:txBody>
+          <a:bodyPr/>
+          <a:lstStyle/>
+          <a:p>
+            <a:endParaRPr lang="de-DE" dirty="0"/>
+          </a:p>
+        </p:txBody>
+      </p:sp>
+      <p:sp>
+        <p:nvSpPr>
+          <p:cNvPr id="4" name="Foliennummernplatzhalter 3"/>
+          <p:cNvSpPr>
+            <a:spLocks noGrp="1"/>
+          </p:cNvSpPr>
+          <p:nvPr>
+            <p:ph type="sldNum" sz="quarter" idx="10"/>
+          </p:nvPr>
+        </p:nvSpPr>
+        <p:spPr/>
+        <p:txBody>
+          <a:bodyPr/>
+          <a:lstStyle/>
+          <a:p>
+            <a:fld id="{E58C7EAB-645A-4FBB-B6AF-831236EEB6FB}" type="slidenum">
+              <a:rPr lang="de-DE" smtClean="0"/>
+              <a:t>7</a:t>
             </a:fld>
             <a:endParaRPr lang="de-DE"/>
           </a:p>
@@ -712,6 +884,90 @@
     <p:extLst>
       <p:ext uri="{BB962C8B-B14F-4D97-AF65-F5344CB8AC3E}">
         <p14:creationId xmlns:p14="http://schemas.microsoft.com/office/powerpoint/2010/main" val="4262954184"/>
+      </p:ext>
+    </p:extLst>
+  </p:cSld>
+  <p:clrMapOvr>
+    <a:masterClrMapping/>
+  </p:clrMapOvr>
+</p:notes>
+</file>
+
+<file path=ppt/notesSlides/notesSlide6.xml><?xml version="1.0" encoding="utf-8"?>
+<p:notes xmlns:a="http://schemas.openxmlformats.org/drawingml/2006/main" xmlns:r="http://schemas.openxmlformats.org/officeDocument/2006/relationships" xmlns:p="http://schemas.openxmlformats.org/presentationml/2006/main">
+  <p:cSld>
+    <p:spTree>
+      <p:nvGrpSpPr>
+        <p:cNvPr id="1" name=""/>
+        <p:cNvGrpSpPr/>
+        <p:nvPr/>
+      </p:nvGrpSpPr>
+      <p:grpSpPr>
+        <a:xfrm>
+          <a:off x="0" y="0"/>
+          <a:ext cx="0" cy="0"/>
+          <a:chOff x="0" y="0"/>
+          <a:chExt cx="0" cy="0"/>
+        </a:xfrm>
+      </p:grpSpPr>
+      <p:sp>
+        <p:nvSpPr>
+          <p:cNvPr id="2" name="Folienbildplatzhalter 1"/>
+          <p:cNvSpPr>
+            <a:spLocks noGrp="1" noRot="1" noChangeAspect="1"/>
+          </p:cNvSpPr>
+          <p:nvPr>
+            <p:ph type="sldImg"/>
+          </p:nvPr>
+        </p:nvSpPr>
+        <p:spPr/>
+      </p:sp>
+      <p:sp>
+        <p:nvSpPr>
+          <p:cNvPr id="3" name="Notizenplatzhalter 2"/>
+          <p:cNvSpPr>
+            <a:spLocks noGrp="1"/>
+          </p:cNvSpPr>
+          <p:nvPr>
+            <p:ph type="body" idx="1"/>
+          </p:nvPr>
+        </p:nvSpPr>
+        <p:spPr/>
+        <p:txBody>
+          <a:bodyPr/>
+          <a:lstStyle/>
+          <a:p>
+            <a:endParaRPr lang="de-DE" dirty="0"/>
+          </a:p>
+        </p:txBody>
+      </p:sp>
+      <p:sp>
+        <p:nvSpPr>
+          <p:cNvPr id="4" name="Foliennummernplatzhalter 3"/>
+          <p:cNvSpPr>
+            <a:spLocks noGrp="1"/>
+          </p:cNvSpPr>
+          <p:nvPr>
+            <p:ph type="sldNum" sz="quarter" idx="10"/>
+          </p:nvPr>
+        </p:nvSpPr>
+        <p:spPr/>
+        <p:txBody>
+          <a:bodyPr/>
+          <a:lstStyle/>
+          <a:p>
+            <a:fld id="{E58C7EAB-645A-4FBB-B6AF-831236EEB6FB}" type="slidenum">
+              <a:rPr lang="de-DE" smtClean="0"/>
+              <a:t>8</a:t>
+            </a:fld>
+            <a:endParaRPr lang="de-DE"/>
+          </a:p>
+        </p:txBody>
+      </p:sp>
+    </p:spTree>
+    <p:extLst>
+      <p:ext uri="{BB962C8B-B14F-4D97-AF65-F5344CB8AC3E}">
+        <p14:creationId xmlns:p14="http://schemas.microsoft.com/office/powerpoint/2010/main" val="2416089407"/>
       </p:ext>
     </p:extLst>
   </p:cSld>
@@ -852,7 +1108,7 @@
           <a:p>
             <a:fld id="{6CBA03CC-73C5-46A8-8DFB-B5DC4577D8E2}" type="datetimeFigureOut">
               <a:rPr lang="de-DE" smtClean="0"/>
-              <a:t>25.06.2021</a:t>
+              <a:t>13.11.2021</a:t>
             </a:fld>
             <a:endParaRPr lang="de-DE"/>
           </a:p>
@@ -1022,7 +1278,7 @@
           <a:p>
             <a:fld id="{6CBA03CC-73C5-46A8-8DFB-B5DC4577D8E2}" type="datetimeFigureOut">
               <a:rPr lang="de-DE" smtClean="0"/>
-              <a:t>25.06.2021</a:t>
+              <a:t>13.11.2021</a:t>
             </a:fld>
             <a:endParaRPr lang="de-DE"/>
           </a:p>
@@ -1202,7 +1458,7 @@
           <a:p>
             <a:fld id="{6CBA03CC-73C5-46A8-8DFB-B5DC4577D8E2}" type="datetimeFigureOut">
               <a:rPr lang="de-DE" smtClean="0"/>
-              <a:t>25.06.2021</a:t>
+              <a:t>13.11.2021</a:t>
             </a:fld>
             <a:endParaRPr lang="de-DE"/>
           </a:p>
@@ -1372,7 +1628,7 @@
           <a:p>
             <a:fld id="{6CBA03CC-73C5-46A8-8DFB-B5DC4577D8E2}" type="datetimeFigureOut">
               <a:rPr lang="de-DE" smtClean="0"/>
-              <a:t>25.06.2021</a:t>
+              <a:t>13.11.2021</a:t>
             </a:fld>
             <a:endParaRPr lang="de-DE"/>
           </a:p>
@@ -1618,7 +1874,7 @@
           <a:p>
             <a:fld id="{6CBA03CC-73C5-46A8-8DFB-B5DC4577D8E2}" type="datetimeFigureOut">
               <a:rPr lang="de-DE" smtClean="0"/>
-              <a:t>25.06.2021</a:t>
+              <a:t>13.11.2021</a:t>
             </a:fld>
             <a:endParaRPr lang="de-DE"/>
           </a:p>
@@ -1850,7 +2106,7 @@
           <a:p>
             <a:fld id="{6CBA03CC-73C5-46A8-8DFB-B5DC4577D8E2}" type="datetimeFigureOut">
               <a:rPr lang="de-DE" smtClean="0"/>
-              <a:t>25.06.2021</a:t>
+              <a:t>13.11.2021</a:t>
             </a:fld>
             <a:endParaRPr lang="de-DE"/>
           </a:p>
@@ -2217,7 +2473,7 @@
           <a:p>
             <a:fld id="{6CBA03CC-73C5-46A8-8DFB-B5DC4577D8E2}" type="datetimeFigureOut">
               <a:rPr lang="de-DE" smtClean="0"/>
-              <a:t>25.06.2021</a:t>
+              <a:t>13.11.2021</a:t>
             </a:fld>
             <a:endParaRPr lang="de-DE"/>
           </a:p>
@@ -2335,7 +2591,7 @@
           <a:p>
             <a:fld id="{6CBA03CC-73C5-46A8-8DFB-B5DC4577D8E2}" type="datetimeFigureOut">
               <a:rPr lang="de-DE" smtClean="0"/>
-              <a:t>25.06.2021</a:t>
+              <a:t>13.11.2021</a:t>
             </a:fld>
             <a:endParaRPr lang="de-DE"/>
           </a:p>
@@ -2430,7 +2686,7 @@
           <a:p>
             <a:fld id="{6CBA03CC-73C5-46A8-8DFB-B5DC4577D8E2}" type="datetimeFigureOut">
               <a:rPr lang="de-DE" smtClean="0"/>
-              <a:t>25.06.2021</a:t>
+              <a:t>13.11.2021</a:t>
             </a:fld>
             <a:endParaRPr lang="de-DE"/>
           </a:p>
@@ -2707,7 +2963,7 @@
           <a:p>
             <a:fld id="{6CBA03CC-73C5-46A8-8DFB-B5DC4577D8E2}" type="datetimeFigureOut">
               <a:rPr lang="de-DE" smtClean="0"/>
-              <a:t>25.06.2021</a:t>
+              <a:t>13.11.2021</a:t>
             </a:fld>
             <a:endParaRPr lang="de-DE"/>
           </a:p>
@@ -2960,7 +3216,7 @@
           <a:p>
             <a:fld id="{6CBA03CC-73C5-46A8-8DFB-B5DC4577D8E2}" type="datetimeFigureOut">
               <a:rPr lang="de-DE" smtClean="0"/>
-              <a:t>25.06.2021</a:t>
+              <a:t>13.11.2021</a:t>
             </a:fld>
             <a:endParaRPr lang="de-DE"/>
           </a:p>
@@ -3173,7 +3429,7 @@
           <a:p>
             <a:fld id="{6CBA03CC-73C5-46A8-8DFB-B5DC4577D8E2}" type="datetimeFigureOut">
               <a:rPr lang="de-DE" smtClean="0"/>
-              <a:t>25.06.2021</a:t>
+              <a:t>13.11.2021</a:t>
             </a:fld>
             <a:endParaRPr lang="de-DE"/>
           </a:p>
@@ -3611,14 +3867,34 @@
             <p:ph idx="1"/>
           </p:nvPr>
         </p:nvSpPr>
-        <p:spPr/>
+        <p:spPr>
+          <a:xfrm>
+            <a:off x="838200" y="1825625"/>
+            <a:ext cx="8712200" cy="4351338"/>
+          </a:xfrm>
+        </p:spPr>
         <p:txBody>
           <a:bodyPr/>
           <a:lstStyle/>
           <a:p>
             <a:r>
               <a:rPr lang="de-DE" dirty="0" smtClean="0"/>
-              <a:t>Terraform Module kennen 3 Typen von Variablen (Input Variables, Output Values und </a:t>
+              <a:t>Terraform Module kennen 3 Typen von </a:t>
+            </a:r>
+            <a:r>
+              <a:rPr lang="de-DE" dirty="0" smtClean="0"/>
+              <a:t>Variablen</a:t>
+            </a:r>
+          </a:p>
+          <a:p>
+            <a:pPr lvl="1"/>
+            <a:r>
+              <a:rPr lang="de-DE" dirty="0" smtClean="0"/>
+              <a:t>Input </a:t>
+            </a:r>
+            <a:r>
+              <a:rPr lang="de-DE" dirty="0" smtClean="0"/>
+              <a:t>Variables, Output Values und </a:t>
             </a:r>
             <a:r>
               <a:rPr lang="de-DE" dirty="0" err="1" smtClean="0"/>
@@ -3626,8 +3902,13 @@
             </a:r>
             <a:r>
               <a:rPr lang="de-DE" dirty="0" smtClean="0"/>
-              <a:t> Values)</a:t>
-            </a:r>
+              <a:t> </a:t>
+            </a:r>
+            <a:r>
+              <a:rPr lang="de-DE" dirty="0" smtClean="0"/>
+              <a:t>Values</a:t>
+            </a:r>
+            <a:endParaRPr lang="de-DE" dirty="0" smtClean="0"/>
           </a:p>
           <a:p>
             <a:r>
@@ -3651,17 +3932,55 @@
               <a:t> Values sind ein </a:t>
             </a:r>
             <a:r>
-              <a:rPr lang="de-DE" dirty="0"/>
-              <a:t>reines Convenience </a:t>
-            </a:r>
-            <a:r>
               <a:rPr lang="de-DE" dirty="0" smtClean="0"/>
-              <a:t>Feature mit dem Ausdrücke über einen sprechenden Variablennamen adressiert werden können</a:t>
+              <a:t>K</a:t>
+            </a:r>
+            <a:r>
+              <a:rPr lang="de-DE" dirty="0" smtClean="0"/>
+              <a:t>omfortfeature </a:t>
+            </a:r>
+            <a:r>
+              <a:rPr lang="de-DE" dirty="0" smtClean="0"/>
+              <a:t>mit dem Ausdrücke über einen sprechenden Variablennamen adressiert werden </a:t>
+            </a:r>
+            <a:r>
+              <a:rPr lang="de-DE" dirty="0" smtClean="0"/>
+              <a:t>können</a:t>
             </a:r>
             <a:endParaRPr lang="de-DE" dirty="0"/>
           </a:p>
         </p:txBody>
       </p:sp>
+      <p:pic>
+        <p:nvPicPr>
+          <p:cNvPr id="6" name="Grafik 5"/>
+          <p:cNvPicPr>
+            <a:picLocks noChangeAspect="1"/>
+          </p:cNvPicPr>
+          <p:nvPr/>
+        </p:nvPicPr>
+        <p:blipFill>
+          <a:blip r:embed="rId3">
+            <a:extLst>
+              <a:ext uri="{28A0092B-C50C-407E-A947-70E740481C1C}">
+                <a14:useLocalDpi xmlns:a14="http://schemas.microsoft.com/office/drawing/2010/main" val="0"/>
+              </a:ext>
+            </a:extLst>
+          </a:blip>
+          <a:stretch>
+            <a:fillRect/>
+          </a:stretch>
+        </p:blipFill>
+        <p:spPr>
+          <a:xfrm>
+            <a:off x="9437159" y="355600"/>
+            <a:ext cx="2670175" cy="2670175"/>
+          </a:xfrm>
+          <a:prstGeom prst="rect">
+            <a:avLst/>
+          </a:prstGeom>
+        </p:spPr>
+      </p:pic>
     </p:spTree>
     <p:extLst>
       <p:ext uri="{BB962C8B-B14F-4D97-AF65-F5344CB8AC3E}">
@@ -3715,8 +4034,150 @@
           <a:lstStyle/>
           <a:p>
             <a:r>
+              <a:rPr lang="de-DE" dirty="0" err="1" smtClean="0"/>
+              <a:t>Don‘t</a:t>
+            </a:r>
+            <a:r>
               <a:rPr lang="de-DE" dirty="0" smtClean="0"/>
-              <a:t>Input-Values</a:t>
+              <a:t> Repeat </a:t>
+            </a:r>
+            <a:r>
+              <a:rPr lang="de-DE" dirty="0" err="1" smtClean="0"/>
+              <a:t>Yourself</a:t>
+            </a:r>
+            <a:endParaRPr lang="de-DE" dirty="0"/>
+          </a:p>
+        </p:txBody>
+      </p:sp>
+      <p:sp>
+        <p:nvSpPr>
+          <p:cNvPr id="3" name="Inhaltsplatzhalter 2"/>
+          <p:cNvSpPr>
+            <a:spLocks noGrp="1"/>
+          </p:cNvSpPr>
+          <p:nvPr>
+            <p:ph idx="1"/>
+          </p:nvPr>
+        </p:nvSpPr>
+        <p:spPr>
+          <a:xfrm>
+            <a:off x="838200" y="1825625"/>
+            <a:ext cx="7120467" cy="4351338"/>
+          </a:xfrm>
+        </p:spPr>
+        <p:txBody>
+          <a:bodyPr/>
+          <a:lstStyle/>
+          <a:p>
+            <a:r>
+              <a:rPr lang="de-DE" dirty="0" smtClean="0"/>
+              <a:t>Variablen ermöglichen das Erstellen von wiederverwendbaren Modulen</a:t>
+            </a:r>
+          </a:p>
+          <a:p>
+            <a:r>
+              <a:rPr lang="de-DE" dirty="0" smtClean="0"/>
+              <a:t>Inputs ermöglichen die Konfiguration eines Moduls und erweitern damit die Einsatzmöglichkeiten</a:t>
+            </a:r>
+          </a:p>
+          <a:p>
+            <a:r>
+              <a:rPr lang="de-DE" dirty="0" err="1" smtClean="0"/>
+              <a:t>Locales</a:t>
+            </a:r>
+            <a:r>
+              <a:rPr lang="de-DE" dirty="0" smtClean="0"/>
+              <a:t> erlauben das Wiederverwenden von Variablen, welche nicht über die Modulkonfiguration exponiert werden sollen</a:t>
+            </a:r>
+            <a:endParaRPr lang="de-DE" dirty="0"/>
+          </a:p>
+        </p:txBody>
+      </p:sp>
+      <p:pic>
+        <p:nvPicPr>
+          <p:cNvPr id="4" name="Grafik 3"/>
+          <p:cNvPicPr>
+            <a:picLocks noChangeAspect="1"/>
+          </p:cNvPicPr>
+          <p:nvPr/>
+        </p:nvPicPr>
+        <p:blipFill>
+          <a:blip r:embed="rId3">
+            <a:extLst>
+              <a:ext uri="{28A0092B-C50C-407E-A947-70E740481C1C}">
+                <a14:useLocalDpi xmlns:a14="http://schemas.microsoft.com/office/drawing/2010/main" val="0"/>
+              </a:ext>
+            </a:extLst>
+          </a:blip>
+          <a:stretch>
+            <a:fillRect/>
+          </a:stretch>
+        </p:blipFill>
+        <p:spPr>
+          <a:xfrm>
+            <a:off x="8102599" y="1930347"/>
+            <a:ext cx="3651118" cy="1711644"/>
+          </a:xfrm>
+          <a:prstGeom prst="rect">
+            <a:avLst/>
+          </a:prstGeom>
+        </p:spPr>
+      </p:pic>
+    </p:spTree>
+    <p:extLst>
+      <p:ext uri="{BB962C8B-B14F-4D97-AF65-F5344CB8AC3E}">
+        <p14:creationId xmlns:p14="http://schemas.microsoft.com/office/powerpoint/2010/main" val="2572212263"/>
+      </p:ext>
+    </p:extLst>
+  </p:cSld>
+  <p:clrMapOvr>
+    <a:masterClrMapping/>
+  </p:clrMapOvr>
+  <p:timing>
+    <p:tnLst>
+      <p:par>
+        <p:cTn id="1" dur="indefinite" restart="never" nodeType="tmRoot"/>
+      </p:par>
+    </p:tnLst>
+  </p:timing>
+</p:sld>
+</file>
+
+<file path=ppt/slides/slide3.xml><?xml version="1.0" encoding="utf-8"?>
+<p:sld xmlns:a="http://schemas.openxmlformats.org/drawingml/2006/main" xmlns:r="http://schemas.openxmlformats.org/officeDocument/2006/relationships" xmlns:p="http://schemas.openxmlformats.org/presentationml/2006/main">
+  <p:cSld>
+    <p:spTree>
+      <p:nvGrpSpPr>
+        <p:cNvPr id="1" name=""/>
+        <p:cNvGrpSpPr/>
+        <p:nvPr/>
+      </p:nvGrpSpPr>
+      <p:grpSpPr>
+        <a:xfrm>
+          <a:off x="0" y="0"/>
+          <a:ext cx="0" cy="0"/>
+          <a:chOff x="0" y="0"/>
+          <a:chExt cx="0" cy="0"/>
+        </a:xfrm>
+      </p:grpSpPr>
+      <p:sp>
+        <p:nvSpPr>
+          <p:cNvPr id="2" name="Titel 1"/>
+          <p:cNvSpPr>
+            <a:spLocks noGrp="1"/>
+          </p:cNvSpPr>
+          <p:nvPr>
+            <p:ph type="title"/>
+          </p:nvPr>
+        </p:nvSpPr>
+        <p:spPr/>
+        <p:txBody>
+          <a:bodyPr/>
+          <a:lstStyle/>
+          <a:p>
+            <a:r>
+              <a:rPr lang="de-DE" dirty="0" smtClean="0"/>
+              <a:t>Definition von Input-Variables</a:t>
             </a:r>
             <a:endParaRPr lang="de-DE" dirty="0"/>
           </a:p>
@@ -3732,8 +4193,8 @@
         </p:nvSpPr>
         <p:spPr bwMode="auto">
           <a:xfrm>
-            <a:off x="1952977" y="1855734"/>
-            <a:ext cx="8286045" cy="3754874"/>
+            <a:off x="838200" y="1595725"/>
+            <a:ext cx="8286045" cy="4647426"/>
           </a:xfrm>
           <a:prstGeom prst="rect">
             <a:avLst/>
@@ -3776,6 +4237,132 @@
           </a:bodyPr>
           <a:lstStyle/>
           <a:p>
+            <a:pPr eaLnBrk="0" fontAlgn="base" hangingPunct="0">
+              <a:spcBef>
+                <a:spcPct val="0"/>
+              </a:spcBef>
+              <a:spcAft>
+                <a:spcPct val="0"/>
+              </a:spcAft>
+            </a:pPr>
+            <a:r>
+              <a:rPr lang="de-DE" altLang="de-DE" sz="2400" i="1" dirty="0">
+                <a:solidFill>
+                  <a:srgbClr val="D55FDE"/>
+                </a:solidFill>
+                <a:latin typeface="JetBrains Mono"/>
+              </a:rPr>
+              <a:t>variable </a:t>
+            </a:r>
+            <a:r>
+              <a:rPr lang="de-DE" altLang="de-DE" sz="2400" dirty="0">
+                <a:solidFill>
+                  <a:srgbClr val="E5C07B"/>
+                </a:solidFill>
+                <a:latin typeface="JetBrains Mono"/>
+              </a:rPr>
+              <a:t>"</a:t>
+            </a:r>
+            <a:r>
+              <a:rPr lang="de-DE" altLang="de-DE" sz="2400" dirty="0" smtClean="0">
+                <a:solidFill>
+                  <a:srgbClr val="E5C07B"/>
+                </a:solidFill>
+                <a:latin typeface="JetBrains Mono"/>
+              </a:rPr>
+              <a:t>minimal" </a:t>
+            </a:r>
+            <a:r>
+              <a:rPr lang="de-DE" altLang="de-DE" sz="2400" dirty="0">
+                <a:solidFill>
+                  <a:srgbClr val="BBBBBB"/>
+                </a:solidFill>
+                <a:latin typeface="JetBrains Mono"/>
+              </a:rPr>
+              <a:t>{</a:t>
+            </a:r>
+            <a:br>
+              <a:rPr lang="de-DE" altLang="de-DE" sz="2400" dirty="0">
+                <a:solidFill>
+                  <a:srgbClr val="BBBBBB"/>
+                </a:solidFill>
+                <a:latin typeface="JetBrains Mono"/>
+              </a:rPr>
+            </a:br>
+            <a:r>
+              <a:rPr lang="de-DE" altLang="de-DE" sz="2400" dirty="0">
+                <a:solidFill>
+                  <a:srgbClr val="BBBBBB"/>
+                </a:solidFill>
+                <a:latin typeface="JetBrains Mono"/>
+              </a:rPr>
+              <a:t>  </a:t>
+            </a:r>
+            <a:r>
+              <a:rPr lang="de-DE" altLang="de-DE" sz="2400" dirty="0">
+                <a:solidFill>
+                  <a:srgbClr val="EF596F"/>
+                </a:solidFill>
+                <a:latin typeface="JetBrains Mono"/>
+              </a:rPr>
+              <a:t>type </a:t>
+            </a:r>
+            <a:r>
+              <a:rPr lang="de-DE" altLang="de-DE" sz="2400" dirty="0">
+                <a:solidFill>
+                  <a:srgbClr val="BBBBBB"/>
+                </a:solidFill>
+                <a:latin typeface="JetBrains Mono"/>
+              </a:rPr>
+              <a:t>= </a:t>
+            </a:r>
+            <a:r>
+              <a:rPr lang="de-DE" altLang="de-DE" sz="2400" dirty="0" err="1">
+                <a:solidFill>
+                  <a:srgbClr val="BBBBBB"/>
+                </a:solidFill>
+                <a:latin typeface="JetBrains Mono"/>
+              </a:rPr>
+              <a:t>any</a:t>
+            </a:r>
+            <a:r>
+              <a:rPr lang="de-DE" altLang="de-DE" sz="2400" dirty="0">
+                <a:solidFill>
+                  <a:srgbClr val="BBBBBB"/>
+                </a:solidFill>
+                <a:latin typeface="JetBrains Mono"/>
+              </a:rPr>
+              <a:t/>
+            </a:r>
+            <a:br>
+              <a:rPr lang="de-DE" altLang="de-DE" sz="2400" dirty="0">
+                <a:solidFill>
+                  <a:srgbClr val="BBBBBB"/>
+                </a:solidFill>
+                <a:latin typeface="JetBrains Mono"/>
+              </a:rPr>
+            </a:br>
+            <a:r>
+              <a:rPr lang="de-DE" altLang="de-DE" sz="2400" dirty="0" smtClean="0">
+                <a:solidFill>
+                  <a:srgbClr val="BBBBBB"/>
+                </a:solidFill>
+                <a:latin typeface="JetBrains Mono"/>
+              </a:rPr>
+              <a:t>}</a:t>
+            </a:r>
+            <a:endParaRPr kumimoji="0" lang="de-DE" altLang="de-DE" sz="2400" b="0" i="1" u="none" strike="noStrike" cap="none" normalizeH="0" baseline="0" dirty="0" smtClean="0">
+              <a:ln>
+                <a:noFill/>
+              </a:ln>
+              <a:solidFill>
+                <a:srgbClr val="D55FDE"/>
+              </a:solidFill>
+              <a:effectLst/>
+              <a:latin typeface="JetBrains Mono"/>
+            </a:endParaRPr>
+          </a:p>
+          <a:p>
             <a:pPr marL="0" marR="0" lvl="0" indent="0" algn="l" defTabSz="914400" rtl="0" eaLnBrk="0" fontAlgn="base" latinLnBrk="0" hangingPunct="0">
               <a:lnSpc>
                 <a:spcPct val="100000"/>
@@ -3792,34 +4379,6 @@
               <a:buNone/>
               <a:tabLst/>
             </a:pPr>
-            <a:endParaRPr kumimoji="0" lang="de-DE" altLang="de-DE" sz="800" b="0" i="1" u="none" strike="noStrike" cap="none" normalizeH="0" baseline="0" dirty="0" smtClean="0">
-              <a:ln>
-                <a:noFill/>
-              </a:ln>
-              <a:solidFill>
-                <a:srgbClr val="D55FDE"/>
-              </a:solidFill>
-              <a:effectLst/>
-              <a:latin typeface="JetBrains Mono"/>
-            </a:endParaRPr>
-          </a:p>
-          <a:p>
-            <a:pPr marL="0" marR="0" lvl="0" indent="0" algn="l" defTabSz="914400" rtl="0" eaLnBrk="0" fontAlgn="base" latinLnBrk="0" hangingPunct="0">
-              <a:lnSpc>
-                <a:spcPct val="100000"/>
-              </a:lnSpc>
-              <a:spcBef>
-                <a:spcPct val="0"/>
-              </a:spcBef>
-              <a:spcAft>
-                <a:spcPct val="0"/>
-              </a:spcAft>
-              <a:buClrTx/>
-              <a:buSzTx/>
-              <a:buFontTx/>
-              <a:buNone/>
-              <a:tabLst/>
-            </a:pPr>
             <a:r>
               <a:rPr kumimoji="0" lang="de-DE" altLang="de-DE" sz="2400" b="0" i="1" u="none" strike="noStrike" cap="none" normalizeH="0" baseline="0" dirty="0" smtClean="0">
                 <a:ln>
@@ -3831,7 +4390,7 @@
                 <a:effectLst/>
                 <a:latin typeface="JetBrains Mono"/>
               </a:rPr>
-              <a:t>variable </a:t>
+              <a:t> variable </a:t>
             </a:r>
             <a:r>
               <a:rPr kumimoji="0" lang="de-DE" altLang="de-DE" sz="2400" b="0" i="0" u="none" strike="noStrike" cap="none" normalizeH="0" baseline="0" dirty="0" smtClean="0">
@@ -4584,226 +5143,6 @@
 </p:sld>
 </file>
 
-<file path=ppt/slides/slide3.xml><?xml version="1.0" encoding="utf-8"?>
-<p:sld xmlns:a="http://schemas.openxmlformats.org/drawingml/2006/main" xmlns:r="http://schemas.openxmlformats.org/officeDocument/2006/relationships" xmlns:p="http://schemas.openxmlformats.org/presentationml/2006/main">
-  <p:cSld>
-    <p:spTree>
-      <p:nvGrpSpPr>
-        <p:cNvPr id="1" name=""/>
-        <p:cNvGrpSpPr/>
-        <p:nvPr/>
-      </p:nvGrpSpPr>
-      <p:grpSpPr>
-        <a:xfrm>
-          <a:off x="0" y="0"/>
-          <a:ext cx="0" cy="0"/>
-          <a:chOff x="0" y="0"/>
-          <a:chExt cx="0" cy="0"/>
-        </a:xfrm>
-      </p:grpSpPr>
-      <p:sp>
-        <p:nvSpPr>
-          <p:cNvPr id="2" name="Titel 1"/>
-          <p:cNvSpPr>
-            <a:spLocks noGrp="1"/>
-          </p:cNvSpPr>
-          <p:nvPr>
-            <p:ph type="title"/>
-          </p:nvPr>
-        </p:nvSpPr>
-        <p:spPr/>
-        <p:txBody>
-          <a:bodyPr/>
-          <a:lstStyle/>
-          <a:p>
-            <a:r>
-              <a:rPr lang="de-DE" dirty="0" smtClean="0"/>
-              <a:t>Input-Variablen Lookup</a:t>
-            </a:r>
-            <a:endParaRPr lang="de-DE" dirty="0"/>
-          </a:p>
-        </p:txBody>
-      </p:sp>
-      <p:sp>
-        <p:nvSpPr>
-          <p:cNvPr id="3" name="Inhaltsplatzhalter 2"/>
-          <p:cNvSpPr>
-            <a:spLocks noGrp="1"/>
-          </p:cNvSpPr>
-          <p:nvPr>
-            <p:ph idx="1"/>
-          </p:nvPr>
-        </p:nvSpPr>
-        <p:spPr/>
-        <p:txBody>
-          <a:bodyPr/>
-          <a:lstStyle/>
-          <a:p>
-            <a:pPr marL="514350" indent="-514350">
-              <a:buFont typeface="+mj-lt"/>
-              <a:buAutoNum type="arabicPeriod"/>
-            </a:pPr>
-            <a:r>
-              <a:rPr lang="de-DE" dirty="0" smtClean="0"/>
-              <a:t>Setzen der Variable via Konsole beim Plan/</a:t>
-            </a:r>
-            <a:r>
-              <a:rPr lang="de-DE" dirty="0" err="1" smtClean="0"/>
-              <a:t>Apply</a:t>
-            </a:r>
-            <a:r>
-              <a:rPr lang="de-DE" dirty="0" smtClean="0"/>
-              <a:t> via –</a:t>
-            </a:r>
-            <a:r>
-              <a:rPr lang="de-DE" dirty="0" err="1" smtClean="0"/>
-              <a:t>var</a:t>
-            </a:r>
-            <a:endParaRPr lang="de-DE" dirty="0"/>
-          </a:p>
-          <a:p>
-            <a:pPr marL="514350" indent="-514350">
-              <a:buFont typeface="+mj-lt"/>
-              <a:buAutoNum type="arabicPeriod"/>
-            </a:pPr>
-            <a:r>
-              <a:rPr lang="de-DE" dirty="0" smtClean="0"/>
-              <a:t>Angabe einer </a:t>
-            </a:r>
-            <a:r>
-              <a:rPr lang="de-DE" dirty="0"/>
-              <a:t>.</a:t>
-            </a:r>
-            <a:r>
-              <a:rPr lang="de-DE" dirty="0" err="1"/>
-              <a:t>tfvars</a:t>
-            </a:r>
-            <a:r>
-              <a:rPr lang="de-DE" dirty="0"/>
-              <a:t>-Datei beim </a:t>
-            </a:r>
-            <a:r>
-              <a:rPr lang="de-DE" dirty="0" err="1"/>
-              <a:t>terraform</a:t>
-            </a:r>
-            <a:r>
-              <a:rPr lang="de-DE" dirty="0"/>
-              <a:t> plan/</a:t>
-            </a:r>
-            <a:r>
-              <a:rPr lang="de-DE" dirty="0" err="1"/>
-              <a:t>apply</a:t>
-            </a:r>
-            <a:r>
-              <a:rPr lang="de-DE" dirty="0"/>
-              <a:t> </a:t>
-            </a:r>
-            <a:r>
-              <a:rPr lang="de-DE" dirty="0" smtClean="0"/>
-              <a:t>			via </a:t>
-            </a:r>
-            <a:r>
-              <a:rPr lang="de-DE" dirty="0"/>
-              <a:t>--</a:t>
-            </a:r>
-            <a:r>
-              <a:rPr lang="de-DE" dirty="0" err="1" smtClean="0"/>
-              <a:t>var</a:t>
-            </a:r>
-            <a:r>
-              <a:rPr lang="de-DE" dirty="0" smtClean="0"/>
-              <a:t>-file=</a:t>
-            </a:r>
-            <a:r>
-              <a:rPr lang="de-DE" dirty="0" err="1" smtClean="0"/>
-              <a:t>filename.tfvars</a:t>
-            </a:r>
-            <a:endParaRPr lang="de-DE" dirty="0"/>
-          </a:p>
-          <a:p>
-            <a:pPr marL="514350" indent="-514350">
-              <a:buFont typeface="+mj-lt"/>
-              <a:buAutoNum type="arabicPeriod"/>
-            </a:pPr>
-            <a:r>
-              <a:rPr lang="de-DE" dirty="0" smtClean="0"/>
-              <a:t>Im Stammverzeichnis abgelegte </a:t>
-            </a:r>
-            <a:r>
-              <a:rPr lang="de-DE" dirty="0"/>
-              <a:t>Datei </a:t>
-            </a:r>
-            <a:r>
-              <a:rPr lang="de-DE" dirty="0" err="1" smtClean="0"/>
-              <a:t>terraform.tfvars</a:t>
-            </a:r>
-            <a:r>
-              <a:rPr lang="de-DE" dirty="0" smtClean="0"/>
-              <a:t> / </a:t>
-            </a:r>
-            <a:r>
-              <a:rPr lang="de-DE" dirty="0" err="1" smtClean="0"/>
-              <a:t>terraform.tfvars.json</a:t>
-            </a:r>
-            <a:endParaRPr lang="de-DE" dirty="0" smtClean="0"/>
-          </a:p>
-          <a:p>
-            <a:pPr marL="514350" indent="-514350">
-              <a:buFont typeface="+mj-lt"/>
-              <a:buAutoNum type="arabicPeriod"/>
-            </a:pPr>
-            <a:r>
-              <a:rPr lang="de-DE" dirty="0"/>
-              <a:t>Vorgeben eines Default-Wertes bei der Definition der Variablen</a:t>
-            </a:r>
-            <a:endParaRPr lang="de-DE" dirty="0" smtClean="0"/>
-          </a:p>
-          <a:p>
-            <a:pPr marL="514350" indent="-514350">
-              <a:buFont typeface="+mj-lt"/>
-              <a:buAutoNum type="arabicPeriod"/>
-            </a:pPr>
-            <a:r>
-              <a:rPr lang="de-DE" dirty="0" smtClean="0"/>
-              <a:t>Eingabeaufforderung in </a:t>
-            </a:r>
-            <a:r>
-              <a:rPr lang="de-DE" dirty="0"/>
-              <a:t>der Konsole während der Ausführung von </a:t>
-            </a:r>
-            <a:r>
-              <a:rPr lang="de-DE" dirty="0" err="1"/>
-              <a:t>terraform</a:t>
-            </a:r>
-            <a:r>
-              <a:rPr lang="de-DE" dirty="0"/>
-              <a:t> </a:t>
-            </a:r>
-            <a:r>
-              <a:rPr lang="de-DE" dirty="0" smtClean="0"/>
-              <a:t>plan/</a:t>
-            </a:r>
-            <a:r>
-              <a:rPr lang="de-DE" dirty="0" err="1" smtClean="0"/>
-              <a:t>apply</a:t>
-            </a:r>
-            <a:endParaRPr lang="de-DE" dirty="0"/>
-          </a:p>
-        </p:txBody>
-      </p:sp>
-    </p:spTree>
-    <p:extLst>
-      <p:ext uri="{BB962C8B-B14F-4D97-AF65-F5344CB8AC3E}">
-        <p14:creationId xmlns:p14="http://schemas.microsoft.com/office/powerpoint/2010/main" val="869877661"/>
-      </p:ext>
-    </p:extLst>
-  </p:cSld>
-  <p:clrMapOvr>
-    <a:masterClrMapping/>
-  </p:clrMapOvr>
-</p:sld>
-</file>
-
 <file path=ppt/slides/slide4.xml><?xml version="1.0" encoding="utf-8"?>
 <p:sld xmlns:a="http://schemas.openxmlformats.org/drawingml/2006/main" xmlns:r="http://schemas.openxmlformats.org/officeDocument/2006/relationships" xmlns:p="http://schemas.openxmlformats.org/presentationml/2006/main">
   <p:cSld>
@@ -4838,7 +5177,7 @@
           <a:p>
             <a:r>
               <a:rPr lang="de-DE" dirty="0" smtClean="0"/>
-              <a:t>Output-Values</a:t>
+              <a:t>Zugriff auf Input-Variables</a:t>
             </a:r>
             <a:endParaRPr lang="de-DE" dirty="0"/>
           </a:p>
@@ -4846,7 +5185,7 @@
       </p:sp>
       <p:sp>
         <p:nvSpPr>
-          <p:cNvPr id="4" name="Rectangle 1"/>
+          <p:cNvPr id="3" name="Rectangle 1"/>
           <p:cNvSpPr>
             <a:spLocks noChangeArrowheads="1"/>
           </p:cNvSpPr>
@@ -4854,8 +5193,8 @@
         </p:nvSpPr>
         <p:spPr bwMode="auto">
           <a:xfrm>
-            <a:off x="2156883" y="1690688"/>
-            <a:ext cx="7878233" cy="4524315"/>
+            <a:off x="2573868" y="3081575"/>
+            <a:ext cx="5858932" cy="2862322"/>
           </a:xfrm>
           <a:prstGeom prst="rect">
             <a:avLst/>
@@ -4915,7 +5254,7 @@
               <a:tabLst/>
             </a:pPr>
             <a:r>
-              <a:rPr kumimoji="0" lang="de-DE" altLang="de-DE" sz="2400" b="0" i="1" u="none" strike="noStrike" cap="none" normalizeH="0" baseline="0" dirty="0" err="1" smtClean="0">
+              <a:rPr kumimoji="0" lang="de-DE" altLang="de-DE" sz="2000" b="0" i="1" u="none" strike="noStrike" cap="none" normalizeH="0" baseline="0" dirty="0" smtClean="0">
                 <a:ln>
                   <a:noFill/>
                 </a:ln>
@@ -4925,10 +5264,485 @@
                 <a:effectLst/>
                 <a:latin typeface="JetBrains Mono"/>
               </a:rPr>
-              <a:t>output</a:t>
-            </a:r>
-            <a:r>
-              <a:rPr kumimoji="0" lang="de-DE" altLang="de-DE" sz="2400" b="0" i="1" u="none" strike="noStrike" cap="none" normalizeH="0" baseline="0" dirty="0" smtClean="0">
+              <a:t>variable </a:t>
+            </a:r>
+            <a:r>
+              <a:rPr kumimoji="0" lang="de-DE" altLang="de-DE" sz="2000" b="0" i="0" u="none" strike="noStrike" cap="none" normalizeH="0" baseline="0" dirty="0" smtClean="0">
+                <a:ln>
+                  <a:noFill/>
+                </a:ln>
+                <a:solidFill>
+                  <a:srgbClr val="E5C07B"/>
+                </a:solidFill>
+                <a:effectLst/>
+                <a:latin typeface="JetBrains Mono"/>
+              </a:rPr>
+              <a:t>"</a:t>
+            </a:r>
+            <a:r>
+              <a:rPr kumimoji="0" lang="de-DE" altLang="de-DE" sz="2000" b="0" i="0" u="none" strike="noStrike" cap="none" normalizeH="0" baseline="0" dirty="0" err="1" smtClean="0">
+                <a:ln>
+                  <a:noFill/>
+                </a:ln>
+                <a:solidFill>
+                  <a:srgbClr val="E5C07B"/>
+                </a:solidFill>
+                <a:effectLst/>
+                <a:latin typeface="JetBrains Mono"/>
+              </a:rPr>
+              <a:t>bucketName</a:t>
+            </a:r>
+            <a:r>
+              <a:rPr kumimoji="0" lang="de-DE" altLang="de-DE" sz="2000" b="0" i="0" u="none" strike="noStrike" cap="none" normalizeH="0" baseline="0" dirty="0" smtClean="0">
+                <a:ln>
+                  <a:noFill/>
+                </a:ln>
+                <a:solidFill>
+                  <a:srgbClr val="E5C07B"/>
+                </a:solidFill>
+                <a:effectLst/>
+                <a:latin typeface="JetBrains Mono"/>
+              </a:rPr>
+              <a:t>" </a:t>
+            </a:r>
+            <a:r>
+              <a:rPr kumimoji="0" lang="de-DE" altLang="de-DE" sz="2000" b="0" i="0" u="none" strike="noStrike" cap="none" normalizeH="0" baseline="0" dirty="0" smtClean="0">
+                <a:ln>
+                  <a:noFill/>
+                </a:ln>
+                <a:solidFill>
+                  <a:srgbClr val="BBBBBB"/>
+                </a:solidFill>
+                <a:effectLst/>
+                <a:latin typeface="JetBrains Mono"/>
+              </a:rPr>
+              <a:t>{</a:t>
+            </a:r>
+            <a:br>
+              <a:rPr kumimoji="0" lang="de-DE" altLang="de-DE" sz="2000" b="0" i="0" u="none" strike="noStrike" cap="none" normalizeH="0" baseline="0" dirty="0" smtClean="0">
+                <a:ln>
+                  <a:noFill/>
+                </a:ln>
+                <a:solidFill>
+                  <a:srgbClr val="BBBBBB"/>
+                </a:solidFill>
+                <a:effectLst/>
+                <a:latin typeface="JetBrains Mono"/>
+              </a:rPr>
+            </a:br>
+            <a:r>
+              <a:rPr kumimoji="0" lang="de-DE" altLang="de-DE" sz="2000" b="0" i="0" u="none" strike="noStrike" cap="none" normalizeH="0" baseline="0" dirty="0" smtClean="0">
+                <a:ln>
+                  <a:noFill/>
+                </a:ln>
+                <a:solidFill>
+                  <a:srgbClr val="BBBBBB"/>
+                </a:solidFill>
+                <a:effectLst/>
+                <a:latin typeface="JetBrains Mono"/>
+              </a:rPr>
+              <a:t>  </a:t>
+            </a:r>
+            <a:r>
+              <a:rPr kumimoji="0" lang="de-DE" altLang="de-DE" sz="2000" b="0" i="0" u="none" strike="noStrike" cap="none" normalizeH="0" baseline="0" dirty="0" smtClean="0">
+                <a:ln>
+                  <a:noFill/>
+                </a:ln>
+                <a:solidFill>
+                  <a:srgbClr val="EF596F"/>
+                </a:solidFill>
+                <a:effectLst/>
+                <a:latin typeface="JetBrains Mono"/>
+              </a:rPr>
+              <a:t>type </a:t>
+            </a:r>
+            <a:r>
+              <a:rPr kumimoji="0" lang="de-DE" altLang="de-DE" sz="2000" b="0" i="0" u="none" strike="noStrike" cap="none" normalizeH="0" baseline="0" dirty="0" smtClean="0">
+                <a:ln>
+                  <a:noFill/>
+                </a:ln>
+                <a:solidFill>
+                  <a:srgbClr val="BBBBBB"/>
+                </a:solidFill>
+                <a:effectLst/>
+                <a:latin typeface="JetBrains Mono"/>
+              </a:rPr>
+              <a:t>= </a:t>
+            </a:r>
+            <a:r>
+              <a:rPr kumimoji="0" lang="de-DE" altLang="de-DE" sz="2000" b="0" i="0" u="none" strike="noStrike" cap="none" normalizeH="0" baseline="0" dirty="0" err="1" smtClean="0">
+                <a:ln>
+                  <a:noFill/>
+                </a:ln>
+                <a:solidFill>
+                  <a:srgbClr val="BBBBBB"/>
+                </a:solidFill>
+                <a:effectLst/>
+                <a:latin typeface="JetBrains Mono"/>
+              </a:rPr>
+              <a:t>string</a:t>
+            </a:r>
+            <a:r>
+              <a:rPr kumimoji="0" lang="de-DE" altLang="de-DE" sz="2000" b="0" i="0" u="none" strike="noStrike" cap="none" normalizeH="0" baseline="0" dirty="0" smtClean="0">
+                <a:ln>
+                  <a:noFill/>
+                </a:ln>
+                <a:solidFill>
+                  <a:srgbClr val="BBBBBB"/>
+                </a:solidFill>
+                <a:effectLst/>
+                <a:latin typeface="JetBrains Mono"/>
+              </a:rPr>
+              <a:t/>
+            </a:r>
+            <a:br>
+              <a:rPr kumimoji="0" lang="de-DE" altLang="de-DE" sz="2000" b="0" i="0" u="none" strike="noStrike" cap="none" normalizeH="0" baseline="0" dirty="0" smtClean="0">
+                <a:ln>
+                  <a:noFill/>
+                </a:ln>
+                <a:solidFill>
+                  <a:srgbClr val="BBBBBB"/>
+                </a:solidFill>
+                <a:effectLst/>
+                <a:latin typeface="JetBrains Mono"/>
+              </a:rPr>
+            </a:br>
+            <a:r>
+              <a:rPr kumimoji="0" lang="de-DE" altLang="de-DE" sz="2000" b="0" i="0" u="none" strike="noStrike" cap="none" normalizeH="0" baseline="0" dirty="0" smtClean="0">
+                <a:ln>
+                  <a:noFill/>
+                </a:ln>
+                <a:solidFill>
+                  <a:srgbClr val="BBBBBB"/>
+                </a:solidFill>
+                <a:effectLst/>
+                <a:latin typeface="JetBrains Mono"/>
+              </a:rPr>
+              <a:t>  </a:t>
+            </a:r>
+            <a:r>
+              <a:rPr kumimoji="0" lang="de-DE" altLang="de-DE" sz="2000" b="0" i="0" u="none" strike="noStrike" cap="none" normalizeH="0" baseline="0" dirty="0" err="1" smtClean="0">
+                <a:ln>
+                  <a:noFill/>
+                </a:ln>
+                <a:solidFill>
+                  <a:srgbClr val="EF596F"/>
+                </a:solidFill>
+                <a:effectLst/>
+                <a:latin typeface="JetBrains Mono"/>
+              </a:rPr>
+              <a:t>description</a:t>
+            </a:r>
+            <a:r>
+              <a:rPr kumimoji="0" lang="de-DE" altLang="de-DE" sz="2000" b="0" i="0" u="none" strike="noStrike" cap="none" normalizeH="0" baseline="0" dirty="0" smtClean="0">
+                <a:ln>
+                  <a:noFill/>
+                </a:ln>
+                <a:solidFill>
+                  <a:srgbClr val="EF596F"/>
+                </a:solidFill>
+                <a:effectLst/>
+                <a:latin typeface="JetBrains Mono"/>
+              </a:rPr>
+              <a:t> </a:t>
+            </a:r>
+            <a:r>
+              <a:rPr kumimoji="0" lang="de-DE" altLang="de-DE" sz="2000" b="0" i="0" u="none" strike="noStrike" cap="none" normalizeH="0" baseline="0" dirty="0" smtClean="0">
+                <a:ln>
+                  <a:noFill/>
+                </a:ln>
+                <a:solidFill>
+                  <a:srgbClr val="BBBBBB"/>
+                </a:solidFill>
+                <a:effectLst/>
+                <a:latin typeface="JetBrains Mono"/>
+              </a:rPr>
+              <a:t>= </a:t>
+            </a:r>
+            <a:r>
+              <a:rPr kumimoji="0" lang="de-DE" altLang="de-DE" sz="2000" b="0" i="0" u="none" strike="noStrike" cap="none" normalizeH="0" baseline="0" dirty="0" smtClean="0">
+                <a:ln>
+                  <a:noFill/>
+                </a:ln>
+                <a:solidFill>
+                  <a:srgbClr val="89CA78"/>
+                </a:solidFill>
+                <a:effectLst/>
+                <a:latin typeface="JetBrains Mono"/>
+              </a:rPr>
+              <a:t>"Name </a:t>
+            </a:r>
+            <a:r>
+              <a:rPr kumimoji="0" lang="de-DE" altLang="de-DE" sz="2000" b="0" i="0" u="none" strike="noStrike" cap="none" normalizeH="0" baseline="0" dirty="0" err="1" smtClean="0">
+                <a:ln>
+                  <a:noFill/>
+                </a:ln>
+                <a:solidFill>
+                  <a:srgbClr val="89CA78"/>
+                </a:solidFill>
+                <a:effectLst/>
+                <a:latin typeface="JetBrains Mono"/>
+              </a:rPr>
+              <a:t>of</a:t>
+            </a:r>
+            <a:r>
+              <a:rPr kumimoji="0" lang="de-DE" altLang="de-DE" sz="2000" b="0" i="0" u="none" strike="noStrike" cap="none" normalizeH="0" baseline="0" dirty="0" smtClean="0">
+                <a:ln>
+                  <a:noFill/>
+                </a:ln>
+                <a:solidFill>
+                  <a:srgbClr val="89CA78"/>
+                </a:solidFill>
+                <a:effectLst/>
+                <a:latin typeface="JetBrains Mono"/>
+              </a:rPr>
+              <a:t> </a:t>
+            </a:r>
+            <a:r>
+              <a:rPr kumimoji="0" lang="de-DE" altLang="de-DE" sz="2000" b="0" i="0" u="none" strike="noStrike" cap="none" normalizeH="0" baseline="0" dirty="0" err="1" smtClean="0">
+                <a:ln>
+                  <a:noFill/>
+                </a:ln>
+                <a:solidFill>
+                  <a:srgbClr val="89CA78"/>
+                </a:solidFill>
+                <a:effectLst/>
+                <a:latin typeface="JetBrains Mono"/>
+              </a:rPr>
+              <a:t>the</a:t>
+            </a:r>
+            <a:r>
+              <a:rPr kumimoji="0" lang="de-DE" altLang="de-DE" sz="2000" b="0" i="0" u="none" strike="noStrike" cap="none" normalizeH="0" baseline="0" dirty="0" smtClean="0">
+                <a:ln>
+                  <a:noFill/>
+                </a:ln>
+                <a:solidFill>
+                  <a:srgbClr val="89CA78"/>
+                </a:solidFill>
+                <a:effectLst/>
+                <a:latin typeface="JetBrains Mono"/>
+              </a:rPr>
+              <a:t> </a:t>
+            </a:r>
+            <a:r>
+              <a:rPr kumimoji="0" lang="de-DE" altLang="de-DE" sz="2000" b="0" i="0" u="none" strike="noStrike" cap="none" normalizeH="0" baseline="0" dirty="0" err="1" smtClean="0">
+                <a:ln>
+                  <a:noFill/>
+                </a:ln>
+                <a:solidFill>
+                  <a:srgbClr val="89CA78"/>
+                </a:solidFill>
+                <a:effectLst/>
+                <a:latin typeface="JetBrains Mono"/>
+              </a:rPr>
+              <a:t>demo</a:t>
+            </a:r>
+            <a:r>
+              <a:rPr kumimoji="0" lang="de-DE" altLang="de-DE" sz="2000" b="0" i="0" u="none" strike="noStrike" cap="none" normalizeH="0" baseline="0" dirty="0" smtClean="0">
+                <a:ln>
+                  <a:noFill/>
+                </a:ln>
+                <a:solidFill>
+                  <a:srgbClr val="89CA78"/>
+                </a:solidFill>
+                <a:effectLst/>
+                <a:latin typeface="JetBrains Mono"/>
+              </a:rPr>
+              <a:t> </a:t>
+            </a:r>
+            <a:r>
+              <a:rPr kumimoji="0" lang="de-DE" altLang="de-DE" sz="2000" b="0" i="0" u="none" strike="noStrike" cap="none" normalizeH="0" baseline="0" dirty="0" err="1" smtClean="0">
+                <a:ln>
+                  <a:noFill/>
+                </a:ln>
+                <a:solidFill>
+                  <a:srgbClr val="89CA78"/>
+                </a:solidFill>
+                <a:effectLst/>
+                <a:latin typeface="JetBrains Mono"/>
+              </a:rPr>
+              <a:t>bucket</a:t>
+            </a:r>
+            <a:r>
+              <a:rPr kumimoji="0" lang="de-DE" altLang="de-DE" sz="2000" b="0" i="0" u="none" strike="noStrike" cap="none" normalizeH="0" baseline="0" dirty="0" smtClean="0">
+                <a:ln>
+                  <a:noFill/>
+                </a:ln>
+                <a:solidFill>
+                  <a:srgbClr val="89CA78"/>
+                </a:solidFill>
+                <a:effectLst/>
+                <a:latin typeface="JetBrains Mono"/>
+              </a:rPr>
+              <a:t>"</a:t>
+            </a:r>
+            <a:br>
+              <a:rPr kumimoji="0" lang="de-DE" altLang="de-DE" sz="2000" b="0" i="0" u="none" strike="noStrike" cap="none" normalizeH="0" baseline="0" dirty="0" smtClean="0">
+                <a:ln>
+                  <a:noFill/>
+                </a:ln>
+                <a:solidFill>
+                  <a:srgbClr val="89CA78"/>
+                </a:solidFill>
+                <a:effectLst/>
+                <a:latin typeface="JetBrains Mono"/>
+              </a:rPr>
+            </a:br>
+            <a:r>
+              <a:rPr kumimoji="0" lang="de-DE" altLang="de-DE" sz="2000" b="0" i="0" u="none" strike="noStrike" cap="none" normalizeH="0" baseline="0" dirty="0" smtClean="0">
+                <a:ln>
+                  <a:noFill/>
+                </a:ln>
+                <a:solidFill>
+                  <a:srgbClr val="89CA78"/>
+                </a:solidFill>
+                <a:effectLst/>
+                <a:latin typeface="JetBrains Mono"/>
+              </a:rPr>
+              <a:t>  </a:t>
+            </a:r>
+            <a:r>
+              <a:rPr kumimoji="0" lang="de-DE" altLang="de-DE" sz="2000" b="0" i="0" u="none" strike="noStrike" cap="none" normalizeH="0" baseline="0" dirty="0" err="1" smtClean="0">
+                <a:ln>
+                  <a:noFill/>
+                </a:ln>
+                <a:solidFill>
+                  <a:srgbClr val="EF596F"/>
+                </a:solidFill>
+                <a:effectLst/>
+                <a:latin typeface="JetBrains Mono"/>
+              </a:rPr>
+              <a:t>default</a:t>
+            </a:r>
+            <a:r>
+              <a:rPr kumimoji="0" lang="de-DE" altLang="de-DE" sz="2000" b="0" i="0" u="none" strike="noStrike" cap="none" normalizeH="0" baseline="0" dirty="0" smtClean="0">
+                <a:ln>
+                  <a:noFill/>
+                </a:ln>
+                <a:solidFill>
+                  <a:srgbClr val="EF596F"/>
+                </a:solidFill>
+                <a:effectLst/>
+                <a:latin typeface="JetBrains Mono"/>
+              </a:rPr>
+              <a:t> </a:t>
+            </a:r>
+            <a:r>
+              <a:rPr kumimoji="0" lang="de-DE" altLang="de-DE" sz="2000" b="0" i="0" u="none" strike="noStrike" cap="none" normalizeH="0" baseline="0" dirty="0" smtClean="0">
+                <a:ln>
+                  <a:noFill/>
+                </a:ln>
+                <a:solidFill>
+                  <a:srgbClr val="BBBBBB"/>
+                </a:solidFill>
+                <a:effectLst/>
+                <a:latin typeface="JetBrains Mono"/>
+              </a:rPr>
+              <a:t>= </a:t>
+            </a:r>
+            <a:r>
+              <a:rPr kumimoji="0" lang="de-DE" altLang="de-DE" sz="2000" b="0" i="0" u="none" strike="noStrike" cap="none" normalizeH="0" baseline="0" dirty="0" smtClean="0">
+                <a:ln>
+                  <a:noFill/>
+                </a:ln>
+                <a:solidFill>
+                  <a:srgbClr val="89CA78"/>
+                </a:solidFill>
+                <a:effectLst/>
+                <a:latin typeface="JetBrains Mono"/>
+              </a:rPr>
+              <a:t>"</a:t>
+            </a:r>
+            <a:r>
+              <a:rPr kumimoji="0" lang="de-DE" altLang="de-DE" sz="2000" b="0" i="0" u="none" strike="noStrike" cap="none" normalizeH="0" baseline="0" dirty="0" err="1" smtClean="0">
+                <a:ln>
+                  <a:noFill/>
+                </a:ln>
+                <a:solidFill>
+                  <a:srgbClr val="89CA78"/>
+                </a:solidFill>
+                <a:effectLst/>
+                <a:latin typeface="JetBrains Mono"/>
+              </a:rPr>
+              <a:t>demo</a:t>
+            </a:r>
+            <a:r>
+              <a:rPr kumimoji="0" lang="de-DE" altLang="de-DE" sz="2000" b="0" i="0" u="none" strike="noStrike" cap="none" normalizeH="0" baseline="0" dirty="0" smtClean="0">
+                <a:ln>
+                  <a:noFill/>
+                </a:ln>
+                <a:solidFill>
+                  <a:srgbClr val="89CA78"/>
+                </a:solidFill>
+                <a:effectLst/>
+                <a:latin typeface="JetBrains Mono"/>
+              </a:rPr>
+              <a:t>"</a:t>
+            </a:r>
+            <a:br>
+              <a:rPr kumimoji="0" lang="de-DE" altLang="de-DE" sz="2000" b="0" i="0" u="none" strike="noStrike" cap="none" normalizeH="0" baseline="0" dirty="0" smtClean="0">
+                <a:ln>
+                  <a:noFill/>
+                </a:ln>
+                <a:solidFill>
+                  <a:srgbClr val="89CA78"/>
+                </a:solidFill>
+                <a:effectLst/>
+                <a:latin typeface="JetBrains Mono"/>
+              </a:rPr>
+            </a:br>
+            <a:r>
+              <a:rPr kumimoji="0" lang="de-DE" altLang="de-DE" sz="2000" b="0" i="0" u="none" strike="noStrike" cap="none" normalizeH="0" baseline="0" dirty="0" smtClean="0">
+                <a:ln>
+                  <a:noFill/>
+                </a:ln>
+                <a:solidFill>
+                  <a:srgbClr val="BBBBBB"/>
+                </a:solidFill>
+                <a:effectLst/>
+                <a:latin typeface="JetBrains Mono"/>
+              </a:rPr>
+              <a:t>}</a:t>
+            </a:r>
+            <a:br>
+              <a:rPr kumimoji="0" lang="de-DE" altLang="de-DE" sz="2000" b="0" i="0" u="none" strike="noStrike" cap="none" normalizeH="0" baseline="0" dirty="0" smtClean="0">
+                <a:ln>
+                  <a:noFill/>
+                </a:ln>
+                <a:solidFill>
+                  <a:srgbClr val="BBBBBB"/>
+                </a:solidFill>
+                <a:effectLst/>
+                <a:latin typeface="JetBrains Mono"/>
+              </a:rPr>
+            </a:br>
+            <a:r>
+              <a:rPr kumimoji="0" lang="de-DE" altLang="de-DE" sz="2000" b="0" i="0" u="none" strike="noStrike" cap="none" normalizeH="0" baseline="0" dirty="0" smtClean="0">
+                <a:ln>
+                  <a:noFill/>
+                </a:ln>
+                <a:solidFill>
+                  <a:srgbClr val="BBBBBB"/>
+                </a:solidFill>
+                <a:effectLst/>
+                <a:latin typeface="JetBrains Mono"/>
+              </a:rPr>
+              <a:t/>
+            </a:r>
+            <a:br>
+              <a:rPr kumimoji="0" lang="de-DE" altLang="de-DE" sz="2000" b="0" i="0" u="none" strike="noStrike" cap="none" normalizeH="0" baseline="0" dirty="0" smtClean="0">
+                <a:ln>
+                  <a:noFill/>
+                </a:ln>
+                <a:solidFill>
+                  <a:srgbClr val="BBBBBB"/>
+                </a:solidFill>
+                <a:effectLst/>
+                <a:latin typeface="JetBrains Mono"/>
+              </a:rPr>
+            </a:br>
+            <a:r>
+              <a:rPr kumimoji="0" lang="de-DE" altLang="de-DE" sz="2000" b="0" i="1" u="none" strike="noStrike" cap="none" normalizeH="0" baseline="0" dirty="0" err="1" smtClean="0">
                 <a:ln>
                   <a:noFill/>
                 </a:ln>
@@ -4938,10 +5752,23 @@
                 <a:effectLst/>
                 <a:latin typeface="JetBrains Mono"/>
               </a:rPr>
+              <a:t>resource</a:t>
+            </a:r>
+            <a:r>
+              <a:rPr kumimoji="0" lang="de-DE" altLang="de-DE" sz="2000" b="0" i="1" u="none" strike="noStrike" cap="none" normalizeH="0" baseline="0" dirty="0" smtClean="0">
+                <a:ln>
+                  <a:noFill/>
+                </a:ln>
+                <a:solidFill>
+                  <a:srgbClr val="D55FDE"/>
+                </a:solidFill>
+                <a:effectLst/>
+                <a:latin typeface="JetBrains Mono"/>
+              </a:rPr>
               <a:t> </a:t>
             </a:r>
             <a:r>
-              <a:rPr kumimoji="0" lang="de-DE" altLang="de-DE" sz="2400" b="0" i="0" u="none" strike="noStrike" cap="none" normalizeH="0" baseline="0" dirty="0" smtClean="0">
+              <a:rPr kumimoji="0" lang="de-DE" altLang="de-DE" sz="2000" b="0" i="0" u="none" strike="noStrike" cap="none" normalizeH="0" baseline="0" dirty="0" smtClean="0">
                 <a:ln>
                   <a:noFill/>
                 </a:ln>
@@ -4951,10 +5778,10 @@
                 <a:effectLst/>
                 <a:latin typeface="JetBrains Mono"/>
               </a:rPr>
-              <a:t>"</a:t>
-            </a:r>
-            <a:r>
-              <a:rPr kumimoji="0" lang="de-DE" altLang="de-DE" sz="2400" b="0" i="0" u="none" strike="noStrike" cap="none" normalizeH="0" baseline="0" dirty="0" err="1" smtClean="0">
+              <a:t>"aws_s3_bucket" "</a:t>
+            </a:r>
+            <a:r>
+              <a:rPr kumimoji="0" lang="de-DE" altLang="de-DE" sz="2000" b="0" i="0" u="none" strike="noStrike" cap="none" normalizeH="0" baseline="0" dirty="0" err="1" smtClean="0">
                 <a:ln>
                   <a:noFill/>
                 </a:ln>
@@ -4964,10 +5791,10 @@
                 <a:effectLst/>
                 <a:latin typeface="JetBrains Mono"/>
               </a:rPr>
-              <a:t>region</a:t>
-            </a:r>
-            <a:r>
-              <a:rPr kumimoji="0" lang="de-DE" altLang="de-DE" sz="2400" b="0" i="0" u="none" strike="noStrike" cap="none" normalizeH="0" baseline="0" dirty="0" smtClean="0">
+              <a:t>demo</a:t>
+            </a:r>
+            <a:r>
+              <a:rPr kumimoji="0" lang="de-DE" altLang="de-DE" sz="2000" b="0" i="0" u="none" strike="noStrike" cap="none" normalizeH="0" baseline="0" dirty="0" smtClean="0">
                 <a:ln>
                   <a:noFill/>
                 </a:ln>
@@ -4980,7 +5807,7 @@
               <a:t>" </a:t>
             </a:r>
             <a:r>
-              <a:rPr kumimoji="0" lang="de-DE" altLang="de-DE" sz="2400" b="0" i="0" u="none" strike="noStrike" cap="none" normalizeH="0" baseline="0" dirty="0" smtClean="0">
+              <a:rPr kumimoji="0" lang="de-DE" altLang="de-DE" sz="2000" b="0" i="0" u="none" strike="noStrike" cap="none" normalizeH="0" baseline="0" dirty="0" smtClean="0">
                 <a:ln>
                   <a:noFill/>
                 </a:ln>
@@ -4993,7 +5820,7 @@
               <a:t>{</a:t>
             </a:r>
             <a:br>
-              <a:rPr kumimoji="0" lang="de-DE" altLang="de-DE" sz="2400" b="0" i="0" u="none" strike="noStrike" cap="none" normalizeH="0" baseline="0" dirty="0" smtClean="0">
+              <a:rPr kumimoji="0" lang="de-DE" altLang="de-DE" sz="2000" b="0" i="0" u="none" strike="noStrike" cap="none" normalizeH="0" baseline="0" dirty="0" smtClean="0">
                 <a:ln>
                   <a:noFill/>
                 </a:ln>
@@ -5005,7 +5832,7 @@
               </a:rPr>
             </a:br>
             <a:r>
-              <a:rPr kumimoji="0" lang="de-DE" altLang="de-DE" sz="2400" b="0" i="0" u="none" strike="noStrike" cap="none" normalizeH="0" baseline="0" dirty="0" smtClean="0">
+              <a:rPr kumimoji="0" lang="de-DE" altLang="de-DE" sz="2000" b="0" i="0" u="none" strike="noStrike" cap="none" normalizeH="0" baseline="0" dirty="0" smtClean="0">
                 <a:ln>
                   <a:noFill/>
                 </a:ln>
@@ -5018,7 +5845,7 @@
               <a:t>  </a:t>
             </a:r>
             <a:r>
-              <a:rPr kumimoji="0" lang="de-DE" altLang="de-DE" sz="2400" b="0" i="0" u="none" strike="noStrike" cap="none" normalizeH="0" baseline="0" dirty="0" err="1" smtClean="0">
+              <a:rPr kumimoji="0" lang="de-DE" altLang="de-DE" sz="2000" b="0" i="0" u="none" strike="noStrike" cap="none" normalizeH="0" baseline="0" dirty="0" err="1" smtClean="0">
                 <a:ln>
                   <a:noFill/>
                 </a:ln>
@@ -5028,10 +5855,10 @@
                 <a:effectLst/>
                 <a:latin typeface="JetBrains Mono"/>
               </a:rPr>
-              <a:t>description</a:t>
-            </a:r>
-            <a:r>
-              <a:rPr kumimoji="0" lang="de-DE" altLang="de-DE" sz="2400" b="0" i="0" u="none" strike="noStrike" cap="none" normalizeH="0" baseline="0" dirty="0" smtClean="0">
+              <a:t>bucket</a:t>
+            </a:r>
+            <a:r>
+              <a:rPr kumimoji="0" lang="de-DE" altLang="de-DE" sz="2000" b="0" i="0" u="none" strike="noStrike" cap="none" normalizeH="0" baseline="0" dirty="0" smtClean="0">
                 <a:ln>
                   <a:noFill/>
                 </a:ln>
@@ -5044,7 +5871,7 @@
               <a:t> </a:t>
             </a:r>
             <a:r>
-              <a:rPr kumimoji="0" lang="de-DE" altLang="de-DE" sz="2400" b="0" i="0" u="none" strike="noStrike" cap="none" normalizeH="0" baseline="0" dirty="0" smtClean="0">
+              <a:rPr kumimoji="0" lang="de-DE" altLang="de-DE" sz="2000" b="0" i="0" u="none" strike="noStrike" cap="none" normalizeH="0" baseline="0" dirty="0" smtClean="0">
                 <a:ln>
                   <a:noFill/>
                 </a:ln>
@@ -5057,161 +5884,58 @@
               <a:t>= </a:t>
             </a:r>
             <a:r>
-              <a:rPr kumimoji="0" lang="de-DE" altLang="de-DE" sz="2400" b="0" i="0" u="none" strike="noStrike" cap="none" normalizeH="0" baseline="0" dirty="0" smtClean="0">
-                <a:ln>
-                  <a:noFill/>
-                </a:ln>
-                <a:solidFill>
-                  <a:srgbClr val="89CA78"/>
-                </a:solidFill>
-                <a:effectLst/>
-                <a:latin typeface="JetBrains Mono"/>
-              </a:rPr>
-              <a:t>"AWS </a:t>
-            </a:r>
-            <a:r>
-              <a:rPr kumimoji="0" lang="de-DE" altLang="de-DE" sz="2400" b="0" i="0" u="none" strike="noStrike" cap="none" normalizeH="0" baseline="0" dirty="0" err="1" smtClean="0">
-                <a:ln>
-                  <a:noFill/>
-                </a:ln>
-                <a:solidFill>
-                  <a:srgbClr val="89CA78"/>
-                </a:solidFill>
-                <a:effectLst/>
-                <a:latin typeface="JetBrains Mono"/>
-              </a:rPr>
-              <a:t>region</a:t>
-            </a:r>
-            <a:r>
-              <a:rPr kumimoji="0" lang="de-DE" altLang="de-DE" sz="2400" b="0" i="0" u="none" strike="noStrike" cap="none" normalizeH="0" baseline="0" dirty="0" smtClean="0">
-                <a:ln>
-                  <a:noFill/>
-                </a:ln>
-                <a:solidFill>
-                  <a:srgbClr val="89CA78"/>
-                </a:solidFill>
-                <a:effectLst/>
-                <a:latin typeface="JetBrains Mono"/>
-              </a:rPr>
-              <a:t>"</a:t>
+              <a:rPr kumimoji="0" lang="de-DE" altLang="de-DE" sz="2000" b="0" i="0" u="none" strike="noStrike" cap="none" normalizeH="0" baseline="0" dirty="0" err="1" smtClean="0">
+                <a:ln>
+                  <a:noFill/>
+                </a:ln>
+                <a:solidFill>
+                  <a:srgbClr val="BBBBBB"/>
+                </a:solidFill>
+                <a:effectLst/>
+                <a:latin typeface="JetBrains Mono"/>
+              </a:rPr>
+              <a:t>var.</a:t>
+            </a:r>
+            <a:r>
+              <a:rPr kumimoji="0" lang="de-DE" altLang="de-DE" sz="2000" b="0" i="0" u="none" strike="noStrike" cap="none" normalizeH="0" baseline="0" dirty="0" err="1" smtClean="0">
+                <a:ln>
+                  <a:noFill/>
+                </a:ln>
+                <a:solidFill>
+                  <a:srgbClr val="EF596F"/>
+                </a:solidFill>
+                <a:effectLst/>
+                <a:latin typeface="JetBrains Mono"/>
+              </a:rPr>
+              <a:t>bucketName</a:t>
+            </a:r>
+            <a:r>
+              <a:rPr kumimoji="0" lang="de-DE" altLang="de-DE" sz="2000" b="0" i="0" u="none" strike="noStrike" cap="none" normalizeH="0" baseline="0" dirty="0" smtClean="0">
+                <a:ln>
+                  <a:noFill/>
+                </a:ln>
+                <a:solidFill>
+                  <a:srgbClr val="EF596F"/>
+                </a:solidFill>
+                <a:effectLst/>
+                <a:latin typeface="JetBrains Mono"/>
+              </a:rPr>
+              <a:t/>
             </a:r>
             <a:br>
-              <a:rPr kumimoji="0" lang="de-DE" altLang="de-DE" sz="2400" b="0" i="0" u="none" strike="noStrike" cap="none" normalizeH="0" baseline="0" dirty="0" smtClean="0">
-                <a:ln>
-                  <a:noFill/>
-                </a:ln>
-                <a:solidFill>
-                  <a:srgbClr val="89CA78"/>
+              <a:rPr kumimoji="0" lang="de-DE" altLang="de-DE" sz="2000" b="0" i="0" u="none" strike="noStrike" cap="none" normalizeH="0" baseline="0" dirty="0" smtClean="0">
+                <a:ln>
+                  <a:noFill/>
+                </a:ln>
+                <a:solidFill>
+                  <a:srgbClr val="EF596F"/>
                 </a:solidFill>
                 <a:effectLst/>
                 <a:latin typeface="JetBrains Mono"/>
               </a:rPr>
             </a:br>
             <a:r>
-              <a:rPr kumimoji="0" lang="de-DE" altLang="de-DE" sz="2400" b="0" i="0" u="none" strike="noStrike" cap="none" normalizeH="0" baseline="0" dirty="0" smtClean="0">
-                <a:ln>
-                  <a:noFill/>
-                </a:ln>
-                <a:solidFill>
-                  <a:srgbClr val="89CA78"/>
-                </a:solidFill>
-                <a:effectLst/>
-                <a:latin typeface="JetBrains Mono"/>
-              </a:rPr>
-              <a:t>  </a:t>
-            </a:r>
-            <a:r>
-              <a:rPr kumimoji="0" lang="de-DE" altLang="de-DE" sz="2400" b="0" i="0" u="none" strike="noStrike" cap="none" normalizeH="0" baseline="0" dirty="0" err="1" smtClean="0">
-                <a:ln>
-                  <a:noFill/>
-                </a:ln>
-                <a:solidFill>
-                  <a:srgbClr val="EF596F"/>
-                </a:solidFill>
-                <a:effectLst/>
-                <a:latin typeface="JetBrains Mono"/>
-              </a:rPr>
-              <a:t>value</a:t>
-            </a:r>
-            <a:r>
-              <a:rPr kumimoji="0" lang="de-DE" altLang="de-DE" sz="2400" b="0" i="0" u="none" strike="noStrike" cap="none" normalizeH="0" baseline="0" dirty="0" smtClean="0">
-                <a:ln>
-                  <a:noFill/>
-                </a:ln>
-                <a:solidFill>
-                  <a:srgbClr val="EF596F"/>
-                </a:solidFill>
-                <a:effectLst/>
-                <a:latin typeface="JetBrains Mono"/>
-              </a:rPr>
-              <a:t>       </a:t>
-            </a:r>
-            <a:r>
-              <a:rPr kumimoji="0" lang="de-DE" altLang="de-DE" sz="2400" b="0" i="0" u="none" strike="noStrike" cap="none" normalizeH="0" baseline="0" dirty="0" smtClean="0">
-                <a:ln>
-                  <a:noFill/>
-                </a:ln>
-                <a:solidFill>
-                  <a:srgbClr val="BBBBBB"/>
-                </a:solidFill>
-                <a:effectLst/>
-                <a:latin typeface="JetBrains Mono"/>
-              </a:rPr>
-              <a:t>= </a:t>
-            </a:r>
-            <a:r>
-              <a:rPr kumimoji="0" lang="de-DE" altLang="de-DE" sz="2400" b="0" i="0" u="none" strike="noStrike" cap="none" normalizeH="0" baseline="0" dirty="0" err="1" smtClean="0">
-                <a:ln>
-                  <a:noFill/>
-                </a:ln>
-                <a:solidFill>
-                  <a:srgbClr val="BBBBBB"/>
-                </a:solidFill>
-                <a:effectLst/>
-                <a:latin typeface="JetBrains Mono"/>
-              </a:rPr>
-              <a:t>var.</a:t>
-            </a:r>
-            <a:r>
-              <a:rPr kumimoji="0" lang="de-DE" altLang="de-DE" sz="2400" b="0" i="0" u="none" strike="noStrike" cap="none" normalizeH="0" baseline="0" dirty="0" err="1" smtClean="0">
-                <a:ln>
-                  <a:noFill/>
-                </a:ln>
-                <a:solidFill>
-                  <a:srgbClr val="EF596F"/>
-                </a:solidFill>
-                <a:effectLst/>
-                <a:latin typeface="JetBrains Mono"/>
-              </a:rPr>
-              <a:t>region</a:t>
-            </a:r>
-            <a:r>
-              <a:rPr kumimoji="0" lang="de-DE" altLang="de-DE" sz="2400" b="0" i="0" u="none" strike="noStrike" cap="none" normalizeH="0" baseline="0" dirty="0" smtClean="0">
-                <a:ln>
-                  <a:noFill/>
-                </a:ln>
-                <a:solidFill>
-                  <a:srgbClr val="EF596F"/>
-                </a:solidFill>
-                <a:effectLst/>
-                <a:latin typeface="JetBrains Mono"/>
-              </a:rPr>
-              <a:t/>
-            </a:r>
-            <a:br>
-              <a:rPr kumimoji="0" lang="de-DE" altLang="de-DE" sz="2400" b="0" i="0" u="none" strike="noStrike" cap="none" normalizeH="0" baseline="0" dirty="0" smtClean="0">
-                <a:ln>
-                  <a:noFill/>
-                </a:ln>
-                <a:solidFill>
-                  <a:srgbClr val="EF596F"/>
-                </a:solidFill>
-                <a:effectLst/>
-                <a:latin typeface="JetBrains Mono"/>
-              </a:rPr>
-            </a:br>
-            <a:r>
-              <a:rPr kumimoji="0" lang="de-DE" altLang="de-DE" sz="2400" b="0" i="0" u="none" strike="noStrike" cap="none" normalizeH="0" baseline="0" dirty="0" smtClean="0">
+              <a:rPr kumimoji="0" lang="de-DE" altLang="de-DE" sz="2000" b="0" i="0" u="none" strike="noStrike" cap="none" normalizeH="0" baseline="0" dirty="0" smtClean="0">
                 <a:ln>
                   <a:noFill/>
                 </a:ln>
@@ -5223,675 +5947,7 @@
               </a:rPr>
               <a:t>}</a:t>
             </a:r>
-            <a:br>
-              <a:rPr kumimoji="0" lang="de-DE" altLang="de-DE" sz="2400" b="0" i="0" u="none" strike="noStrike" cap="none" normalizeH="0" baseline="0" dirty="0" smtClean="0">
-                <a:ln>
-                  <a:noFill/>
-                </a:ln>
-                <a:solidFill>
-                  <a:srgbClr val="BBBBBB"/>
-                </a:solidFill>
-                <a:effectLst/>
-                <a:latin typeface="JetBrains Mono"/>
-              </a:rPr>
-            </a:br>
-            <a:r>
-              <a:rPr kumimoji="0" lang="de-DE" altLang="de-DE" sz="2400" b="0" i="1" u="none" strike="noStrike" cap="none" normalizeH="0" baseline="0" dirty="0" err="1" smtClean="0">
-                <a:ln>
-                  <a:noFill/>
-                </a:ln>
-                <a:solidFill>
-                  <a:srgbClr val="D55FDE"/>
-                </a:solidFill>
-                <a:effectLst/>
-                <a:latin typeface="JetBrains Mono"/>
-              </a:rPr>
-              <a:t>output</a:t>
-            </a:r>
-            <a:r>
-              <a:rPr kumimoji="0" lang="de-DE" altLang="de-DE" sz="2400" b="0" i="1" u="none" strike="noStrike" cap="none" normalizeH="0" baseline="0" dirty="0" smtClean="0">
-                <a:ln>
-                  <a:noFill/>
-                </a:ln>
-                <a:solidFill>
-                  <a:srgbClr val="D55FDE"/>
-                </a:solidFill>
-                <a:effectLst/>
-                <a:latin typeface="JetBrains Mono"/>
-              </a:rPr>
-              <a:t> </a:t>
-            </a:r>
-            <a:r>
-              <a:rPr kumimoji="0" lang="de-DE" altLang="de-DE" sz="2400" b="0" i="0" u="none" strike="noStrike" cap="none" normalizeH="0" baseline="0" dirty="0" smtClean="0">
-                <a:ln>
-                  <a:noFill/>
-                </a:ln>
-                <a:solidFill>
-                  <a:srgbClr val="E5C07B"/>
-                </a:solidFill>
-                <a:effectLst/>
-                <a:latin typeface="JetBrains Mono"/>
-              </a:rPr>
-              <a:t>"</a:t>
-            </a:r>
-            <a:r>
-              <a:rPr kumimoji="0" lang="de-DE" altLang="de-DE" sz="2400" b="0" i="0" u="none" strike="noStrike" cap="none" normalizeH="0" baseline="0" dirty="0" err="1" smtClean="0">
-                <a:ln>
-                  <a:noFill/>
-                </a:ln>
-                <a:solidFill>
-                  <a:srgbClr val="E5C07B"/>
-                </a:solidFill>
-                <a:effectLst/>
-                <a:latin typeface="JetBrains Mono"/>
-              </a:rPr>
-              <a:t>cluster_name</a:t>
-            </a:r>
-            <a:r>
-              <a:rPr kumimoji="0" lang="de-DE" altLang="de-DE" sz="2400" b="0" i="0" u="none" strike="noStrike" cap="none" normalizeH="0" baseline="0" dirty="0" smtClean="0">
-                <a:ln>
-                  <a:noFill/>
-                </a:ln>
-                <a:solidFill>
-                  <a:srgbClr val="E5C07B"/>
-                </a:solidFill>
-                <a:effectLst/>
-                <a:latin typeface="JetBrains Mono"/>
-              </a:rPr>
-              <a:t>" </a:t>
-            </a:r>
-            <a:r>
-              <a:rPr kumimoji="0" lang="de-DE" altLang="de-DE" sz="2400" b="0" i="0" u="none" strike="noStrike" cap="none" normalizeH="0" baseline="0" dirty="0" smtClean="0">
-                <a:ln>
-                  <a:noFill/>
-                </a:ln>
-                <a:solidFill>
-                  <a:srgbClr val="BBBBBB"/>
-                </a:solidFill>
-                <a:effectLst/>
-                <a:latin typeface="JetBrains Mono"/>
-              </a:rPr>
-              <a:t>{</a:t>
-            </a:r>
-            <a:br>
-              <a:rPr kumimoji="0" lang="de-DE" altLang="de-DE" sz="2400" b="0" i="0" u="none" strike="noStrike" cap="none" normalizeH="0" baseline="0" dirty="0" smtClean="0">
-                <a:ln>
-                  <a:noFill/>
-                </a:ln>
-                <a:solidFill>
-                  <a:srgbClr val="BBBBBB"/>
-                </a:solidFill>
-                <a:effectLst/>
-                <a:latin typeface="JetBrains Mono"/>
-              </a:rPr>
-            </a:br>
-            <a:r>
-              <a:rPr kumimoji="0" lang="de-DE" altLang="de-DE" sz="2400" b="0" i="0" u="none" strike="noStrike" cap="none" normalizeH="0" baseline="0" dirty="0" smtClean="0">
-                <a:ln>
-                  <a:noFill/>
-                </a:ln>
-                <a:solidFill>
-                  <a:srgbClr val="BBBBBB"/>
-                </a:solidFill>
-                <a:effectLst/>
-                <a:latin typeface="JetBrains Mono"/>
-              </a:rPr>
-              <a:t>  </a:t>
-            </a:r>
-            <a:r>
-              <a:rPr kumimoji="0" lang="de-DE" altLang="de-DE" sz="2400" b="0" i="0" u="none" strike="noStrike" cap="none" normalizeH="0" baseline="0" dirty="0" err="1" smtClean="0">
-                <a:ln>
-                  <a:noFill/>
-                </a:ln>
-                <a:solidFill>
-                  <a:srgbClr val="EF596F"/>
-                </a:solidFill>
-                <a:effectLst/>
-                <a:latin typeface="JetBrains Mono"/>
-              </a:rPr>
-              <a:t>description</a:t>
-            </a:r>
-            <a:r>
-              <a:rPr kumimoji="0" lang="de-DE" altLang="de-DE" sz="2400" b="0" i="0" u="none" strike="noStrike" cap="none" normalizeH="0" baseline="0" dirty="0" smtClean="0">
-                <a:ln>
-                  <a:noFill/>
-                </a:ln>
-                <a:solidFill>
-                  <a:srgbClr val="EF596F"/>
-                </a:solidFill>
-                <a:effectLst/>
-                <a:latin typeface="JetBrains Mono"/>
-              </a:rPr>
-              <a:t> </a:t>
-            </a:r>
-            <a:r>
-              <a:rPr kumimoji="0" lang="de-DE" altLang="de-DE" sz="2400" b="0" i="0" u="none" strike="noStrike" cap="none" normalizeH="0" baseline="0" dirty="0" smtClean="0">
-                <a:ln>
-                  <a:noFill/>
-                </a:ln>
-                <a:solidFill>
-                  <a:srgbClr val="BBBBBB"/>
-                </a:solidFill>
-                <a:effectLst/>
-                <a:latin typeface="JetBrains Mono"/>
-              </a:rPr>
-              <a:t>= </a:t>
-            </a:r>
-            <a:r>
-              <a:rPr kumimoji="0" lang="de-DE" altLang="de-DE" sz="2400" b="0" i="0" u="none" strike="noStrike" cap="none" normalizeH="0" baseline="0" dirty="0" smtClean="0">
-                <a:ln>
-                  <a:noFill/>
-                </a:ln>
-                <a:solidFill>
-                  <a:srgbClr val="89CA78"/>
-                </a:solidFill>
-                <a:effectLst/>
-                <a:latin typeface="JetBrains Mono"/>
-              </a:rPr>
-              <a:t>"</a:t>
-            </a:r>
-            <a:r>
-              <a:rPr kumimoji="0" lang="de-DE" altLang="de-DE" sz="2400" b="0" i="0" u="none" strike="noStrike" cap="none" normalizeH="0" baseline="0" dirty="0" err="1" smtClean="0">
-                <a:ln>
-                  <a:noFill/>
-                </a:ln>
-                <a:solidFill>
-                  <a:srgbClr val="89CA78"/>
-                </a:solidFill>
-                <a:effectLst/>
-                <a:latin typeface="JetBrains Mono"/>
-              </a:rPr>
-              <a:t>Kubernetes</a:t>
-            </a:r>
-            <a:r>
-              <a:rPr kumimoji="0" lang="de-DE" altLang="de-DE" sz="2400" b="0" i="0" u="none" strike="noStrike" cap="none" normalizeH="0" baseline="0" dirty="0" smtClean="0">
-                <a:ln>
-                  <a:noFill/>
-                </a:ln>
-                <a:solidFill>
-                  <a:srgbClr val="89CA78"/>
-                </a:solidFill>
-                <a:effectLst/>
-                <a:latin typeface="JetBrains Mono"/>
-              </a:rPr>
-              <a:t> Cluster Name"</a:t>
-            </a:r>
-            <a:br>
-              <a:rPr kumimoji="0" lang="de-DE" altLang="de-DE" sz="2400" b="0" i="0" u="none" strike="noStrike" cap="none" normalizeH="0" baseline="0" dirty="0" smtClean="0">
-                <a:ln>
-                  <a:noFill/>
-                </a:ln>
-                <a:solidFill>
-                  <a:srgbClr val="89CA78"/>
-                </a:solidFill>
-                <a:effectLst/>
-                <a:latin typeface="JetBrains Mono"/>
-              </a:rPr>
-            </a:br>
-            <a:r>
-              <a:rPr kumimoji="0" lang="de-DE" altLang="de-DE" sz="2400" b="0" i="0" u="none" strike="noStrike" cap="none" normalizeH="0" baseline="0" dirty="0" smtClean="0">
-                <a:ln>
-                  <a:noFill/>
-                </a:ln>
-                <a:solidFill>
-                  <a:srgbClr val="89CA78"/>
-                </a:solidFill>
-                <a:effectLst/>
-                <a:latin typeface="JetBrains Mono"/>
-              </a:rPr>
-              <a:t>  </a:t>
-            </a:r>
-            <a:r>
-              <a:rPr kumimoji="0" lang="de-DE" altLang="de-DE" sz="2400" b="0" i="0" u="none" strike="noStrike" cap="none" normalizeH="0" baseline="0" dirty="0" err="1" smtClean="0">
-                <a:ln>
-                  <a:noFill/>
-                </a:ln>
-                <a:solidFill>
-                  <a:srgbClr val="EF596F"/>
-                </a:solidFill>
-                <a:effectLst/>
-                <a:latin typeface="JetBrains Mono"/>
-              </a:rPr>
-              <a:t>value</a:t>
-            </a:r>
-            <a:r>
-              <a:rPr kumimoji="0" lang="de-DE" altLang="de-DE" sz="2400" b="0" i="0" u="none" strike="noStrike" cap="none" normalizeH="0" baseline="0" dirty="0" smtClean="0">
-                <a:ln>
-                  <a:noFill/>
-                </a:ln>
-                <a:solidFill>
-                  <a:srgbClr val="EF596F"/>
-                </a:solidFill>
-                <a:effectLst/>
-                <a:latin typeface="JetBrains Mono"/>
-              </a:rPr>
-              <a:t>       </a:t>
-            </a:r>
-            <a:r>
-              <a:rPr kumimoji="0" lang="de-DE" altLang="de-DE" sz="2400" b="0" i="0" u="none" strike="noStrike" cap="none" normalizeH="0" baseline="0" dirty="0" smtClean="0">
-                <a:ln>
-                  <a:noFill/>
-                </a:ln>
-                <a:solidFill>
-                  <a:srgbClr val="BBBBBB"/>
-                </a:solidFill>
-                <a:effectLst/>
-                <a:latin typeface="JetBrains Mono"/>
-              </a:rPr>
-              <a:t>= </a:t>
-            </a:r>
-            <a:r>
-              <a:rPr kumimoji="0" lang="de-DE" altLang="de-DE" sz="2400" b="0" i="0" u="none" strike="noStrike" cap="none" normalizeH="0" baseline="0" dirty="0" err="1" smtClean="0">
-                <a:ln>
-                  <a:noFill/>
-                </a:ln>
-                <a:solidFill>
-                  <a:srgbClr val="BBBBBB"/>
-                </a:solidFill>
-                <a:effectLst/>
-                <a:latin typeface="JetBrains Mono"/>
-              </a:rPr>
-              <a:t>local.</a:t>
-            </a:r>
-            <a:r>
-              <a:rPr kumimoji="0" lang="de-DE" altLang="de-DE" sz="2400" b="0" i="0" u="none" strike="noStrike" cap="none" normalizeH="0" baseline="0" dirty="0" err="1" smtClean="0">
-                <a:ln>
-                  <a:noFill/>
-                </a:ln>
-                <a:solidFill>
-                  <a:srgbClr val="EF596F"/>
-                </a:solidFill>
-                <a:effectLst/>
-                <a:latin typeface="JetBrains Mono"/>
-              </a:rPr>
-              <a:t>cluster_name</a:t>
-            </a:r>
-            <a:r>
-              <a:rPr kumimoji="0" lang="de-DE" altLang="de-DE" sz="2400" b="0" i="0" u="none" strike="noStrike" cap="none" normalizeH="0" baseline="0" dirty="0" smtClean="0">
-                <a:ln>
-                  <a:noFill/>
-                </a:ln>
-                <a:solidFill>
-                  <a:srgbClr val="EF596F"/>
-                </a:solidFill>
-                <a:effectLst/>
-                <a:latin typeface="JetBrains Mono"/>
-              </a:rPr>
-              <a:t/>
-            </a:r>
-            <a:br>
-              <a:rPr kumimoji="0" lang="de-DE" altLang="de-DE" sz="2400" b="0" i="0" u="none" strike="noStrike" cap="none" normalizeH="0" baseline="0" dirty="0" smtClean="0">
-                <a:ln>
-                  <a:noFill/>
-                </a:ln>
-                <a:solidFill>
-                  <a:srgbClr val="EF596F"/>
-                </a:solidFill>
-                <a:effectLst/>
-                <a:latin typeface="JetBrains Mono"/>
-              </a:rPr>
-            </a:br>
-            <a:r>
-              <a:rPr kumimoji="0" lang="de-DE" altLang="de-DE" sz="2400" b="0" i="0" u="none" strike="noStrike" cap="none" normalizeH="0" baseline="0" dirty="0" smtClean="0">
-                <a:ln>
-                  <a:noFill/>
-                </a:ln>
-                <a:solidFill>
-                  <a:srgbClr val="BBBBBB"/>
-                </a:solidFill>
-                <a:effectLst/>
-                <a:latin typeface="JetBrains Mono"/>
-              </a:rPr>
-              <a:t>}</a:t>
-            </a:r>
-            <a:br>
-              <a:rPr kumimoji="0" lang="de-DE" altLang="de-DE" sz="2400" b="0" i="0" u="none" strike="noStrike" cap="none" normalizeH="0" baseline="0" dirty="0" smtClean="0">
-                <a:ln>
-                  <a:noFill/>
-                </a:ln>
-                <a:solidFill>
-                  <a:srgbClr val="BBBBBB"/>
-                </a:solidFill>
-                <a:effectLst/>
-                <a:latin typeface="JetBrains Mono"/>
-              </a:rPr>
-            </a:br>
-            <a:r>
-              <a:rPr kumimoji="0" lang="de-DE" altLang="de-DE" sz="2400" b="0" i="1" u="none" strike="noStrike" cap="none" normalizeH="0" baseline="0" dirty="0" err="1" smtClean="0">
-                <a:ln>
-                  <a:noFill/>
-                </a:ln>
-                <a:solidFill>
-                  <a:srgbClr val="D55FDE"/>
-                </a:solidFill>
-                <a:effectLst/>
-                <a:latin typeface="JetBrains Mono"/>
-              </a:rPr>
-              <a:t>output</a:t>
-            </a:r>
-            <a:r>
-              <a:rPr kumimoji="0" lang="de-DE" altLang="de-DE" sz="2400" b="0" i="1" u="none" strike="noStrike" cap="none" normalizeH="0" baseline="0" dirty="0" smtClean="0">
-                <a:ln>
-                  <a:noFill/>
-                </a:ln>
-                <a:solidFill>
-                  <a:srgbClr val="D55FDE"/>
-                </a:solidFill>
-                <a:effectLst/>
-                <a:latin typeface="JetBrains Mono"/>
-              </a:rPr>
-              <a:t> </a:t>
-            </a:r>
-            <a:r>
-              <a:rPr kumimoji="0" lang="de-DE" altLang="de-DE" sz="2400" b="0" i="0" u="none" strike="noStrike" cap="none" normalizeH="0" baseline="0" dirty="0" smtClean="0">
-                <a:ln>
-                  <a:noFill/>
-                </a:ln>
-                <a:solidFill>
-                  <a:srgbClr val="E5C07B"/>
-                </a:solidFill>
-                <a:effectLst/>
-                <a:latin typeface="JetBrains Mono"/>
-              </a:rPr>
-              <a:t>"</a:t>
-            </a:r>
-            <a:r>
-              <a:rPr kumimoji="0" lang="de-DE" altLang="de-DE" sz="2400" b="0" i="0" u="none" strike="noStrike" cap="none" normalizeH="0" baseline="0" dirty="0" err="1" smtClean="0">
-                <a:ln>
-                  <a:noFill/>
-                </a:ln>
-                <a:solidFill>
-                  <a:srgbClr val="E5C07B"/>
-                </a:solidFill>
-                <a:effectLst/>
-                <a:latin typeface="JetBrains Mono"/>
-              </a:rPr>
-              <a:t>cluster_id</a:t>
-            </a:r>
-            <a:r>
-              <a:rPr kumimoji="0" lang="de-DE" altLang="de-DE" sz="2400" b="0" i="0" u="none" strike="noStrike" cap="none" normalizeH="0" baseline="0" dirty="0" smtClean="0">
-                <a:ln>
-                  <a:noFill/>
-                </a:ln>
-                <a:solidFill>
-                  <a:srgbClr val="E5C07B"/>
-                </a:solidFill>
-                <a:effectLst/>
-                <a:latin typeface="JetBrains Mono"/>
-              </a:rPr>
-              <a:t>" </a:t>
-            </a:r>
-            <a:r>
-              <a:rPr kumimoji="0" lang="de-DE" altLang="de-DE" sz="2400" b="0" i="0" u="none" strike="noStrike" cap="none" normalizeH="0" baseline="0" dirty="0" smtClean="0">
-                <a:ln>
-                  <a:noFill/>
-                </a:ln>
-                <a:solidFill>
-                  <a:srgbClr val="BBBBBB"/>
-                </a:solidFill>
-                <a:effectLst/>
-                <a:latin typeface="JetBrains Mono"/>
-              </a:rPr>
-              <a:t>{</a:t>
-            </a:r>
-            <a:br>
-              <a:rPr kumimoji="0" lang="de-DE" altLang="de-DE" sz="2400" b="0" i="0" u="none" strike="noStrike" cap="none" normalizeH="0" baseline="0" dirty="0" smtClean="0">
-                <a:ln>
-                  <a:noFill/>
-                </a:ln>
-                <a:solidFill>
-                  <a:srgbClr val="BBBBBB"/>
-                </a:solidFill>
-                <a:effectLst/>
-                <a:latin typeface="JetBrains Mono"/>
-              </a:rPr>
-            </a:br>
-            <a:r>
-              <a:rPr kumimoji="0" lang="de-DE" altLang="de-DE" sz="2400" b="0" i="0" u="none" strike="noStrike" cap="none" normalizeH="0" baseline="0" dirty="0" smtClean="0">
-                <a:ln>
-                  <a:noFill/>
-                </a:ln>
-                <a:solidFill>
-                  <a:srgbClr val="BBBBBB"/>
-                </a:solidFill>
-                <a:effectLst/>
-                <a:latin typeface="JetBrains Mono"/>
-              </a:rPr>
-              <a:t>  </a:t>
-            </a:r>
-            <a:r>
-              <a:rPr kumimoji="0" lang="de-DE" altLang="de-DE" sz="2400" b="0" i="0" u="none" strike="noStrike" cap="none" normalizeH="0" baseline="0" dirty="0" err="1" smtClean="0">
-                <a:ln>
-                  <a:noFill/>
-                </a:ln>
-                <a:solidFill>
-                  <a:srgbClr val="EF596F"/>
-                </a:solidFill>
-                <a:effectLst/>
-                <a:latin typeface="JetBrains Mono"/>
-              </a:rPr>
-              <a:t>description</a:t>
-            </a:r>
-            <a:r>
-              <a:rPr kumimoji="0" lang="de-DE" altLang="de-DE" sz="2400" b="0" i="0" u="none" strike="noStrike" cap="none" normalizeH="0" baseline="0" dirty="0" smtClean="0">
-                <a:ln>
-                  <a:noFill/>
-                </a:ln>
-                <a:solidFill>
-                  <a:srgbClr val="EF596F"/>
-                </a:solidFill>
-                <a:effectLst/>
-                <a:latin typeface="JetBrains Mono"/>
-              </a:rPr>
-              <a:t> </a:t>
-            </a:r>
-            <a:r>
-              <a:rPr kumimoji="0" lang="de-DE" altLang="de-DE" sz="2400" b="0" i="0" u="none" strike="noStrike" cap="none" normalizeH="0" baseline="0" dirty="0" smtClean="0">
-                <a:ln>
-                  <a:noFill/>
-                </a:ln>
-                <a:solidFill>
-                  <a:srgbClr val="BBBBBB"/>
-                </a:solidFill>
-                <a:effectLst/>
-                <a:latin typeface="JetBrains Mono"/>
-              </a:rPr>
-              <a:t>= </a:t>
-            </a:r>
-            <a:r>
-              <a:rPr kumimoji="0" lang="de-DE" altLang="de-DE" sz="2400" b="0" i="0" u="none" strike="noStrike" cap="none" normalizeH="0" baseline="0" dirty="0" smtClean="0">
-                <a:ln>
-                  <a:noFill/>
-                </a:ln>
-                <a:solidFill>
-                  <a:srgbClr val="89CA78"/>
-                </a:solidFill>
-                <a:effectLst/>
-                <a:latin typeface="JetBrains Mono"/>
-              </a:rPr>
-              <a:t>"EKS </a:t>
-            </a:r>
-            <a:r>
-              <a:rPr kumimoji="0" lang="de-DE" altLang="de-DE" sz="2400" b="0" i="0" u="none" strike="noStrike" cap="none" normalizeH="0" baseline="0" dirty="0" err="1" smtClean="0">
-                <a:ln>
-                  <a:noFill/>
-                </a:ln>
-                <a:solidFill>
-                  <a:srgbClr val="89CA78"/>
-                </a:solidFill>
-                <a:effectLst/>
-                <a:latin typeface="JetBrains Mono"/>
-              </a:rPr>
-              <a:t>cluster</a:t>
-            </a:r>
-            <a:r>
-              <a:rPr kumimoji="0" lang="de-DE" altLang="de-DE" sz="2400" b="0" i="0" u="none" strike="noStrike" cap="none" normalizeH="0" baseline="0" dirty="0" smtClean="0">
-                <a:ln>
-                  <a:noFill/>
-                </a:ln>
-                <a:solidFill>
-                  <a:srgbClr val="89CA78"/>
-                </a:solidFill>
-                <a:effectLst/>
-                <a:latin typeface="JetBrains Mono"/>
-              </a:rPr>
-              <a:t> ID."</a:t>
-            </a:r>
-            <a:br>
-              <a:rPr kumimoji="0" lang="de-DE" altLang="de-DE" sz="2400" b="0" i="0" u="none" strike="noStrike" cap="none" normalizeH="0" baseline="0" dirty="0" smtClean="0">
-                <a:ln>
-                  <a:noFill/>
-                </a:ln>
-                <a:solidFill>
-                  <a:srgbClr val="89CA78"/>
-                </a:solidFill>
-                <a:effectLst/>
-                <a:latin typeface="JetBrains Mono"/>
-              </a:rPr>
-            </a:br>
-            <a:r>
-              <a:rPr kumimoji="0" lang="de-DE" altLang="de-DE" sz="2400" b="0" i="0" u="none" strike="noStrike" cap="none" normalizeH="0" baseline="0" dirty="0" smtClean="0">
-                <a:ln>
-                  <a:noFill/>
-                </a:ln>
-                <a:solidFill>
-                  <a:srgbClr val="89CA78"/>
-                </a:solidFill>
-                <a:effectLst/>
-                <a:latin typeface="JetBrains Mono"/>
-              </a:rPr>
-              <a:t>  </a:t>
-            </a:r>
-            <a:r>
-              <a:rPr kumimoji="0" lang="de-DE" altLang="de-DE" sz="2400" b="0" i="0" u="none" strike="noStrike" cap="none" normalizeH="0" baseline="0" dirty="0" err="1" smtClean="0">
-                <a:ln>
-                  <a:noFill/>
-                </a:ln>
-                <a:solidFill>
-                  <a:srgbClr val="EF596F"/>
-                </a:solidFill>
-                <a:effectLst/>
-                <a:latin typeface="JetBrains Mono"/>
-              </a:rPr>
-              <a:t>value</a:t>
-            </a:r>
-            <a:r>
-              <a:rPr kumimoji="0" lang="de-DE" altLang="de-DE" sz="2400" b="0" i="0" u="none" strike="noStrike" cap="none" normalizeH="0" baseline="0" dirty="0" smtClean="0">
-                <a:ln>
-                  <a:noFill/>
-                </a:ln>
-                <a:solidFill>
-                  <a:srgbClr val="EF596F"/>
-                </a:solidFill>
-                <a:effectLst/>
-                <a:latin typeface="JetBrains Mono"/>
-              </a:rPr>
-              <a:t>       </a:t>
-            </a:r>
-            <a:r>
-              <a:rPr kumimoji="0" lang="de-DE" altLang="de-DE" sz="2400" b="0" i="0" u="none" strike="noStrike" cap="none" normalizeH="0" baseline="0" dirty="0" smtClean="0">
-                <a:ln>
-                  <a:noFill/>
-                </a:ln>
-                <a:solidFill>
-                  <a:srgbClr val="BBBBBB"/>
-                </a:solidFill>
-                <a:effectLst/>
-                <a:latin typeface="JetBrains Mono"/>
-              </a:rPr>
-              <a:t>= </a:t>
-            </a:r>
-            <a:r>
-              <a:rPr kumimoji="0" lang="de-DE" altLang="de-DE" sz="2400" b="0" i="0" u="none" strike="noStrike" cap="none" normalizeH="0" baseline="0" dirty="0" err="1" smtClean="0">
-                <a:ln>
-                  <a:noFill/>
-                </a:ln>
-                <a:solidFill>
-                  <a:srgbClr val="BBBBBB"/>
-                </a:solidFill>
-                <a:effectLst/>
-                <a:latin typeface="JetBrains Mono"/>
-              </a:rPr>
-              <a:t>module.</a:t>
-            </a:r>
-            <a:r>
-              <a:rPr kumimoji="0" lang="de-DE" altLang="de-DE" sz="2400" b="0" i="0" u="none" strike="noStrike" cap="none" normalizeH="0" baseline="0" dirty="0" err="1" smtClean="0">
-                <a:ln>
-                  <a:noFill/>
-                </a:ln>
-                <a:solidFill>
-                  <a:srgbClr val="EF596F"/>
-                </a:solidFill>
-                <a:effectLst/>
-                <a:latin typeface="JetBrains Mono"/>
-              </a:rPr>
-              <a:t>eks</a:t>
-            </a:r>
-            <a:r>
-              <a:rPr kumimoji="0" lang="de-DE" altLang="de-DE" sz="2400" b="0" i="0" u="none" strike="noStrike" cap="none" normalizeH="0" baseline="0" dirty="0" err="1" smtClean="0">
-                <a:ln>
-                  <a:noFill/>
-                </a:ln>
-                <a:solidFill>
-                  <a:srgbClr val="BBBBBB"/>
-                </a:solidFill>
-                <a:effectLst/>
-                <a:latin typeface="JetBrains Mono"/>
-              </a:rPr>
-              <a:t>.</a:t>
-            </a:r>
-            <a:r>
-              <a:rPr kumimoji="0" lang="de-DE" altLang="de-DE" sz="2400" b="0" i="0" u="none" strike="noStrike" cap="none" normalizeH="0" baseline="0" dirty="0" err="1" smtClean="0">
-                <a:ln>
-                  <a:noFill/>
-                </a:ln>
-                <a:solidFill>
-                  <a:srgbClr val="EF596F"/>
-                </a:solidFill>
-                <a:effectLst/>
-                <a:latin typeface="JetBrains Mono"/>
-              </a:rPr>
-              <a:t>cluster_id</a:t>
-            </a:r>
-            <a:r>
-              <a:rPr kumimoji="0" lang="de-DE" altLang="de-DE" sz="2400" b="0" i="0" u="none" strike="noStrike" cap="none" normalizeH="0" baseline="0" dirty="0" smtClean="0">
-                <a:ln>
-                  <a:noFill/>
-                </a:ln>
-                <a:solidFill>
-                  <a:srgbClr val="EF596F"/>
-                </a:solidFill>
-                <a:effectLst/>
-                <a:latin typeface="JetBrains Mono"/>
-              </a:rPr>
-              <a:t/>
-            </a:r>
-            <a:br>
-              <a:rPr kumimoji="0" lang="de-DE" altLang="de-DE" sz="2400" b="0" i="0" u="none" strike="noStrike" cap="none" normalizeH="0" baseline="0" dirty="0" smtClean="0">
-                <a:ln>
-                  <a:noFill/>
-                </a:ln>
-                <a:solidFill>
-                  <a:srgbClr val="EF596F"/>
-                </a:solidFill>
-                <a:effectLst/>
-                <a:latin typeface="JetBrains Mono"/>
-              </a:rPr>
-            </a:br>
-            <a:r>
-              <a:rPr kumimoji="0" lang="de-DE" altLang="de-DE" sz="2400" b="0" i="0" u="none" strike="noStrike" cap="none" normalizeH="0" baseline="0" dirty="0" smtClean="0">
-                <a:ln>
-                  <a:noFill/>
-                </a:ln>
-                <a:solidFill>
-                  <a:srgbClr val="BBBBBB"/>
-                </a:solidFill>
-                <a:effectLst/>
-                <a:latin typeface="JetBrains Mono"/>
-              </a:rPr>
-              <a:t>}</a:t>
-            </a:r>
-            <a:endParaRPr kumimoji="0" lang="de-DE" altLang="de-DE" sz="4800" b="0" i="0" u="none" strike="noStrike" cap="none" normalizeH="0" baseline="0" dirty="0" smtClean="0">
+            <a:endParaRPr kumimoji="0" lang="de-DE" altLang="de-DE" sz="4400" b="0" i="0" u="none" strike="noStrike" cap="none" normalizeH="0" baseline="0" dirty="0" smtClean="0">
               <a:ln>
                 <a:noFill/>
               </a:ln>
@@ -5904,10 +5960,42 @@
           </a:p>
         </p:txBody>
       </p:sp>
+      <p:sp>
+        <p:nvSpPr>
+          <p:cNvPr id="6" name="Inhaltsplatzhalter 2"/>
+          <p:cNvSpPr>
+            <a:spLocks noGrp="1"/>
+          </p:cNvSpPr>
+          <p:nvPr>
+            <p:ph idx="1"/>
+          </p:nvPr>
+        </p:nvSpPr>
+        <p:spPr>
+          <a:xfrm>
+            <a:off x="838200" y="1825625"/>
+            <a:ext cx="10515600" cy="4351338"/>
+          </a:xfrm>
+        </p:spPr>
+        <p:txBody>
+          <a:bodyPr/>
+          <a:lstStyle/>
+          <a:p>
+            <a:r>
+              <a:rPr lang="de-DE" dirty="0" smtClean="0"/>
+              <a:t>Die Adressierung von Input-Variables erfolgt über das Schlüsselwort </a:t>
+            </a:r>
+            <a:r>
+              <a:rPr lang="de-DE" i="1" dirty="0" err="1" smtClean="0"/>
+              <a:t>var</a:t>
+            </a:r>
+            <a:endParaRPr lang="de-DE" i="1" dirty="0" smtClean="0"/>
+          </a:p>
+        </p:txBody>
+      </p:sp>
     </p:spTree>
     <p:extLst>
       <p:ext uri="{BB962C8B-B14F-4D97-AF65-F5344CB8AC3E}">
-        <p14:creationId xmlns:p14="http://schemas.microsoft.com/office/powerpoint/2010/main" val="3444807760"/>
+        <p14:creationId xmlns:p14="http://schemas.microsoft.com/office/powerpoint/2010/main" val="1041980527"/>
       </p:ext>
     </p:extLst>
   </p:cSld>
@@ -5950,8 +6038,2520 @@
           <a:lstStyle/>
           <a:p>
             <a:r>
+              <a:rPr lang="de-DE" dirty="0" smtClean="0"/>
+              <a:t>Sensible Input-Variables und Output-Values</a:t>
+            </a:r>
+            <a:endParaRPr lang="de-DE" dirty="0"/>
+          </a:p>
+        </p:txBody>
+      </p:sp>
+      <p:sp>
+        <p:nvSpPr>
+          <p:cNvPr id="6" name="Inhaltsplatzhalter 2"/>
+          <p:cNvSpPr>
+            <a:spLocks noGrp="1"/>
+          </p:cNvSpPr>
+          <p:nvPr>
+            <p:ph idx="1"/>
+          </p:nvPr>
+        </p:nvSpPr>
+        <p:spPr>
+          <a:xfrm>
+            <a:off x="838200" y="1825625"/>
+            <a:ext cx="10515600" cy="4351338"/>
+          </a:xfrm>
+        </p:spPr>
+        <p:txBody>
+          <a:bodyPr/>
+          <a:lstStyle/>
+          <a:p>
+            <a:r>
+              <a:rPr lang="de-DE" dirty="0" smtClean="0"/>
+              <a:t>Über das Schlüsselwort </a:t>
+            </a:r>
+            <a:r>
+              <a:rPr lang="de-DE" i="1" dirty="0" smtClean="0"/>
+              <a:t>sensitive</a:t>
+            </a:r>
+            <a:r>
+              <a:rPr lang="de-DE" dirty="0" smtClean="0"/>
+              <a:t> können Variablen als sensible Information gekennzeichnet werden</a:t>
+            </a:r>
+          </a:p>
+          <a:p>
+            <a:r>
+              <a:rPr lang="de-DE" dirty="0" smtClean="0"/>
+              <a:t>Sensible Informationen werden von Terraform beim </a:t>
+            </a:r>
+            <a:r>
+              <a:rPr lang="de-DE" i="1" dirty="0" err="1" smtClean="0"/>
+              <a:t>terraform</a:t>
+            </a:r>
+            <a:r>
+              <a:rPr lang="de-DE" i="1" dirty="0" smtClean="0"/>
+              <a:t> </a:t>
+            </a:r>
+            <a:r>
+              <a:rPr lang="de-DE" i="1" dirty="0" err="1" smtClean="0"/>
+              <a:t>apply</a:t>
+            </a:r>
+            <a:r>
+              <a:rPr lang="de-DE" i="1" dirty="0" smtClean="0"/>
+              <a:t> </a:t>
+            </a:r>
+            <a:r>
+              <a:rPr lang="de-DE" dirty="0"/>
+              <a:t>nicht in der Konsole </a:t>
+            </a:r>
+            <a:r>
+              <a:rPr lang="de-DE" dirty="0" smtClean="0"/>
+              <a:t>ausgegeben</a:t>
+            </a:r>
+          </a:p>
+          <a:p>
+            <a:r>
+              <a:rPr lang="de-DE" dirty="0" smtClean="0">
+                <a:solidFill>
+                  <a:srgbClr val="FF0000"/>
+                </a:solidFill>
+              </a:rPr>
+              <a:t>Vorsicht! </a:t>
+            </a:r>
+            <a:r>
+              <a:rPr lang="de-DE" dirty="0" smtClean="0"/>
+              <a:t>Im State liegen die Informationen im Klartext vor</a:t>
+            </a:r>
+          </a:p>
+        </p:txBody>
+      </p:sp>
+      <p:sp>
+        <p:nvSpPr>
+          <p:cNvPr id="4" name="Rectangle 1"/>
+          <p:cNvSpPr>
+            <a:spLocks noChangeArrowheads="1"/>
+          </p:cNvSpPr>
+          <p:nvPr/>
+        </p:nvSpPr>
+        <p:spPr bwMode="auto">
+          <a:xfrm>
+            <a:off x="838200" y="4629948"/>
+            <a:ext cx="3369733" cy="1323439"/>
+          </a:xfrm>
+          <a:prstGeom prst="rect">
+            <a:avLst/>
+          </a:prstGeom>
+          <a:solidFill>
+            <a:srgbClr val="282C34"/>
+          </a:solidFill>
+          <a:ln>
+            <a:noFill/>
+          </a:ln>
+          <a:effectLst/>
+          <a:extLst>
+            <a:ext uri="{91240B29-F687-4F45-9708-019B960494DF}">
+              <a14:hiddenLine xmlns:a14="http://schemas.microsoft.com/office/drawing/2010/main" w="9525">
+                <a:solidFill>
+                  <a:schemeClr val="tx1"/>
+                </a:solidFill>
+                <a:miter lim="800000"/>
+                <a:headEnd/>
+                <a:tailEnd/>
+              </a14:hiddenLine>
+            </a:ext>
+            <a:ext uri="{AF507438-7753-43E0-B8FC-AC1667EBCBE1}">
+              <a14:hiddenEffects xmlns:a14="http://schemas.microsoft.com/office/drawing/2010/main">
+                <a:effectLst>
+                  <a:outerShdw dist="35921" dir="2700000" algn="ctr" rotWithShape="0">
+                    <a:schemeClr val="bg2"/>
+                  </a:outerShdw>
+                </a:effectLst>
+              </a14:hiddenEffects>
+            </a:ext>
+          </a:extLst>
+        </p:spPr>
+        <p:txBody>
+          <a:bodyPr vert="horz" wrap="square" lIns="91440" tIns="45720" rIns="91440" bIns="45720" numCol="1" anchor="ctr" anchorCtr="0" compatLnSpc="1">
+            <a:prstTxWarp prst="textNoShape">
+              <a:avLst/>
+            </a:prstTxWarp>
+            <a:spAutoFit/>
+          </a:bodyPr>
+          <a:lstStyle/>
+          <a:p>
+            <a:pPr marL="0" marR="0" lvl="0" indent="0" algn="l" defTabSz="914400" rtl="0" eaLnBrk="0" fontAlgn="base" latinLnBrk="0" hangingPunct="0">
+              <a:lnSpc>
+                <a:spcPct val="100000"/>
+              </a:lnSpc>
+              <a:spcBef>
+                <a:spcPct val="0"/>
+              </a:spcBef>
+              <a:spcAft>
+                <a:spcPct val="0"/>
+              </a:spcAft>
+              <a:buClrTx/>
+              <a:buSzTx/>
+              <a:buFontTx/>
+              <a:buNone/>
+              <a:tabLst/>
+            </a:pPr>
+            <a:r>
+              <a:rPr kumimoji="0" lang="de-DE" altLang="de-DE" sz="2000" b="0" i="1" u="none" strike="noStrike" cap="none" normalizeH="0" baseline="0" dirty="0" smtClean="0">
+                <a:ln>
+                  <a:noFill/>
+                </a:ln>
+                <a:solidFill>
+                  <a:srgbClr val="D55FDE"/>
+                </a:solidFill>
+                <a:effectLst/>
+                <a:latin typeface="JetBrains Mono"/>
+              </a:rPr>
+              <a:t>variable </a:t>
+            </a:r>
+            <a:r>
+              <a:rPr kumimoji="0" lang="de-DE" altLang="de-DE" sz="2000" b="0" i="0" u="none" strike="noStrike" cap="none" normalizeH="0" baseline="0" dirty="0" smtClean="0">
+                <a:ln>
+                  <a:noFill/>
+                </a:ln>
+                <a:solidFill>
+                  <a:srgbClr val="E5C07B"/>
+                </a:solidFill>
+                <a:effectLst/>
+                <a:latin typeface="JetBrains Mono"/>
+              </a:rPr>
+              <a:t>"</a:t>
+            </a:r>
+            <a:r>
+              <a:rPr kumimoji="0" lang="de-DE" altLang="de-DE" sz="2000" b="0" i="0" u="none" strike="noStrike" cap="none" normalizeH="0" baseline="0" dirty="0" err="1" smtClean="0">
+                <a:ln>
+                  <a:noFill/>
+                </a:ln>
+                <a:solidFill>
+                  <a:srgbClr val="E5C07B"/>
+                </a:solidFill>
+                <a:effectLst/>
+                <a:latin typeface="JetBrains Mono"/>
+              </a:rPr>
+              <a:t>secret</a:t>
+            </a:r>
+            <a:r>
+              <a:rPr kumimoji="0" lang="de-DE" altLang="de-DE" sz="2000" b="0" i="0" u="none" strike="noStrike" cap="none" normalizeH="0" baseline="0" dirty="0" smtClean="0">
+                <a:ln>
+                  <a:noFill/>
+                </a:ln>
+                <a:solidFill>
+                  <a:srgbClr val="E5C07B"/>
+                </a:solidFill>
+                <a:effectLst/>
+                <a:latin typeface="JetBrains Mono"/>
+              </a:rPr>
+              <a:t>" </a:t>
+            </a:r>
+            <a:r>
+              <a:rPr kumimoji="0" lang="de-DE" altLang="de-DE" sz="2000" b="0" i="0" u="none" strike="noStrike" cap="none" normalizeH="0" baseline="0" dirty="0" smtClean="0">
+                <a:ln>
+                  <a:noFill/>
+                </a:ln>
+                <a:solidFill>
+                  <a:srgbClr val="BBBBBB"/>
+                </a:solidFill>
+                <a:effectLst/>
+                <a:latin typeface="JetBrains Mono"/>
+              </a:rPr>
+              <a:t>{</a:t>
+            </a:r>
+            <a:br>
+              <a:rPr kumimoji="0" lang="de-DE" altLang="de-DE" sz="2000" b="0" i="0" u="none" strike="noStrike" cap="none" normalizeH="0" baseline="0" dirty="0" smtClean="0">
+                <a:ln>
+                  <a:noFill/>
+                </a:ln>
+                <a:solidFill>
+                  <a:srgbClr val="BBBBBB"/>
+                </a:solidFill>
+                <a:effectLst/>
+                <a:latin typeface="JetBrains Mono"/>
+              </a:rPr>
+            </a:br>
+            <a:r>
+              <a:rPr kumimoji="0" lang="de-DE" altLang="de-DE" sz="2000" b="0" i="0" u="none" strike="noStrike" cap="none" normalizeH="0" baseline="0" dirty="0" smtClean="0">
+                <a:ln>
+                  <a:noFill/>
+                </a:ln>
+                <a:solidFill>
+                  <a:srgbClr val="BBBBBB"/>
+                </a:solidFill>
+                <a:effectLst/>
+                <a:latin typeface="JetBrains Mono"/>
+              </a:rPr>
+              <a:t>  </a:t>
+            </a:r>
+            <a:r>
+              <a:rPr kumimoji="0" lang="de-DE" altLang="de-DE" sz="2000" b="0" i="0" u="none" strike="noStrike" cap="none" normalizeH="0" baseline="0" dirty="0" smtClean="0">
+                <a:ln>
+                  <a:noFill/>
+                </a:ln>
+                <a:solidFill>
+                  <a:srgbClr val="EF596F"/>
+                </a:solidFill>
+                <a:effectLst/>
+                <a:latin typeface="JetBrains Mono"/>
+              </a:rPr>
+              <a:t>type </a:t>
+            </a:r>
+            <a:r>
+              <a:rPr kumimoji="0" lang="de-DE" altLang="de-DE" sz="2000" b="0" i="0" u="none" strike="noStrike" cap="none" normalizeH="0" baseline="0" dirty="0" smtClean="0">
+                <a:ln>
+                  <a:noFill/>
+                </a:ln>
+                <a:solidFill>
+                  <a:srgbClr val="BBBBBB"/>
+                </a:solidFill>
+                <a:effectLst/>
+                <a:latin typeface="JetBrains Mono"/>
+              </a:rPr>
+              <a:t>= </a:t>
+            </a:r>
+            <a:r>
+              <a:rPr kumimoji="0" lang="de-DE" altLang="de-DE" sz="2000" b="0" i="0" u="none" strike="noStrike" cap="none" normalizeH="0" baseline="0" dirty="0" err="1" smtClean="0">
+                <a:ln>
+                  <a:noFill/>
+                </a:ln>
+                <a:solidFill>
+                  <a:srgbClr val="BBBBBB"/>
+                </a:solidFill>
+                <a:effectLst/>
+                <a:latin typeface="JetBrains Mono"/>
+              </a:rPr>
+              <a:t>string</a:t>
+            </a:r>
+            <a:r>
+              <a:rPr kumimoji="0" lang="de-DE" altLang="de-DE" sz="2000" b="0" i="0" u="none" strike="noStrike" cap="none" normalizeH="0" baseline="0" dirty="0" smtClean="0">
+                <a:ln>
+                  <a:noFill/>
+                </a:ln>
+                <a:solidFill>
+                  <a:srgbClr val="BBBBBB"/>
+                </a:solidFill>
+                <a:effectLst/>
+                <a:latin typeface="JetBrains Mono"/>
+              </a:rPr>
+              <a:t/>
+            </a:r>
+            <a:br>
+              <a:rPr kumimoji="0" lang="de-DE" altLang="de-DE" sz="2000" b="0" i="0" u="none" strike="noStrike" cap="none" normalizeH="0" baseline="0" dirty="0" smtClean="0">
+                <a:ln>
+                  <a:noFill/>
+                </a:ln>
+                <a:solidFill>
+                  <a:srgbClr val="BBBBBB"/>
+                </a:solidFill>
+                <a:effectLst/>
+                <a:latin typeface="JetBrains Mono"/>
+              </a:rPr>
+            </a:br>
+            <a:r>
+              <a:rPr kumimoji="0" lang="de-DE" altLang="de-DE" sz="2000" b="0" i="0" u="none" strike="noStrike" cap="none" normalizeH="0" baseline="0" dirty="0" smtClean="0">
+                <a:ln>
+                  <a:noFill/>
+                </a:ln>
+                <a:solidFill>
+                  <a:srgbClr val="BBBBBB"/>
+                </a:solidFill>
+                <a:effectLst/>
+                <a:latin typeface="JetBrains Mono"/>
+              </a:rPr>
+              <a:t>  </a:t>
+            </a:r>
+            <a:r>
+              <a:rPr kumimoji="0" lang="de-DE" altLang="de-DE" sz="2000" b="0" i="0" u="none" strike="noStrike" cap="none" normalizeH="0" baseline="0" dirty="0" smtClean="0">
+                <a:ln>
+                  <a:noFill/>
+                </a:ln>
+                <a:solidFill>
+                  <a:srgbClr val="EF596F"/>
+                </a:solidFill>
+                <a:effectLst/>
+                <a:latin typeface="JetBrains Mono"/>
+              </a:rPr>
+              <a:t>sensitive </a:t>
+            </a:r>
+            <a:r>
+              <a:rPr kumimoji="0" lang="de-DE" altLang="de-DE" sz="2000" b="0" i="0" u="none" strike="noStrike" cap="none" normalizeH="0" baseline="0" dirty="0" smtClean="0">
+                <a:ln>
+                  <a:noFill/>
+                </a:ln>
+                <a:solidFill>
+                  <a:srgbClr val="BBBBBB"/>
+                </a:solidFill>
+                <a:effectLst/>
+                <a:latin typeface="JetBrains Mono"/>
+              </a:rPr>
+              <a:t>= </a:t>
+            </a:r>
+            <a:r>
+              <a:rPr kumimoji="0" lang="de-DE" altLang="de-DE" sz="2000" b="0" i="1" u="none" strike="noStrike" cap="none" normalizeH="0" baseline="0" dirty="0" err="1" smtClean="0">
+                <a:ln>
+                  <a:noFill/>
+                </a:ln>
+                <a:solidFill>
+                  <a:srgbClr val="D55FDE"/>
+                </a:solidFill>
+                <a:effectLst/>
+                <a:latin typeface="JetBrains Mono"/>
+              </a:rPr>
+              <a:t>true</a:t>
+            </a:r>
+            <a:r>
+              <a:rPr kumimoji="0" lang="de-DE" altLang="de-DE" sz="2000" b="0" i="1" u="none" strike="noStrike" cap="none" normalizeH="0" baseline="0" dirty="0" smtClean="0">
+                <a:ln>
+                  <a:noFill/>
+                </a:ln>
+                <a:solidFill>
+                  <a:srgbClr val="D55FDE"/>
+                </a:solidFill>
+                <a:effectLst/>
+                <a:latin typeface="JetBrains Mono"/>
+              </a:rPr>
+              <a:t/>
+            </a:r>
+            <a:br>
+              <a:rPr kumimoji="0" lang="de-DE" altLang="de-DE" sz="2000" b="0" i="1" u="none" strike="noStrike" cap="none" normalizeH="0" baseline="0" dirty="0" smtClean="0">
+                <a:ln>
+                  <a:noFill/>
+                </a:ln>
+                <a:solidFill>
+                  <a:srgbClr val="D55FDE"/>
+                </a:solidFill>
+                <a:effectLst/>
+                <a:latin typeface="JetBrains Mono"/>
+              </a:rPr>
+            </a:br>
+            <a:r>
+              <a:rPr kumimoji="0" lang="de-DE" altLang="de-DE" sz="2000" b="0" i="0" u="none" strike="noStrike" cap="none" normalizeH="0" baseline="0" dirty="0" smtClean="0">
+                <a:ln>
+                  <a:noFill/>
+                </a:ln>
+                <a:solidFill>
+                  <a:srgbClr val="BBBBBB"/>
+                </a:solidFill>
+                <a:effectLst/>
+                <a:latin typeface="JetBrains Mono"/>
+              </a:rPr>
+              <a:t>}</a:t>
+            </a:r>
+            <a:endParaRPr kumimoji="0" lang="de-DE" altLang="de-DE" sz="4400" b="0" i="0" u="none" strike="noStrike" cap="none" normalizeH="0" baseline="0" dirty="0" smtClean="0">
+              <a:ln>
+                <a:noFill/>
+              </a:ln>
+              <a:solidFill>
+                <a:schemeClr val="tx1"/>
+              </a:solidFill>
+              <a:effectLst/>
+              <a:latin typeface="Arial" panose="020B0604020202020204" pitchFamily="34" charset="0"/>
+            </a:endParaRPr>
+          </a:p>
+        </p:txBody>
+      </p:sp>
+    </p:spTree>
+    <p:extLst>
+      <p:ext uri="{BB962C8B-B14F-4D97-AF65-F5344CB8AC3E}">
+        <p14:creationId xmlns:p14="http://schemas.microsoft.com/office/powerpoint/2010/main" val="3632600617"/>
+      </p:ext>
+    </p:extLst>
+  </p:cSld>
+  <p:clrMapOvr>
+    <a:masterClrMapping/>
+  </p:clrMapOvr>
+</p:sld>
+</file>
+
+<file path=ppt/slides/slide6.xml><?xml version="1.0" encoding="utf-8"?>
+<p:sld xmlns:a="http://schemas.openxmlformats.org/drawingml/2006/main" xmlns:r="http://schemas.openxmlformats.org/officeDocument/2006/relationships" xmlns:p="http://schemas.openxmlformats.org/presentationml/2006/main">
+  <p:cSld>
+    <p:spTree>
+      <p:nvGrpSpPr>
+        <p:cNvPr id="1" name=""/>
+        <p:cNvGrpSpPr/>
+        <p:nvPr/>
+      </p:nvGrpSpPr>
+      <p:grpSpPr>
+        <a:xfrm>
+          <a:off x="0" y="0"/>
+          <a:ext cx="0" cy="0"/>
+          <a:chOff x="0" y="0"/>
+          <a:chExt cx="0" cy="0"/>
+        </a:xfrm>
+      </p:grpSpPr>
+      <p:sp>
+        <p:nvSpPr>
+          <p:cNvPr id="2" name="Titel 1"/>
+          <p:cNvSpPr>
+            <a:spLocks noGrp="1"/>
+          </p:cNvSpPr>
+          <p:nvPr>
+            <p:ph type="title"/>
+          </p:nvPr>
+        </p:nvSpPr>
+        <p:spPr/>
+        <p:txBody>
+          <a:bodyPr/>
+          <a:lstStyle/>
+          <a:p>
+            <a:r>
+              <a:rPr lang="de-DE" dirty="0" smtClean="0"/>
+              <a:t>Input-Variablen Lookup</a:t>
+            </a:r>
+            <a:endParaRPr lang="de-DE" dirty="0"/>
+          </a:p>
+        </p:txBody>
+      </p:sp>
+      <p:sp>
+        <p:nvSpPr>
+          <p:cNvPr id="3" name="Inhaltsplatzhalter 2"/>
+          <p:cNvSpPr>
+            <a:spLocks noGrp="1"/>
+          </p:cNvSpPr>
+          <p:nvPr>
+            <p:ph idx="1"/>
+          </p:nvPr>
+        </p:nvSpPr>
+        <p:spPr/>
+        <p:txBody>
+          <a:bodyPr/>
+          <a:lstStyle/>
+          <a:p>
+            <a:pPr marL="514350" indent="-514350">
+              <a:buFont typeface="+mj-lt"/>
+              <a:buAutoNum type="arabicPeriod"/>
+            </a:pPr>
+            <a:r>
+              <a:rPr lang="de-DE" dirty="0" smtClean="0"/>
+              <a:t>Setzen der Variable via Konsole beim Plan/</a:t>
+            </a:r>
+            <a:r>
               <a:rPr lang="de-DE" dirty="0" err="1" smtClean="0"/>
-              <a:t>Locales</a:t>
+              <a:t>Apply</a:t>
+            </a:r>
+            <a:r>
+              <a:rPr lang="de-DE" dirty="0" smtClean="0"/>
+              <a:t> via –</a:t>
+            </a:r>
+            <a:r>
+              <a:rPr lang="de-DE" dirty="0" err="1" smtClean="0"/>
+              <a:t>var</a:t>
+            </a:r>
+            <a:endParaRPr lang="de-DE" dirty="0"/>
+          </a:p>
+          <a:p>
+            <a:pPr marL="514350" indent="-514350">
+              <a:buFont typeface="+mj-lt"/>
+              <a:buAutoNum type="arabicPeriod"/>
+            </a:pPr>
+            <a:r>
+              <a:rPr lang="de-DE" dirty="0" smtClean="0"/>
+              <a:t>Angabe einer </a:t>
+            </a:r>
+            <a:r>
+              <a:rPr lang="de-DE" dirty="0"/>
+              <a:t>.</a:t>
+            </a:r>
+            <a:r>
+              <a:rPr lang="de-DE" dirty="0" err="1"/>
+              <a:t>tfvars</a:t>
+            </a:r>
+            <a:r>
+              <a:rPr lang="de-DE" dirty="0"/>
+              <a:t>-Datei beim </a:t>
+            </a:r>
+            <a:r>
+              <a:rPr lang="de-DE" dirty="0" err="1"/>
+              <a:t>terraform</a:t>
+            </a:r>
+            <a:r>
+              <a:rPr lang="de-DE" dirty="0"/>
+              <a:t> plan/</a:t>
+            </a:r>
+            <a:r>
+              <a:rPr lang="de-DE" dirty="0" err="1"/>
+              <a:t>apply</a:t>
+            </a:r>
+            <a:r>
+              <a:rPr lang="de-DE" dirty="0"/>
+              <a:t> </a:t>
+            </a:r>
+            <a:r>
+              <a:rPr lang="de-DE" dirty="0" smtClean="0"/>
+              <a:t>			via </a:t>
+            </a:r>
+            <a:r>
+              <a:rPr lang="de-DE" dirty="0"/>
+              <a:t>--</a:t>
+            </a:r>
+            <a:r>
+              <a:rPr lang="de-DE" dirty="0" err="1" smtClean="0"/>
+              <a:t>var</a:t>
+            </a:r>
+            <a:r>
+              <a:rPr lang="de-DE" dirty="0" smtClean="0"/>
+              <a:t>-file=</a:t>
+            </a:r>
+            <a:r>
+              <a:rPr lang="de-DE" dirty="0" err="1" smtClean="0"/>
+              <a:t>filename.tfvars</a:t>
+            </a:r>
+            <a:endParaRPr lang="de-DE" dirty="0"/>
+          </a:p>
+          <a:p>
+            <a:pPr marL="514350" indent="-514350">
+              <a:buFont typeface="+mj-lt"/>
+              <a:buAutoNum type="arabicPeriod"/>
+            </a:pPr>
+            <a:r>
+              <a:rPr lang="de-DE" dirty="0" smtClean="0"/>
+              <a:t>Im Stammverzeichnis abgelegte </a:t>
+            </a:r>
+            <a:r>
+              <a:rPr lang="de-DE" dirty="0"/>
+              <a:t>Datei </a:t>
+            </a:r>
+            <a:r>
+              <a:rPr lang="de-DE" dirty="0" err="1" smtClean="0"/>
+              <a:t>terraform.tfvars</a:t>
+            </a:r>
+            <a:r>
+              <a:rPr lang="de-DE" dirty="0" smtClean="0"/>
+              <a:t> / </a:t>
+            </a:r>
+            <a:r>
+              <a:rPr lang="de-DE" dirty="0" err="1" smtClean="0"/>
+              <a:t>terraform.tfvars.json</a:t>
+            </a:r>
+            <a:endParaRPr lang="de-DE" dirty="0" smtClean="0"/>
+          </a:p>
+          <a:p>
+            <a:pPr marL="514350" indent="-514350">
+              <a:buFont typeface="+mj-lt"/>
+              <a:buAutoNum type="arabicPeriod"/>
+            </a:pPr>
+            <a:r>
+              <a:rPr lang="de-DE" dirty="0"/>
+              <a:t>Vorgeben eines Default-Wertes bei der Definition der Variablen</a:t>
+            </a:r>
+            <a:endParaRPr lang="de-DE" dirty="0" smtClean="0"/>
+          </a:p>
+          <a:p>
+            <a:pPr marL="514350" indent="-514350">
+              <a:buFont typeface="+mj-lt"/>
+              <a:buAutoNum type="arabicPeriod"/>
+            </a:pPr>
+            <a:r>
+              <a:rPr lang="de-DE" dirty="0" smtClean="0"/>
+              <a:t>Eingabeaufforderung in </a:t>
+            </a:r>
+            <a:r>
+              <a:rPr lang="de-DE" dirty="0"/>
+              <a:t>der Konsole während der Ausführung von </a:t>
+            </a:r>
+            <a:r>
+              <a:rPr lang="de-DE" dirty="0" err="1"/>
+              <a:t>terraform</a:t>
+            </a:r>
+            <a:r>
+              <a:rPr lang="de-DE" dirty="0"/>
+              <a:t> </a:t>
+            </a:r>
+            <a:r>
+              <a:rPr lang="de-DE" dirty="0" smtClean="0"/>
+              <a:t>plan/</a:t>
+            </a:r>
+            <a:r>
+              <a:rPr lang="de-DE" dirty="0" err="1" smtClean="0"/>
+              <a:t>apply</a:t>
+            </a:r>
+            <a:endParaRPr lang="de-DE" dirty="0"/>
+          </a:p>
+        </p:txBody>
+      </p:sp>
+    </p:spTree>
+    <p:extLst>
+      <p:ext uri="{BB962C8B-B14F-4D97-AF65-F5344CB8AC3E}">
+        <p14:creationId xmlns:p14="http://schemas.microsoft.com/office/powerpoint/2010/main" val="869877661"/>
+      </p:ext>
+    </p:extLst>
+  </p:cSld>
+  <p:clrMapOvr>
+    <a:masterClrMapping/>
+  </p:clrMapOvr>
+</p:sld>
+</file>
+
+<file path=ppt/slides/slide7.xml><?xml version="1.0" encoding="utf-8"?>
+<p:sld xmlns:a="http://schemas.openxmlformats.org/drawingml/2006/main" xmlns:r="http://schemas.openxmlformats.org/officeDocument/2006/relationships" xmlns:p="http://schemas.openxmlformats.org/presentationml/2006/main">
+  <p:cSld>
+    <p:spTree>
+      <p:nvGrpSpPr>
+        <p:cNvPr id="1" name=""/>
+        <p:cNvGrpSpPr/>
+        <p:nvPr/>
+      </p:nvGrpSpPr>
+      <p:grpSpPr>
+        <a:xfrm>
+          <a:off x="0" y="0"/>
+          <a:ext cx="0" cy="0"/>
+          <a:chOff x="0" y="0"/>
+          <a:chExt cx="0" cy="0"/>
+        </a:xfrm>
+      </p:grpSpPr>
+      <p:sp>
+        <p:nvSpPr>
+          <p:cNvPr id="2" name="Titel 1"/>
+          <p:cNvSpPr>
+            <a:spLocks noGrp="1"/>
+          </p:cNvSpPr>
+          <p:nvPr>
+            <p:ph type="title"/>
+          </p:nvPr>
+        </p:nvSpPr>
+        <p:spPr/>
+        <p:txBody>
+          <a:bodyPr/>
+          <a:lstStyle/>
+          <a:p>
+            <a:r>
+              <a:rPr lang="de-DE" dirty="0" smtClean="0"/>
+              <a:t>Definition von Output-Values</a:t>
+            </a:r>
+            <a:endParaRPr lang="de-DE" dirty="0"/>
+          </a:p>
+        </p:txBody>
+      </p:sp>
+      <p:sp>
+        <p:nvSpPr>
+          <p:cNvPr id="4" name="Rectangle 1"/>
+          <p:cNvSpPr>
+            <a:spLocks noChangeArrowheads="1"/>
+          </p:cNvSpPr>
+          <p:nvPr/>
+        </p:nvSpPr>
+        <p:spPr bwMode="auto">
+          <a:xfrm>
+            <a:off x="2156883" y="1690688"/>
+            <a:ext cx="7878233" cy="4524315"/>
+          </a:xfrm>
+          <a:prstGeom prst="rect">
+            <a:avLst/>
+          </a:prstGeom>
+          <a:solidFill>
+            <a:srgbClr val="282C34"/>
+          </a:solidFill>
+          <a:ln>
+            <a:noFill/>
+          </a:ln>
+          <a:effectLst/>
+          <a:extLst>
+            <a:ext uri="{91240B29-F687-4F45-9708-019B960494DF}">
+              <a14:hiddenLine xmlns:a14="http://schemas.microsoft.com/office/drawing/2010/main" w="9525">
+                <a:solidFill>
+                  <a:schemeClr val="tx1"/>
+                </a:solidFill>
+                <a:miter lim="800000"/>
+                <a:headEnd/>
+                <a:tailEnd/>
+              </a14:hiddenLine>
+            </a:ext>
+            <a:ext uri="{AF507438-7753-43E0-B8FC-AC1667EBCBE1}">
+              <a14:hiddenEffects xmlns:a14="http://schemas.microsoft.com/office/drawing/2010/main">
+                <a:effectLst>
+                  <a:outerShdw dist="35921" dir="2700000" algn="ctr" rotWithShape="0">
+                    <a:schemeClr val="bg2"/>
+                  </a:outerShdw>
+                </a:effectLst>
+              </a14:hiddenEffects>
+            </a:ext>
+          </a:extLst>
+        </p:spPr>
+        <p:txBody>
+          <a:bodyPr vert="horz" wrap="square" lIns="91440" tIns="45720" rIns="91440" bIns="45720" numCol="1" anchor="ctr" anchorCtr="0" compatLnSpc="1">
+            <a:prstTxWarp prst="textNoShape">
+              <a:avLst/>
+            </a:prstTxWarp>
+            <a:spAutoFit/>
+          </a:bodyPr>
+          <a:lstStyle/>
+          <a:p>
+            <a:pPr marL="0" marR="0" lvl="0" indent="0" algn="l" defTabSz="914400" rtl="0" eaLnBrk="0" fontAlgn="base" latinLnBrk="0" hangingPunct="0">
+              <a:lnSpc>
+                <a:spcPct val="100000"/>
+              </a:lnSpc>
+              <a:spcBef>
+                <a:spcPct val="0"/>
+              </a:spcBef>
+              <a:spcAft>
+                <a:spcPct val="0"/>
+              </a:spcAft>
+              <a:buClrTx/>
+              <a:buSzTx/>
+              <a:buFontTx/>
+              <a:buNone/>
+              <a:tabLst/>
+            </a:pPr>
+            <a:r>
+              <a:rPr kumimoji="0" lang="de-DE" altLang="de-DE" sz="2400" b="0" i="1" u="none" strike="noStrike" cap="none" normalizeH="0" baseline="0" dirty="0" err="1" smtClean="0">
+                <a:ln>
+                  <a:noFill/>
+                </a:ln>
+                <a:solidFill>
+                  <a:srgbClr val="D55FDE"/>
+                </a:solidFill>
+                <a:effectLst/>
+                <a:latin typeface="JetBrains Mono"/>
+              </a:rPr>
+              <a:t>output</a:t>
+            </a:r>
+            <a:r>
+              <a:rPr kumimoji="0" lang="de-DE" altLang="de-DE" sz="2400" b="0" i="1" u="none" strike="noStrike" cap="none" normalizeH="0" baseline="0" dirty="0" smtClean="0">
+                <a:ln>
+                  <a:noFill/>
+                </a:ln>
+                <a:solidFill>
+                  <a:srgbClr val="D55FDE"/>
+                </a:solidFill>
+                <a:effectLst/>
+                <a:latin typeface="JetBrains Mono"/>
+              </a:rPr>
+              <a:t> </a:t>
+            </a:r>
+            <a:r>
+              <a:rPr kumimoji="0" lang="de-DE" altLang="de-DE" sz="2400" b="0" i="0" u="none" strike="noStrike" cap="none" normalizeH="0" baseline="0" dirty="0" smtClean="0">
+                <a:ln>
+                  <a:noFill/>
+                </a:ln>
+                <a:solidFill>
+                  <a:srgbClr val="E5C07B"/>
+                </a:solidFill>
+                <a:effectLst/>
+                <a:latin typeface="JetBrains Mono"/>
+              </a:rPr>
+              <a:t>"</a:t>
+            </a:r>
+            <a:r>
+              <a:rPr kumimoji="0" lang="de-DE" altLang="de-DE" sz="2400" b="0" i="0" u="none" strike="noStrike" cap="none" normalizeH="0" baseline="0" dirty="0" err="1" smtClean="0">
+                <a:ln>
+                  <a:noFill/>
+                </a:ln>
+                <a:solidFill>
+                  <a:srgbClr val="E5C07B"/>
+                </a:solidFill>
+                <a:effectLst/>
+                <a:latin typeface="JetBrains Mono"/>
+              </a:rPr>
+              <a:t>region</a:t>
+            </a:r>
+            <a:r>
+              <a:rPr kumimoji="0" lang="de-DE" altLang="de-DE" sz="2400" b="0" i="0" u="none" strike="noStrike" cap="none" normalizeH="0" baseline="0" dirty="0" smtClean="0">
+                <a:ln>
+                  <a:noFill/>
+                </a:ln>
+                <a:solidFill>
+                  <a:srgbClr val="E5C07B"/>
+                </a:solidFill>
+                <a:effectLst/>
+                <a:latin typeface="JetBrains Mono"/>
+              </a:rPr>
+              <a:t>" </a:t>
+            </a:r>
+            <a:r>
+              <a:rPr kumimoji="0" lang="de-DE" altLang="de-DE" sz="2400" b="0" i="0" u="none" strike="noStrike" cap="none" normalizeH="0" baseline="0" dirty="0" smtClean="0">
+                <a:ln>
+                  <a:noFill/>
+                </a:ln>
+                <a:solidFill>
+                  <a:srgbClr val="BBBBBB"/>
+                </a:solidFill>
+                <a:effectLst/>
+                <a:latin typeface="JetBrains Mono"/>
+              </a:rPr>
+              <a:t>{</a:t>
+            </a:r>
+            <a:br>
+              <a:rPr kumimoji="0" lang="de-DE" altLang="de-DE" sz="2400" b="0" i="0" u="none" strike="noStrike" cap="none" normalizeH="0" baseline="0" dirty="0" smtClean="0">
+                <a:ln>
+                  <a:noFill/>
+                </a:ln>
+                <a:solidFill>
+                  <a:srgbClr val="BBBBBB"/>
+                </a:solidFill>
+                <a:effectLst/>
+                <a:latin typeface="JetBrains Mono"/>
+              </a:rPr>
+            </a:br>
+            <a:r>
+              <a:rPr kumimoji="0" lang="de-DE" altLang="de-DE" sz="2400" b="0" i="0" u="none" strike="noStrike" cap="none" normalizeH="0" baseline="0" dirty="0" smtClean="0">
+                <a:ln>
+                  <a:noFill/>
+                </a:ln>
+                <a:solidFill>
+                  <a:srgbClr val="BBBBBB"/>
+                </a:solidFill>
+                <a:effectLst/>
+                <a:latin typeface="JetBrains Mono"/>
+              </a:rPr>
+              <a:t>  </a:t>
+            </a:r>
+            <a:r>
+              <a:rPr kumimoji="0" lang="de-DE" altLang="de-DE" sz="2400" b="0" i="0" u="none" strike="noStrike" cap="none" normalizeH="0" baseline="0" dirty="0" err="1" smtClean="0">
+                <a:ln>
+                  <a:noFill/>
+                </a:ln>
+                <a:solidFill>
+                  <a:srgbClr val="EF596F"/>
+                </a:solidFill>
+                <a:effectLst/>
+                <a:latin typeface="JetBrains Mono"/>
+              </a:rPr>
+              <a:t>description</a:t>
+            </a:r>
+            <a:r>
+              <a:rPr kumimoji="0" lang="de-DE" altLang="de-DE" sz="2400" b="0" i="0" u="none" strike="noStrike" cap="none" normalizeH="0" baseline="0" dirty="0" smtClean="0">
+                <a:ln>
+                  <a:noFill/>
+                </a:ln>
+                <a:solidFill>
+                  <a:srgbClr val="EF596F"/>
+                </a:solidFill>
+                <a:effectLst/>
+                <a:latin typeface="JetBrains Mono"/>
+              </a:rPr>
+              <a:t> </a:t>
+            </a:r>
+            <a:r>
+              <a:rPr kumimoji="0" lang="de-DE" altLang="de-DE" sz="2400" b="0" i="0" u="none" strike="noStrike" cap="none" normalizeH="0" baseline="0" dirty="0" smtClean="0">
+                <a:ln>
+                  <a:noFill/>
+                </a:ln>
+                <a:solidFill>
+                  <a:srgbClr val="BBBBBB"/>
+                </a:solidFill>
+                <a:effectLst/>
+                <a:latin typeface="JetBrains Mono"/>
+              </a:rPr>
+              <a:t>= </a:t>
+            </a:r>
+            <a:r>
+              <a:rPr kumimoji="0" lang="de-DE" altLang="de-DE" sz="2400" b="0" i="0" u="none" strike="noStrike" cap="none" normalizeH="0" baseline="0" dirty="0" smtClean="0">
+                <a:ln>
+                  <a:noFill/>
+                </a:ln>
+                <a:solidFill>
+                  <a:srgbClr val="89CA78"/>
+                </a:solidFill>
+                <a:effectLst/>
+                <a:latin typeface="JetBrains Mono"/>
+              </a:rPr>
+              <a:t>"AWS </a:t>
+            </a:r>
+            <a:r>
+              <a:rPr kumimoji="0" lang="de-DE" altLang="de-DE" sz="2400" b="0" i="0" u="none" strike="noStrike" cap="none" normalizeH="0" baseline="0" dirty="0" err="1" smtClean="0">
+                <a:ln>
+                  <a:noFill/>
+                </a:ln>
+                <a:solidFill>
+                  <a:srgbClr val="89CA78"/>
+                </a:solidFill>
+                <a:effectLst/>
+                <a:latin typeface="JetBrains Mono"/>
+              </a:rPr>
+              <a:t>region</a:t>
+            </a:r>
+            <a:r>
+              <a:rPr kumimoji="0" lang="de-DE" altLang="de-DE" sz="2400" b="0" i="0" u="none" strike="noStrike" cap="none" normalizeH="0" baseline="0" dirty="0" smtClean="0">
+                <a:ln>
+                  <a:noFill/>
+                </a:ln>
+                <a:solidFill>
+                  <a:srgbClr val="89CA78"/>
+                </a:solidFill>
+                <a:effectLst/>
+                <a:latin typeface="JetBrains Mono"/>
+              </a:rPr>
+              <a:t>"</a:t>
+            </a:r>
+            <a:br>
+              <a:rPr kumimoji="0" lang="de-DE" altLang="de-DE" sz="2400" b="0" i="0" u="none" strike="noStrike" cap="none" normalizeH="0" baseline="0" dirty="0" smtClean="0">
+                <a:ln>
+                  <a:noFill/>
+                </a:ln>
+                <a:solidFill>
+                  <a:srgbClr val="89CA78"/>
+                </a:solidFill>
+                <a:effectLst/>
+                <a:latin typeface="JetBrains Mono"/>
+              </a:rPr>
+            </a:br>
+            <a:r>
+              <a:rPr kumimoji="0" lang="de-DE" altLang="de-DE" sz="2400" b="0" i="0" u="none" strike="noStrike" cap="none" normalizeH="0" baseline="0" dirty="0" smtClean="0">
+                <a:ln>
+                  <a:noFill/>
+                </a:ln>
+                <a:solidFill>
+                  <a:srgbClr val="89CA78"/>
+                </a:solidFill>
+                <a:effectLst/>
+                <a:latin typeface="JetBrains Mono"/>
+              </a:rPr>
+              <a:t>  </a:t>
+            </a:r>
+            <a:r>
+              <a:rPr kumimoji="0" lang="de-DE" altLang="de-DE" sz="2400" b="0" i="0" u="none" strike="noStrike" cap="none" normalizeH="0" baseline="0" dirty="0" err="1" smtClean="0">
+                <a:ln>
+                  <a:noFill/>
+                </a:ln>
+                <a:solidFill>
+                  <a:srgbClr val="EF596F"/>
+                </a:solidFill>
+                <a:effectLst/>
+                <a:latin typeface="JetBrains Mono"/>
+              </a:rPr>
+              <a:t>value</a:t>
+            </a:r>
+            <a:r>
+              <a:rPr kumimoji="0" lang="de-DE" altLang="de-DE" sz="2400" b="0" i="0" u="none" strike="noStrike" cap="none" normalizeH="0" baseline="0" dirty="0" smtClean="0">
+                <a:ln>
+                  <a:noFill/>
+                </a:ln>
+                <a:solidFill>
+                  <a:srgbClr val="EF596F"/>
+                </a:solidFill>
+                <a:effectLst/>
+                <a:latin typeface="JetBrains Mono"/>
+              </a:rPr>
+              <a:t>       </a:t>
+            </a:r>
+            <a:r>
+              <a:rPr kumimoji="0" lang="de-DE" altLang="de-DE" sz="2400" b="0" i="0" u="none" strike="noStrike" cap="none" normalizeH="0" baseline="0" dirty="0" smtClean="0">
+                <a:ln>
+                  <a:noFill/>
+                </a:ln>
+                <a:solidFill>
+                  <a:srgbClr val="BBBBBB"/>
+                </a:solidFill>
+                <a:effectLst/>
+                <a:latin typeface="JetBrains Mono"/>
+              </a:rPr>
+              <a:t>= </a:t>
+            </a:r>
+            <a:r>
+              <a:rPr kumimoji="0" lang="de-DE" altLang="de-DE" sz="2400" b="0" i="0" u="none" strike="noStrike" cap="none" normalizeH="0" baseline="0" dirty="0" err="1" smtClean="0">
+                <a:ln>
+                  <a:noFill/>
+                </a:ln>
+                <a:solidFill>
+                  <a:srgbClr val="BBBBBB"/>
+                </a:solidFill>
+                <a:effectLst/>
+                <a:latin typeface="JetBrains Mono"/>
+              </a:rPr>
+              <a:t>var.</a:t>
+            </a:r>
+            <a:r>
+              <a:rPr kumimoji="0" lang="de-DE" altLang="de-DE" sz="2400" b="0" i="0" u="none" strike="noStrike" cap="none" normalizeH="0" baseline="0" dirty="0" err="1" smtClean="0">
+                <a:ln>
+                  <a:noFill/>
+                </a:ln>
+                <a:solidFill>
+                  <a:srgbClr val="EF596F"/>
+                </a:solidFill>
+                <a:effectLst/>
+                <a:latin typeface="JetBrains Mono"/>
+              </a:rPr>
+              <a:t>region</a:t>
+            </a:r>
+            <a:r>
+              <a:rPr kumimoji="0" lang="de-DE" altLang="de-DE" sz="2400" b="0" i="0" u="none" strike="noStrike" cap="none" normalizeH="0" baseline="0" dirty="0" smtClean="0">
+                <a:ln>
+                  <a:noFill/>
+                </a:ln>
+                <a:solidFill>
+                  <a:srgbClr val="EF596F"/>
+                </a:solidFill>
+                <a:effectLst/>
+                <a:latin typeface="JetBrains Mono"/>
+              </a:rPr>
+              <a:t/>
+            </a:r>
+            <a:br>
+              <a:rPr kumimoji="0" lang="de-DE" altLang="de-DE" sz="2400" b="0" i="0" u="none" strike="noStrike" cap="none" normalizeH="0" baseline="0" dirty="0" smtClean="0">
+                <a:ln>
+                  <a:noFill/>
+                </a:ln>
+                <a:solidFill>
+                  <a:srgbClr val="EF596F"/>
+                </a:solidFill>
+                <a:effectLst/>
+                <a:latin typeface="JetBrains Mono"/>
+              </a:rPr>
+            </a:br>
+            <a:r>
+              <a:rPr kumimoji="0" lang="de-DE" altLang="de-DE" sz="2400" b="0" i="0" u="none" strike="noStrike" cap="none" normalizeH="0" baseline="0" dirty="0" smtClean="0">
+                <a:ln>
+                  <a:noFill/>
+                </a:ln>
+                <a:solidFill>
+                  <a:srgbClr val="BBBBBB"/>
+                </a:solidFill>
+                <a:effectLst/>
+                <a:latin typeface="JetBrains Mono"/>
+              </a:rPr>
+              <a:t>}</a:t>
+            </a:r>
+            <a:br>
+              <a:rPr kumimoji="0" lang="de-DE" altLang="de-DE" sz="2400" b="0" i="0" u="none" strike="noStrike" cap="none" normalizeH="0" baseline="0" dirty="0" smtClean="0">
+                <a:ln>
+                  <a:noFill/>
+                </a:ln>
+                <a:solidFill>
+                  <a:srgbClr val="BBBBBB"/>
+                </a:solidFill>
+                <a:effectLst/>
+                <a:latin typeface="JetBrains Mono"/>
+              </a:rPr>
+            </a:br>
+            <a:r>
+              <a:rPr kumimoji="0" lang="de-DE" altLang="de-DE" sz="2400" b="0" i="1" u="none" strike="noStrike" cap="none" normalizeH="0" baseline="0" dirty="0" err="1" smtClean="0">
+                <a:ln>
+                  <a:noFill/>
+                </a:ln>
+                <a:solidFill>
+                  <a:srgbClr val="D55FDE"/>
+                </a:solidFill>
+                <a:effectLst/>
+                <a:latin typeface="JetBrains Mono"/>
+              </a:rPr>
+              <a:t>output</a:t>
+            </a:r>
+            <a:r>
+              <a:rPr kumimoji="0" lang="de-DE" altLang="de-DE" sz="2400" b="0" i="1" u="none" strike="noStrike" cap="none" normalizeH="0" baseline="0" dirty="0" smtClean="0">
+                <a:ln>
+                  <a:noFill/>
+                </a:ln>
+                <a:solidFill>
+                  <a:srgbClr val="D55FDE"/>
+                </a:solidFill>
+                <a:effectLst/>
+                <a:latin typeface="JetBrains Mono"/>
+              </a:rPr>
+              <a:t> </a:t>
+            </a:r>
+            <a:r>
+              <a:rPr kumimoji="0" lang="de-DE" altLang="de-DE" sz="2400" b="0" i="0" u="none" strike="noStrike" cap="none" normalizeH="0" baseline="0" dirty="0" smtClean="0">
+                <a:ln>
+                  <a:noFill/>
+                </a:ln>
+                <a:solidFill>
+                  <a:srgbClr val="E5C07B"/>
+                </a:solidFill>
+                <a:effectLst/>
+                <a:latin typeface="JetBrains Mono"/>
+              </a:rPr>
+              <a:t>"</a:t>
+            </a:r>
+            <a:r>
+              <a:rPr kumimoji="0" lang="de-DE" altLang="de-DE" sz="2400" b="0" i="0" u="none" strike="noStrike" cap="none" normalizeH="0" baseline="0" dirty="0" err="1" smtClean="0">
+                <a:ln>
+                  <a:noFill/>
+                </a:ln>
+                <a:solidFill>
+                  <a:srgbClr val="E5C07B"/>
+                </a:solidFill>
+                <a:effectLst/>
+                <a:latin typeface="JetBrains Mono"/>
+              </a:rPr>
+              <a:t>cluster_name</a:t>
+            </a:r>
+            <a:r>
+              <a:rPr kumimoji="0" lang="de-DE" altLang="de-DE" sz="2400" b="0" i="0" u="none" strike="noStrike" cap="none" normalizeH="0" baseline="0" dirty="0" smtClean="0">
+                <a:ln>
+                  <a:noFill/>
+                </a:ln>
+                <a:solidFill>
+                  <a:srgbClr val="E5C07B"/>
+                </a:solidFill>
+                <a:effectLst/>
+                <a:latin typeface="JetBrains Mono"/>
+              </a:rPr>
+              <a:t>" </a:t>
+            </a:r>
+            <a:r>
+              <a:rPr kumimoji="0" lang="de-DE" altLang="de-DE" sz="2400" b="0" i="0" u="none" strike="noStrike" cap="none" normalizeH="0" baseline="0" dirty="0" smtClean="0">
+                <a:ln>
+                  <a:noFill/>
+                </a:ln>
+                <a:solidFill>
+                  <a:srgbClr val="BBBBBB"/>
+                </a:solidFill>
+                <a:effectLst/>
+                <a:latin typeface="JetBrains Mono"/>
+              </a:rPr>
+              <a:t>{</a:t>
+            </a:r>
+            <a:br>
+              <a:rPr kumimoji="0" lang="de-DE" altLang="de-DE" sz="2400" b="0" i="0" u="none" strike="noStrike" cap="none" normalizeH="0" baseline="0" dirty="0" smtClean="0">
+                <a:ln>
+                  <a:noFill/>
+                </a:ln>
+                <a:solidFill>
+                  <a:srgbClr val="BBBBBB"/>
+                </a:solidFill>
+                <a:effectLst/>
+                <a:latin typeface="JetBrains Mono"/>
+              </a:rPr>
+            </a:br>
+            <a:r>
+              <a:rPr kumimoji="0" lang="de-DE" altLang="de-DE" sz="2400" b="0" i="0" u="none" strike="noStrike" cap="none" normalizeH="0" baseline="0" dirty="0" smtClean="0">
+                <a:ln>
+                  <a:noFill/>
+                </a:ln>
+                <a:solidFill>
+                  <a:srgbClr val="BBBBBB"/>
+                </a:solidFill>
+                <a:effectLst/>
+                <a:latin typeface="JetBrains Mono"/>
+              </a:rPr>
+              <a:t>  </a:t>
+            </a:r>
+            <a:r>
+              <a:rPr kumimoji="0" lang="de-DE" altLang="de-DE" sz="2400" b="0" i="0" u="none" strike="noStrike" cap="none" normalizeH="0" baseline="0" dirty="0" err="1" smtClean="0">
+                <a:ln>
+                  <a:noFill/>
+                </a:ln>
+                <a:solidFill>
+                  <a:srgbClr val="EF596F"/>
+                </a:solidFill>
+                <a:effectLst/>
+                <a:latin typeface="JetBrains Mono"/>
+              </a:rPr>
+              <a:t>description</a:t>
+            </a:r>
+            <a:r>
+              <a:rPr kumimoji="0" lang="de-DE" altLang="de-DE" sz="2400" b="0" i="0" u="none" strike="noStrike" cap="none" normalizeH="0" baseline="0" dirty="0" smtClean="0">
+                <a:ln>
+                  <a:noFill/>
+                </a:ln>
+                <a:solidFill>
+                  <a:srgbClr val="EF596F"/>
+                </a:solidFill>
+                <a:effectLst/>
+                <a:latin typeface="JetBrains Mono"/>
+              </a:rPr>
+              <a:t> </a:t>
+            </a:r>
+            <a:r>
+              <a:rPr kumimoji="0" lang="de-DE" altLang="de-DE" sz="2400" b="0" i="0" u="none" strike="noStrike" cap="none" normalizeH="0" baseline="0" dirty="0" smtClean="0">
+                <a:ln>
+                  <a:noFill/>
+                </a:ln>
+                <a:solidFill>
+                  <a:srgbClr val="BBBBBB"/>
+                </a:solidFill>
+                <a:effectLst/>
+                <a:latin typeface="JetBrains Mono"/>
+              </a:rPr>
+              <a:t>= </a:t>
+            </a:r>
+            <a:r>
+              <a:rPr kumimoji="0" lang="de-DE" altLang="de-DE" sz="2400" b="0" i="0" u="none" strike="noStrike" cap="none" normalizeH="0" baseline="0" dirty="0" smtClean="0">
+                <a:ln>
+                  <a:noFill/>
+                </a:ln>
+                <a:solidFill>
+                  <a:srgbClr val="89CA78"/>
+                </a:solidFill>
+                <a:effectLst/>
+                <a:latin typeface="JetBrains Mono"/>
+              </a:rPr>
+              <a:t>"</a:t>
+            </a:r>
+            <a:r>
+              <a:rPr kumimoji="0" lang="de-DE" altLang="de-DE" sz="2400" b="0" i="0" u="none" strike="noStrike" cap="none" normalizeH="0" baseline="0" dirty="0" err="1" smtClean="0">
+                <a:ln>
+                  <a:noFill/>
+                </a:ln>
+                <a:solidFill>
+                  <a:srgbClr val="89CA78"/>
+                </a:solidFill>
+                <a:effectLst/>
+                <a:latin typeface="JetBrains Mono"/>
+              </a:rPr>
+              <a:t>Kubernetes</a:t>
+            </a:r>
+            <a:r>
+              <a:rPr kumimoji="0" lang="de-DE" altLang="de-DE" sz="2400" b="0" i="0" u="none" strike="noStrike" cap="none" normalizeH="0" baseline="0" dirty="0" smtClean="0">
+                <a:ln>
+                  <a:noFill/>
+                </a:ln>
+                <a:solidFill>
+                  <a:srgbClr val="89CA78"/>
+                </a:solidFill>
+                <a:effectLst/>
+                <a:latin typeface="JetBrains Mono"/>
+              </a:rPr>
+              <a:t> Cluster Name"</a:t>
+            </a:r>
+            <a:br>
+              <a:rPr kumimoji="0" lang="de-DE" altLang="de-DE" sz="2400" b="0" i="0" u="none" strike="noStrike" cap="none" normalizeH="0" baseline="0" dirty="0" smtClean="0">
+                <a:ln>
+                  <a:noFill/>
+                </a:ln>
+                <a:solidFill>
+                  <a:srgbClr val="89CA78"/>
+                </a:solidFill>
+                <a:effectLst/>
+                <a:latin typeface="JetBrains Mono"/>
+              </a:rPr>
+            </a:br>
+            <a:r>
+              <a:rPr kumimoji="0" lang="de-DE" altLang="de-DE" sz="2400" b="0" i="0" u="none" strike="noStrike" cap="none" normalizeH="0" baseline="0" dirty="0" smtClean="0">
+                <a:ln>
+                  <a:noFill/>
+                </a:ln>
+                <a:solidFill>
+                  <a:srgbClr val="89CA78"/>
+                </a:solidFill>
+                <a:effectLst/>
+                <a:latin typeface="JetBrains Mono"/>
+              </a:rPr>
+              <a:t>  </a:t>
+            </a:r>
+            <a:r>
+              <a:rPr kumimoji="0" lang="de-DE" altLang="de-DE" sz="2400" b="0" i="0" u="none" strike="noStrike" cap="none" normalizeH="0" baseline="0" dirty="0" err="1" smtClean="0">
+                <a:ln>
+                  <a:noFill/>
+                </a:ln>
+                <a:solidFill>
+                  <a:srgbClr val="EF596F"/>
+                </a:solidFill>
+                <a:effectLst/>
+                <a:latin typeface="JetBrains Mono"/>
+              </a:rPr>
+              <a:t>value</a:t>
+            </a:r>
+            <a:r>
+              <a:rPr kumimoji="0" lang="de-DE" altLang="de-DE" sz="2400" b="0" i="0" u="none" strike="noStrike" cap="none" normalizeH="0" baseline="0" dirty="0" smtClean="0">
+                <a:ln>
+                  <a:noFill/>
+                </a:ln>
+                <a:solidFill>
+                  <a:srgbClr val="EF596F"/>
+                </a:solidFill>
+                <a:effectLst/>
+                <a:latin typeface="JetBrains Mono"/>
+              </a:rPr>
+              <a:t>       </a:t>
+            </a:r>
+            <a:r>
+              <a:rPr kumimoji="0" lang="de-DE" altLang="de-DE" sz="2400" b="0" i="0" u="none" strike="noStrike" cap="none" normalizeH="0" baseline="0" dirty="0" smtClean="0">
+                <a:ln>
+                  <a:noFill/>
+                </a:ln>
+                <a:solidFill>
+                  <a:srgbClr val="BBBBBB"/>
+                </a:solidFill>
+                <a:effectLst/>
+                <a:latin typeface="JetBrains Mono"/>
+              </a:rPr>
+              <a:t>= </a:t>
+            </a:r>
+            <a:r>
+              <a:rPr kumimoji="0" lang="de-DE" altLang="de-DE" sz="2400" b="0" i="0" u="none" strike="noStrike" cap="none" normalizeH="0" baseline="0" dirty="0" err="1" smtClean="0">
+                <a:ln>
+                  <a:noFill/>
+                </a:ln>
+                <a:solidFill>
+                  <a:srgbClr val="BBBBBB"/>
+                </a:solidFill>
+                <a:effectLst/>
+                <a:latin typeface="JetBrains Mono"/>
+              </a:rPr>
+              <a:t>local.</a:t>
+            </a:r>
+            <a:r>
+              <a:rPr kumimoji="0" lang="de-DE" altLang="de-DE" sz="2400" b="0" i="0" u="none" strike="noStrike" cap="none" normalizeH="0" baseline="0" dirty="0" err="1" smtClean="0">
+                <a:ln>
+                  <a:noFill/>
+                </a:ln>
+                <a:solidFill>
+                  <a:srgbClr val="EF596F"/>
+                </a:solidFill>
+                <a:effectLst/>
+                <a:latin typeface="JetBrains Mono"/>
+              </a:rPr>
+              <a:t>cluster_name</a:t>
+            </a:r>
+            <a:r>
+              <a:rPr kumimoji="0" lang="de-DE" altLang="de-DE" sz="2400" b="0" i="0" u="none" strike="noStrike" cap="none" normalizeH="0" baseline="0" dirty="0" smtClean="0">
+                <a:ln>
+                  <a:noFill/>
+                </a:ln>
+                <a:solidFill>
+                  <a:srgbClr val="EF596F"/>
+                </a:solidFill>
+                <a:effectLst/>
+                <a:latin typeface="JetBrains Mono"/>
+              </a:rPr>
+              <a:t/>
+            </a:r>
+            <a:br>
+              <a:rPr kumimoji="0" lang="de-DE" altLang="de-DE" sz="2400" b="0" i="0" u="none" strike="noStrike" cap="none" normalizeH="0" baseline="0" dirty="0" smtClean="0">
+                <a:ln>
+                  <a:noFill/>
+                </a:ln>
+                <a:solidFill>
+                  <a:srgbClr val="EF596F"/>
+                </a:solidFill>
+                <a:effectLst/>
+                <a:latin typeface="JetBrains Mono"/>
+              </a:rPr>
+            </a:br>
+            <a:r>
+              <a:rPr kumimoji="0" lang="de-DE" altLang="de-DE" sz="2400" b="0" i="0" u="none" strike="noStrike" cap="none" normalizeH="0" baseline="0" dirty="0" smtClean="0">
+                <a:ln>
+                  <a:noFill/>
+                </a:ln>
+                <a:solidFill>
+                  <a:srgbClr val="BBBBBB"/>
+                </a:solidFill>
+                <a:effectLst/>
+                <a:latin typeface="JetBrains Mono"/>
+              </a:rPr>
+              <a:t>}</a:t>
+            </a:r>
+            <a:br>
+              <a:rPr kumimoji="0" lang="de-DE" altLang="de-DE" sz="2400" b="0" i="0" u="none" strike="noStrike" cap="none" normalizeH="0" baseline="0" dirty="0" smtClean="0">
+                <a:ln>
+                  <a:noFill/>
+                </a:ln>
+                <a:solidFill>
+                  <a:srgbClr val="BBBBBB"/>
+                </a:solidFill>
+                <a:effectLst/>
+                <a:latin typeface="JetBrains Mono"/>
+              </a:rPr>
+            </a:br>
+            <a:r>
+              <a:rPr kumimoji="0" lang="de-DE" altLang="de-DE" sz="2400" b="0" i="1" u="none" strike="noStrike" cap="none" normalizeH="0" baseline="0" dirty="0" err="1" smtClean="0">
+                <a:ln>
+                  <a:noFill/>
+                </a:ln>
+                <a:solidFill>
+                  <a:srgbClr val="D55FDE"/>
+                </a:solidFill>
+                <a:effectLst/>
+                <a:latin typeface="JetBrains Mono"/>
+              </a:rPr>
+              <a:t>output</a:t>
+            </a:r>
+            <a:r>
+              <a:rPr kumimoji="0" lang="de-DE" altLang="de-DE" sz="2400" b="0" i="1" u="none" strike="noStrike" cap="none" normalizeH="0" baseline="0" dirty="0" smtClean="0">
+                <a:ln>
+                  <a:noFill/>
+                </a:ln>
+                <a:solidFill>
+                  <a:srgbClr val="D55FDE"/>
+                </a:solidFill>
+                <a:effectLst/>
+                <a:latin typeface="JetBrains Mono"/>
+              </a:rPr>
+              <a:t> </a:t>
+            </a:r>
+            <a:r>
+              <a:rPr kumimoji="0" lang="de-DE" altLang="de-DE" sz="2400" b="0" i="0" u="none" strike="noStrike" cap="none" normalizeH="0" baseline="0" dirty="0" smtClean="0">
+                <a:ln>
+                  <a:noFill/>
+                </a:ln>
+                <a:solidFill>
+                  <a:srgbClr val="E5C07B"/>
+                </a:solidFill>
+                <a:effectLst/>
+                <a:latin typeface="JetBrains Mono"/>
+              </a:rPr>
+              <a:t>"</a:t>
+            </a:r>
+            <a:r>
+              <a:rPr kumimoji="0" lang="de-DE" altLang="de-DE" sz="2400" b="0" i="0" u="none" strike="noStrike" cap="none" normalizeH="0" baseline="0" dirty="0" err="1" smtClean="0">
+                <a:ln>
+                  <a:noFill/>
+                </a:ln>
+                <a:solidFill>
+                  <a:srgbClr val="E5C07B"/>
+                </a:solidFill>
+                <a:effectLst/>
+                <a:latin typeface="JetBrains Mono"/>
+              </a:rPr>
+              <a:t>cluster_id</a:t>
+            </a:r>
+            <a:r>
+              <a:rPr kumimoji="0" lang="de-DE" altLang="de-DE" sz="2400" b="0" i="0" u="none" strike="noStrike" cap="none" normalizeH="0" baseline="0" dirty="0" smtClean="0">
+                <a:ln>
+                  <a:noFill/>
+                </a:ln>
+                <a:solidFill>
+                  <a:srgbClr val="E5C07B"/>
+                </a:solidFill>
+                <a:effectLst/>
+                <a:latin typeface="JetBrains Mono"/>
+              </a:rPr>
+              <a:t>" </a:t>
+            </a:r>
+            <a:r>
+              <a:rPr kumimoji="0" lang="de-DE" altLang="de-DE" sz="2400" b="0" i="0" u="none" strike="noStrike" cap="none" normalizeH="0" baseline="0" dirty="0" smtClean="0">
+                <a:ln>
+                  <a:noFill/>
+                </a:ln>
+                <a:solidFill>
+                  <a:srgbClr val="BBBBBB"/>
+                </a:solidFill>
+                <a:effectLst/>
+                <a:latin typeface="JetBrains Mono"/>
+              </a:rPr>
+              <a:t>{</a:t>
+            </a:r>
+            <a:br>
+              <a:rPr kumimoji="0" lang="de-DE" altLang="de-DE" sz="2400" b="0" i="0" u="none" strike="noStrike" cap="none" normalizeH="0" baseline="0" dirty="0" smtClean="0">
+                <a:ln>
+                  <a:noFill/>
+                </a:ln>
+                <a:solidFill>
+                  <a:srgbClr val="BBBBBB"/>
+                </a:solidFill>
+                <a:effectLst/>
+                <a:latin typeface="JetBrains Mono"/>
+              </a:rPr>
+            </a:br>
+            <a:r>
+              <a:rPr kumimoji="0" lang="de-DE" altLang="de-DE" sz="2400" b="0" i="0" u="none" strike="noStrike" cap="none" normalizeH="0" baseline="0" dirty="0" smtClean="0">
+                <a:ln>
+                  <a:noFill/>
+                </a:ln>
+                <a:solidFill>
+                  <a:srgbClr val="BBBBBB"/>
+                </a:solidFill>
+                <a:effectLst/>
+                <a:latin typeface="JetBrains Mono"/>
+              </a:rPr>
+              <a:t>  </a:t>
+            </a:r>
+            <a:r>
+              <a:rPr kumimoji="0" lang="de-DE" altLang="de-DE" sz="2400" b="0" i="0" u="none" strike="noStrike" cap="none" normalizeH="0" baseline="0" dirty="0" err="1" smtClean="0">
+                <a:ln>
+                  <a:noFill/>
+                </a:ln>
+                <a:solidFill>
+                  <a:srgbClr val="EF596F"/>
+                </a:solidFill>
+                <a:effectLst/>
+                <a:latin typeface="JetBrains Mono"/>
+              </a:rPr>
+              <a:t>description</a:t>
+            </a:r>
+            <a:r>
+              <a:rPr kumimoji="0" lang="de-DE" altLang="de-DE" sz="2400" b="0" i="0" u="none" strike="noStrike" cap="none" normalizeH="0" baseline="0" dirty="0" smtClean="0">
+                <a:ln>
+                  <a:noFill/>
+                </a:ln>
+                <a:solidFill>
+                  <a:srgbClr val="EF596F"/>
+                </a:solidFill>
+                <a:effectLst/>
+                <a:latin typeface="JetBrains Mono"/>
+              </a:rPr>
+              <a:t> </a:t>
+            </a:r>
+            <a:r>
+              <a:rPr kumimoji="0" lang="de-DE" altLang="de-DE" sz="2400" b="0" i="0" u="none" strike="noStrike" cap="none" normalizeH="0" baseline="0" dirty="0" smtClean="0">
+                <a:ln>
+                  <a:noFill/>
+                </a:ln>
+                <a:solidFill>
+                  <a:srgbClr val="BBBBBB"/>
+                </a:solidFill>
+                <a:effectLst/>
+                <a:latin typeface="JetBrains Mono"/>
+              </a:rPr>
+              <a:t>= </a:t>
+            </a:r>
+            <a:r>
+              <a:rPr kumimoji="0" lang="de-DE" altLang="de-DE" sz="2400" b="0" i="0" u="none" strike="noStrike" cap="none" normalizeH="0" baseline="0" dirty="0" smtClean="0">
+                <a:ln>
+                  <a:noFill/>
+                </a:ln>
+                <a:solidFill>
+                  <a:srgbClr val="89CA78"/>
+                </a:solidFill>
+                <a:effectLst/>
+                <a:latin typeface="JetBrains Mono"/>
+              </a:rPr>
+              <a:t>"EKS </a:t>
+            </a:r>
+            <a:r>
+              <a:rPr kumimoji="0" lang="de-DE" altLang="de-DE" sz="2400" b="0" i="0" u="none" strike="noStrike" cap="none" normalizeH="0" baseline="0" dirty="0" err="1" smtClean="0">
+                <a:ln>
+                  <a:noFill/>
+                </a:ln>
+                <a:solidFill>
+                  <a:srgbClr val="89CA78"/>
+                </a:solidFill>
+                <a:effectLst/>
+                <a:latin typeface="JetBrains Mono"/>
+              </a:rPr>
+              <a:t>cluster</a:t>
+            </a:r>
+            <a:r>
+              <a:rPr kumimoji="0" lang="de-DE" altLang="de-DE" sz="2400" b="0" i="0" u="none" strike="noStrike" cap="none" normalizeH="0" baseline="0" dirty="0" smtClean="0">
+                <a:ln>
+                  <a:noFill/>
+                </a:ln>
+                <a:solidFill>
+                  <a:srgbClr val="89CA78"/>
+                </a:solidFill>
+                <a:effectLst/>
+                <a:latin typeface="JetBrains Mono"/>
+              </a:rPr>
+              <a:t> ID."</a:t>
+            </a:r>
+            <a:br>
+              <a:rPr kumimoji="0" lang="de-DE" altLang="de-DE" sz="2400" b="0" i="0" u="none" strike="noStrike" cap="none" normalizeH="0" baseline="0" dirty="0" smtClean="0">
+                <a:ln>
+                  <a:noFill/>
+                </a:ln>
+                <a:solidFill>
+                  <a:srgbClr val="89CA78"/>
+                </a:solidFill>
+                <a:effectLst/>
+                <a:latin typeface="JetBrains Mono"/>
+              </a:rPr>
+            </a:br>
+            <a:r>
+              <a:rPr kumimoji="0" lang="de-DE" altLang="de-DE" sz="2400" b="0" i="0" u="none" strike="noStrike" cap="none" normalizeH="0" baseline="0" dirty="0" smtClean="0">
+                <a:ln>
+                  <a:noFill/>
+                </a:ln>
+                <a:solidFill>
+                  <a:srgbClr val="89CA78"/>
+                </a:solidFill>
+                <a:effectLst/>
+                <a:latin typeface="JetBrains Mono"/>
+              </a:rPr>
+              <a:t>  </a:t>
+            </a:r>
+            <a:r>
+              <a:rPr kumimoji="0" lang="de-DE" altLang="de-DE" sz="2400" b="0" i="0" u="none" strike="noStrike" cap="none" normalizeH="0" baseline="0" dirty="0" err="1" smtClean="0">
+                <a:ln>
+                  <a:noFill/>
+                </a:ln>
+                <a:solidFill>
+                  <a:srgbClr val="EF596F"/>
+                </a:solidFill>
+                <a:effectLst/>
+                <a:latin typeface="JetBrains Mono"/>
+              </a:rPr>
+              <a:t>value</a:t>
+            </a:r>
+            <a:r>
+              <a:rPr kumimoji="0" lang="de-DE" altLang="de-DE" sz="2400" b="0" i="0" u="none" strike="noStrike" cap="none" normalizeH="0" baseline="0" dirty="0" smtClean="0">
+                <a:ln>
+                  <a:noFill/>
+                </a:ln>
+                <a:solidFill>
+                  <a:srgbClr val="EF596F"/>
+                </a:solidFill>
+                <a:effectLst/>
+                <a:latin typeface="JetBrains Mono"/>
+              </a:rPr>
+              <a:t>       </a:t>
+            </a:r>
+            <a:r>
+              <a:rPr kumimoji="0" lang="de-DE" altLang="de-DE" sz="2400" b="0" i="0" u="none" strike="noStrike" cap="none" normalizeH="0" baseline="0" dirty="0" smtClean="0">
+                <a:ln>
+                  <a:noFill/>
+                </a:ln>
+                <a:solidFill>
+                  <a:srgbClr val="BBBBBB"/>
+                </a:solidFill>
+                <a:effectLst/>
+                <a:latin typeface="JetBrains Mono"/>
+              </a:rPr>
+              <a:t>= </a:t>
+            </a:r>
+            <a:r>
+              <a:rPr kumimoji="0" lang="de-DE" altLang="de-DE" sz="2400" b="0" i="0" u="none" strike="noStrike" cap="none" normalizeH="0" baseline="0" dirty="0" err="1" smtClean="0">
+                <a:ln>
+                  <a:noFill/>
+                </a:ln>
+                <a:solidFill>
+                  <a:srgbClr val="BBBBBB"/>
+                </a:solidFill>
+                <a:effectLst/>
+                <a:latin typeface="JetBrains Mono"/>
+              </a:rPr>
+              <a:t>module.</a:t>
+            </a:r>
+            <a:r>
+              <a:rPr kumimoji="0" lang="de-DE" altLang="de-DE" sz="2400" b="0" i="0" u="none" strike="noStrike" cap="none" normalizeH="0" baseline="0" dirty="0" err="1" smtClean="0">
+                <a:ln>
+                  <a:noFill/>
+                </a:ln>
+                <a:solidFill>
+                  <a:srgbClr val="EF596F"/>
+                </a:solidFill>
+                <a:effectLst/>
+                <a:latin typeface="JetBrains Mono"/>
+              </a:rPr>
+              <a:t>eks</a:t>
+            </a:r>
+            <a:r>
+              <a:rPr kumimoji="0" lang="de-DE" altLang="de-DE" sz="2400" b="0" i="0" u="none" strike="noStrike" cap="none" normalizeH="0" baseline="0" dirty="0" err="1" smtClean="0">
+                <a:ln>
+                  <a:noFill/>
+                </a:ln>
+                <a:solidFill>
+                  <a:srgbClr val="BBBBBB"/>
+                </a:solidFill>
+                <a:effectLst/>
+                <a:latin typeface="JetBrains Mono"/>
+              </a:rPr>
+              <a:t>.</a:t>
+            </a:r>
+            <a:r>
+              <a:rPr kumimoji="0" lang="de-DE" altLang="de-DE" sz="2400" b="0" i="0" u="none" strike="noStrike" cap="none" normalizeH="0" baseline="0" dirty="0" err="1" smtClean="0">
+                <a:ln>
+                  <a:noFill/>
+                </a:ln>
+                <a:solidFill>
+                  <a:srgbClr val="EF596F"/>
+                </a:solidFill>
+                <a:effectLst/>
+                <a:latin typeface="JetBrains Mono"/>
+              </a:rPr>
+              <a:t>cluster_id</a:t>
+            </a:r>
+            <a:r>
+              <a:rPr kumimoji="0" lang="de-DE" altLang="de-DE" sz="2400" b="0" i="0" u="none" strike="noStrike" cap="none" normalizeH="0" baseline="0" dirty="0" smtClean="0">
+                <a:ln>
+                  <a:noFill/>
+                </a:ln>
+                <a:solidFill>
+                  <a:srgbClr val="EF596F"/>
+                </a:solidFill>
+                <a:effectLst/>
+                <a:latin typeface="JetBrains Mono"/>
+              </a:rPr>
+              <a:t/>
+            </a:r>
+            <a:br>
+              <a:rPr kumimoji="0" lang="de-DE" altLang="de-DE" sz="2400" b="0" i="0" u="none" strike="noStrike" cap="none" normalizeH="0" baseline="0" dirty="0" smtClean="0">
+                <a:ln>
+                  <a:noFill/>
+                </a:ln>
+                <a:solidFill>
+                  <a:srgbClr val="EF596F"/>
+                </a:solidFill>
+                <a:effectLst/>
+                <a:latin typeface="JetBrains Mono"/>
+              </a:rPr>
+            </a:br>
+            <a:r>
+              <a:rPr kumimoji="0" lang="de-DE" altLang="de-DE" sz="2400" b="0" i="0" u="none" strike="noStrike" cap="none" normalizeH="0" baseline="0" dirty="0" smtClean="0">
+                <a:ln>
+                  <a:noFill/>
+                </a:ln>
+                <a:solidFill>
+                  <a:srgbClr val="BBBBBB"/>
+                </a:solidFill>
+                <a:effectLst/>
+                <a:latin typeface="JetBrains Mono"/>
+              </a:rPr>
+              <a:t>}</a:t>
+            </a:r>
+            <a:endParaRPr kumimoji="0" lang="de-DE" altLang="de-DE" sz="4800" b="0" i="0" u="none" strike="noStrike" cap="none" normalizeH="0" baseline="0" dirty="0" smtClean="0">
+              <a:ln>
+                <a:noFill/>
+              </a:ln>
+              <a:solidFill>
+                <a:schemeClr val="tx1"/>
+              </a:solidFill>
+              <a:effectLst/>
+              <a:latin typeface="Arial" panose="020B0604020202020204" pitchFamily="34" charset="0"/>
+            </a:endParaRPr>
+          </a:p>
+        </p:txBody>
+      </p:sp>
+    </p:spTree>
+    <p:extLst>
+      <p:ext uri="{BB962C8B-B14F-4D97-AF65-F5344CB8AC3E}">
+        <p14:creationId xmlns:p14="http://schemas.microsoft.com/office/powerpoint/2010/main" val="3444807760"/>
+      </p:ext>
+    </p:extLst>
+  </p:cSld>
+  <p:clrMapOvr>
+    <a:masterClrMapping/>
+  </p:clrMapOvr>
+</p:sld>
+</file>
+
+<file path=ppt/slides/slide8.xml><?xml version="1.0" encoding="utf-8"?>
+<p:sld xmlns:a="http://schemas.openxmlformats.org/drawingml/2006/main" xmlns:r="http://schemas.openxmlformats.org/officeDocument/2006/relationships" xmlns:p="http://schemas.openxmlformats.org/presentationml/2006/main">
+  <p:cSld>
+    <p:spTree>
+      <p:nvGrpSpPr>
+        <p:cNvPr id="1" name=""/>
+        <p:cNvGrpSpPr/>
+        <p:nvPr/>
+      </p:nvGrpSpPr>
+      <p:grpSpPr>
+        <a:xfrm>
+          <a:off x="0" y="0"/>
+          <a:ext cx="0" cy="0"/>
+          <a:chOff x="0" y="0"/>
+          <a:chExt cx="0" cy="0"/>
+        </a:xfrm>
+      </p:grpSpPr>
+      <p:sp>
+        <p:nvSpPr>
+          <p:cNvPr id="2" name="Titel 1"/>
+          <p:cNvSpPr>
+            <a:spLocks noGrp="1"/>
+          </p:cNvSpPr>
+          <p:nvPr>
+            <p:ph type="title"/>
+          </p:nvPr>
+        </p:nvSpPr>
+        <p:spPr/>
+        <p:txBody>
+          <a:bodyPr/>
+          <a:lstStyle/>
+          <a:p>
+            <a:r>
+              <a:rPr lang="de-DE" dirty="0" smtClean="0"/>
+              <a:t>Auslesen von Output-Values</a:t>
+            </a:r>
+            <a:endParaRPr lang="de-DE" dirty="0"/>
+          </a:p>
+        </p:txBody>
+      </p:sp>
+      <p:sp>
+        <p:nvSpPr>
+          <p:cNvPr id="5" name="Inhaltsplatzhalter 2"/>
+          <p:cNvSpPr>
+            <a:spLocks noGrp="1"/>
+          </p:cNvSpPr>
+          <p:nvPr>
+            <p:ph idx="1"/>
+          </p:nvPr>
+        </p:nvSpPr>
+        <p:spPr>
+          <a:xfrm>
+            <a:off x="838200" y="1825625"/>
+            <a:ext cx="10515600" cy="4351338"/>
+          </a:xfrm>
+        </p:spPr>
+        <p:txBody>
+          <a:bodyPr/>
+          <a:lstStyle/>
+          <a:p>
+            <a:r>
+              <a:rPr lang="de-DE" dirty="0" smtClean="0"/>
+              <a:t>Über den Befehl </a:t>
+            </a:r>
+            <a:r>
+              <a:rPr lang="de-DE" i="1" dirty="0" err="1" smtClean="0"/>
+              <a:t>terraform</a:t>
+            </a:r>
+            <a:r>
+              <a:rPr lang="de-DE" i="1" dirty="0" smtClean="0"/>
+              <a:t> </a:t>
+            </a:r>
+            <a:r>
+              <a:rPr lang="de-DE" i="1" dirty="0" err="1" smtClean="0"/>
+              <a:t>output</a:t>
+            </a:r>
+            <a:r>
+              <a:rPr lang="de-DE" dirty="0" smtClean="0"/>
+              <a:t> können die Output-Values des Root-Moduls abgerufen werden</a:t>
+            </a:r>
+          </a:p>
+          <a:p>
+            <a:r>
+              <a:rPr lang="de-DE" dirty="0" smtClean="0"/>
+              <a:t>Programmatischer Zugriff via </a:t>
+            </a:r>
+            <a:r>
+              <a:rPr lang="de-DE" i="1" dirty="0" err="1" smtClean="0"/>
+              <a:t>module</a:t>
+            </a:r>
+            <a:endParaRPr lang="de-DE" i="1" dirty="0" smtClean="0"/>
+          </a:p>
+        </p:txBody>
+      </p:sp>
+      <p:sp>
+        <p:nvSpPr>
+          <p:cNvPr id="6" name="Rectangle 2"/>
+          <p:cNvSpPr>
+            <a:spLocks noChangeArrowheads="1"/>
+          </p:cNvSpPr>
+          <p:nvPr/>
+        </p:nvSpPr>
+        <p:spPr bwMode="auto">
+          <a:xfrm>
+            <a:off x="2810934" y="3622418"/>
+            <a:ext cx="6570132" cy="2554545"/>
+          </a:xfrm>
+          <a:prstGeom prst="rect">
+            <a:avLst/>
+          </a:prstGeom>
+          <a:solidFill>
+            <a:srgbClr val="282C34"/>
+          </a:solidFill>
+          <a:ln>
+            <a:noFill/>
+          </a:ln>
+          <a:effectLst/>
+          <a:extLst>
+            <a:ext uri="{91240B29-F687-4F45-9708-019B960494DF}">
+              <a14:hiddenLine xmlns:a14="http://schemas.microsoft.com/office/drawing/2010/main" w="9525">
+                <a:solidFill>
+                  <a:schemeClr val="tx1"/>
+                </a:solidFill>
+                <a:miter lim="800000"/>
+                <a:headEnd/>
+                <a:tailEnd/>
+              </a14:hiddenLine>
+            </a:ext>
+            <a:ext uri="{AF507438-7753-43E0-B8FC-AC1667EBCBE1}">
+              <a14:hiddenEffects xmlns:a14="http://schemas.microsoft.com/office/drawing/2010/main">
+                <a:effectLst>
+                  <a:outerShdw dist="35921" dir="2700000" algn="ctr" rotWithShape="0">
+                    <a:schemeClr val="bg2"/>
+                  </a:outerShdw>
+                </a:effectLst>
+              </a14:hiddenEffects>
+            </a:ext>
+          </a:extLst>
+        </p:spPr>
+        <p:txBody>
+          <a:bodyPr vert="horz" wrap="square" lIns="91440" tIns="45720" rIns="91440" bIns="45720" numCol="1" anchor="ctr" anchorCtr="0" compatLnSpc="1">
+            <a:prstTxWarp prst="textNoShape">
+              <a:avLst/>
+            </a:prstTxWarp>
+            <a:spAutoFit/>
+          </a:bodyPr>
+          <a:lstStyle/>
+          <a:p>
+            <a:pPr marL="0" marR="0" lvl="0" indent="0" algn="l" defTabSz="914400" rtl="0" eaLnBrk="0" fontAlgn="base" latinLnBrk="0" hangingPunct="0">
+              <a:lnSpc>
+                <a:spcPct val="100000"/>
+              </a:lnSpc>
+              <a:spcBef>
+                <a:spcPct val="0"/>
+              </a:spcBef>
+              <a:spcAft>
+                <a:spcPct val="0"/>
+              </a:spcAft>
+              <a:buClrTx/>
+              <a:buSzTx/>
+              <a:buFontTx/>
+              <a:buNone/>
+              <a:tabLst/>
+            </a:pPr>
+            <a:r>
+              <a:rPr kumimoji="0" lang="de-DE" altLang="de-DE" sz="2000" b="0" i="1" u="none" strike="noStrike" cap="none" normalizeH="0" baseline="0" dirty="0" err="1" smtClean="0">
+                <a:ln>
+                  <a:noFill/>
+                </a:ln>
+                <a:solidFill>
+                  <a:srgbClr val="D55FDE"/>
+                </a:solidFill>
+                <a:effectLst/>
+                <a:latin typeface="JetBrains Mono"/>
+              </a:rPr>
+              <a:t>module</a:t>
+            </a:r>
+            <a:r>
+              <a:rPr kumimoji="0" lang="de-DE" altLang="de-DE" sz="2000" b="0" i="1" u="none" strike="noStrike" cap="none" normalizeH="0" baseline="0" dirty="0" smtClean="0">
+                <a:ln>
+                  <a:noFill/>
+                </a:ln>
+                <a:solidFill>
+                  <a:srgbClr val="D55FDE"/>
+                </a:solidFill>
+                <a:effectLst/>
+                <a:latin typeface="JetBrains Mono"/>
+              </a:rPr>
+              <a:t> </a:t>
+            </a:r>
+            <a:r>
+              <a:rPr kumimoji="0" lang="de-DE" altLang="de-DE" sz="2000" b="0" i="0" u="none" strike="noStrike" cap="none" normalizeH="0" baseline="0" dirty="0" smtClean="0">
+                <a:ln>
+                  <a:noFill/>
+                </a:ln>
+                <a:solidFill>
+                  <a:srgbClr val="E5C07B"/>
+                </a:solidFill>
+                <a:effectLst/>
+                <a:latin typeface="JetBrains Mono"/>
+              </a:rPr>
+              <a:t>"s3_bucket" </a:t>
+            </a:r>
+            <a:r>
+              <a:rPr kumimoji="0" lang="de-DE" altLang="de-DE" sz="2000" b="0" i="0" u="none" strike="noStrike" cap="none" normalizeH="0" baseline="0" dirty="0" smtClean="0">
+                <a:ln>
+                  <a:noFill/>
+                </a:ln>
+                <a:solidFill>
+                  <a:srgbClr val="BBBBBB"/>
+                </a:solidFill>
+                <a:effectLst/>
+                <a:latin typeface="JetBrains Mono"/>
+              </a:rPr>
+              <a:t>{</a:t>
+            </a:r>
+            <a:br>
+              <a:rPr kumimoji="0" lang="de-DE" altLang="de-DE" sz="2000" b="0" i="0" u="none" strike="noStrike" cap="none" normalizeH="0" baseline="0" dirty="0" smtClean="0">
+                <a:ln>
+                  <a:noFill/>
+                </a:ln>
+                <a:solidFill>
+                  <a:srgbClr val="BBBBBB"/>
+                </a:solidFill>
+                <a:effectLst/>
+                <a:latin typeface="JetBrains Mono"/>
+              </a:rPr>
+            </a:br>
+            <a:r>
+              <a:rPr kumimoji="0" lang="de-DE" altLang="de-DE" sz="2000" b="0" i="0" u="none" strike="noStrike" cap="none" normalizeH="0" baseline="0" dirty="0" smtClean="0">
+                <a:ln>
+                  <a:noFill/>
+                </a:ln>
+                <a:solidFill>
+                  <a:srgbClr val="BBBBBB"/>
+                </a:solidFill>
+                <a:effectLst/>
+                <a:latin typeface="JetBrains Mono"/>
+              </a:rPr>
+              <a:t>  </a:t>
+            </a:r>
+            <a:r>
+              <a:rPr kumimoji="0" lang="de-DE" altLang="de-DE" sz="2000" b="0" i="0" u="none" strike="noStrike" cap="none" normalizeH="0" baseline="0" dirty="0" err="1" smtClean="0">
+                <a:ln>
+                  <a:noFill/>
+                </a:ln>
+                <a:solidFill>
+                  <a:srgbClr val="EF596F"/>
+                </a:solidFill>
+                <a:effectLst/>
+                <a:latin typeface="JetBrains Mono"/>
+              </a:rPr>
+              <a:t>source</a:t>
+            </a:r>
+            <a:r>
+              <a:rPr kumimoji="0" lang="de-DE" altLang="de-DE" sz="2000" b="0" i="0" u="none" strike="noStrike" cap="none" normalizeH="0" baseline="0" dirty="0" smtClean="0">
+                <a:ln>
+                  <a:noFill/>
+                </a:ln>
+                <a:solidFill>
+                  <a:srgbClr val="EF596F"/>
+                </a:solidFill>
+                <a:effectLst/>
+                <a:latin typeface="JetBrains Mono"/>
+              </a:rPr>
+              <a:t> </a:t>
+            </a:r>
+            <a:r>
+              <a:rPr kumimoji="0" lang="de-DE" altLang="de-DE" sz="2000" b="0" i="0" u="none" strike="noStrike" cap="none" normalizeH="0" baseline="0" dirty="0" smtClean="0">
+                <a:ln>
+                  <a:noFill/>
+                </a:ln>
+                <a:solidFill>
+                  <a:srgbClr val="BBBBBB"/>
+                </a:solidFill>
+                <a:effectLst/>
+                <a:latin typeface="JetBrains Mono"/>
+              </a:rPr>
+              <a:t>= </a:t>
+            </a:r>
+            <a:r>
+              <a:rPr kumimoji="0" lang="de-DE" altLang="de-DE" sz="2000" b="0" i="0" u="none" strike="noStrike" cap="none" normalizeH="0" baseline="0" dirty="0" smtClean="0">
+                <a:ln>
+                  <a:noFill/>
+                </a:ln>
+                <a:solidFill>
+                  <a:srgbClr val="89CA78"/>
+                </a:solidFill>
+                <a:effectLst/>
+                <a:latin typeface="JetBrains Mono"/>
+              </a:rPr>
+              <a:t>"</a:t>
+            </a:r>
+            <a:r>
+              <a:rPr kumimoji="0" lang="de-DE" altLang="de-DE" sz="2000" b="0" i="0" u="none" strike="noStrike" cap="none" normalizeH="0" baseline="0" dirty="0" err="1" smtClean="0">
+                <a:ln>
+                  <a:noFill/>
+                </a:ln>
+                <a:solidFill>
+                  <a:srgbClr val="89CA78"/>
+                </a:solidFill>
+                <a:effectLst/>
+                <a:latin typeface="JetBrains Mono"/>
+              </a:rPr>
+              <a:t>terraform</a:t>
+            </a:r>
+            <a:r>
+              <a:rPr kumimoji="0" lang="de-DE" altLang="de-DE" sz="2000" b="0" i="0" u="none" strike="noStrike" cap="none" normalizeH="0" baseline="0" dirty="0" smtClean="0">
+                <a:ln>
+                  <a:noFill/>
+                </a:ln>
+                <a:solidFill>
+                  <a:srgbClr val="89CA78"/>
+                </a:solidFill>
+                <a:effectLst/>
+                <a:latin typeface="JetBrains Mono"/>
+              </a:rPr>
+              <a:t>-</a:t>
+            </a:r>
+            <a:r>
+              <a:rPr kumimoji="0" lang="de-DE" altLang="de-DE" sz="2000" b="0" i="0" u="none" strike="noStrike" cap="none" normalizeH="0" baseline="0" dirty="0" err="1" smtClean="0">
+                <a:ln>
+                  <a:noFill/>
+                </a:ln>
+                <a:solidFill>
+                  <a:srgbClr val="89CA78"/>
+                </a:solidFill>
+                <a:effectLst/>
+                <a:latin typeface="JetBrains Mono"/>
+              </a:rPr>
+              <a:t>aws</a:t>
+            </a:r>
+            <a:r>
+              <a:rPr kumimoji="0" lang="de-DE" altLang="de-DE" sz="2000" b="0" i="0" u="none" strike="noStrike" cap="none" normalizeH="0" baseline="0" dirty="0" smtClean="0">
+                <a:ln>
+                  <a:noFill/>
+                </a:ln>
+                <a:solidFill>
+                  <a:srgbClr val="89CA78"/>
+                </a:solidFill>
+                <a:effectLst/>
+                <a:latin typeface="JetBrains Mono"/>
+              </a:rPr>
+              <a:t>-modules/s3-bucket/</a:t>
+            </a:r>
+            <a:r>
+              <a:rPr kumimoji="0" lang="de-DE" altLang="de-DE" sz="2000" b="0" i="0" u="none" strike="noStrike" cap="none" normalizeH="0" baseline="0" dirty="0" err="1" smtClean="0">
+                <a:ln>
+                  <a:noFill/>
+                </a:ln>
+                <a:solidFill>
+                  <a:srgbClr val="89CA78"/>
+                </a:solidFill>
+                <a:effectLst/>
+                <a:latin typeface="JetBrains Mono"/>
+              </a:rPr>
+              <a:t>aws</a:t>
+            </a:r>
+            <a:r>
+              <a:rPr kumimoji="0" lang="de-DE" altLang="de-DE" sz="2000" b="0" i="0" u="none" strike="noStrike" cap="none" normalizeH="0" baseline="0" dirty="0" smtClean="0">
+                <a:ln>
+                  <a:noFill/>
+                </a:ln>
+                <a:solidFill>
+                  <a:srgbClr val="89CA78"/>
+                </a:solidFill>
+                <a:effectLst/>
+                <a:latin typeface="JetBrains Mono"/>
+              </a:rPr>
+              <a:t>"</a:t>
+            </a:r>
+            <a:br>
+              <a:rPr kumimoji="0" lang="de-DE" altLang="de-DE" sz="2000" b="0" i="0" u="none" strike="noStrike" cap="none" normalizeH="0" baseline="0" dirty="0" smtClean="0">
+                <a:ln>
+                  <a:noFill/>
+                </a:ln>
+                <a:solidFill>
+                  <a:srgbClr val="89CA78"/>
+                </a:solidFill>
+                <a:effectLst/>
+                <a:latin typeface="JetBrains Mono"/>
+              </a:rPr>
+            </a:br>
+            <a:r>
+              <a:rPr kumimoji="0" lang="de-DE" altLang="de-DE" sz="2000" b="0" i="0" u="none" strike="noStrike" cap="none" normalizeH="0" baseline="0" dirty="0" smtClean="0">
+                <a:ln>
+                  <a:noFill/>
+                </a:ln>
+                <a:solidFill>
+                  <a:srgbClr val="89CA78"/>
+                </a:solidFill>
+                <a:effectLst/>
+                <a:latin typeface="JetBrains Mono"/>
+              </a:rPr>
+              <a:t>  </a:t>
+            </a:r>
+            <a:r>
+              <a:rPr kumimoji="0" lang="de-DE" altLang="de-DE" sz="2000" b="0" i="0" u="none" strike="noStrike" cap="none" normalizeH="0" baseline="0" dirty="0" err="1" smtClean="0">
+                <a:ln>
+                  <a:noFill/>
+                </a:ln>
+                <a:solidFill>
+                  <a:srgbClr val="EF596F"/>
+                </a:solidFill>
+                <a:effectLst/>
+                <a:latin typeface="JetBrains Mono"/>
+              </a:rPr>
+              <a:t>bucket</a:t>
+            </a:r>
+            <a:r>
+              <a:rPr kumimoji="0" lang="de-DE" altLang="de-DE" sz="2000" b="0" i="0" u="none" strike="noStrike" cap="none" normalizeH="0" baseline="0" dirty="0" smtClean="0">
+                <a:ln>
+                  <a:noFill/>
+                </a:ln>
+                <a:solidFill>
+                  <a:srgbClr val="EF596F"/>
+                </a:solidFill>
+                <a:effectLst/>
+                <a:latin typeface="JetBrains Mono"/>
+              </a:rPr>
+              <a:t> </a:t>
+            </a:r>
+            <a:r>
+              <a:rPr kumimoji="0" lang="de-DE" altLang="de-DE" sz="2000" b="0" i="0" u="none" strike="noStrike" cap="none" normalizeH="0" baseline="0" dirty="0" smtClean="0">
+                <a:ln>
+                  <a:noFill/>
+                </a:ln>
+                <a:solidFill>
+                  <a:srgbClr val="BBBBBB"/>
+                </a:solidFill>
+                <a:effectLst/>
+                <a:latin typeface="JetBrains Mono"/>
+              </a:rPr>
+              <a:t>= </a:t>
+            </a:r>
+            <a:r>
+              <a:rPr kumimoji="0" lang="de-DE" altLang="de-DE" sz="2000" b="0" i="0" u="none" strike="noStrike" cap="none" normalizeH="0" baseline="0" dirty="0" smtClean="0">
+                <a:ln>
+                  <a:noFill/>
+                </a:ln>
+                <a:solidFill>
+                  <a:srgbClr val="89CA78"/>
+                </a:solidFill>
+                <a:effectLst/>
+                <a:latin typeface="JetBrains Mono"/>
+              </a:rPr>
+              <a:t>"my-s3-bucket"</a:t>
+            </a:r>
+            <a:br>
+              <a:rPr kumimoji="0" lang="de-DE" altLang="de-DE" sz="2000" b="0" i="0" u="none" strike="noStrike" cap="none" normalizeH="0" baseline="0" dirty="0" smtClean="0">
+                <a:ln>
+                  <a:noFill/>
+                </a:ln>
+                <a:solidFill>
+                  <a:srgbClr val="89CA78"/>
+                </a:solidFill>
+                <a:effectLst/>
+                <a:latin typeface="JetBrains Mono"/>
+              </a:rPr>
+            </a:br>
+            <a:r>
+              <a:rPr kumimoji="0" lang="de-DE" altLang="de-DE" sz="2000" b="0" i="0" u="none" strike="noStrike" cap="none" normalizeH="0" baseline="0" dirty="0" smtClean="0">
+                <a:ln>
+                  <a:noFill/>
+                </a:ln>
+                <a:solidFill>
+                  <a:srgbClr val="BBBBBB"/>
+                </a:solidFill>
+                <a:effectLst/>
+                <a:latin typeface="JetBrains Mono"/>
+              </a:rPr>
+              <a:t>}</a:t>
+            </a:r>
+            <a:br>
+              <a:rPr kumimoji="0" lang="de-DE" altLang="de-DE" sz="2000" b="0" i="0" u="none" strike="noStrike" cap="none" normalizeH="0" baseline="0" dirty="0" smtClean="0">
+                <a:ln>
+                  <a:noFill/>
+                </a:ln>
+                <a:solidFill>
+                  <a:srgbClr val="BBBBBB"/>
+                </a:solidFill>
+                <a:effectLst/>
+                <a:latin typeface="JetBrains Mono"/>
+              </a:rPr>
+            </a:br>
+            <a:r>
+              <a:rPr kumimoji="0" lang="de-DE" altLang="de-DE" sz="2000" b="0" i="0" u="none" strike="noStrike" cap="none" normalizeH="0" baseline="0" dirty="0" smtClean="0">
+                <a:ln>
+                  <a:noFill/>
+                </a:ln>
+                <a:solidFill>
+                  <a:srgbClr val="BBBBBB"/>
+                </a:solidFill>
+                <a:effectLst/>
+                <a:latin typeface="JetBrains Mono"/>
+              </a:rPr>
+              <a:t/>
+            </a:r>
+            <a:br>
+              <a:rPr kumimoji="0" lang="de-DE" altLang="de-DE" sz="2000" b="0" i="0" u="none" strike="noStrike" cap="none" normalizeH="0" baseline="0" dirty="0" smtClean="0">
+                <a:ln>
+                  <a:noFill/>
+                </a:ln>
+                <a:solidFill>
+                  <a:srgbClr val="BBBBBB"/>
+                </a:solidFill>
+                <a:effectLst/>
+                <a:latin typeface="JetBrains Mono"/>
+              </a:rPr>
+            </a:br>
+            <a:r>
+              <a:rPr kumimoji="0" lang="de-DE" altLang="de-DE" sz="2000" b="0" i="1" u="none" strike="noStrike" cap="none" normalizeH="0" baseline="0" dirty="0" err="1" smtClean="0">
+                <a:ln>
+                  <a:noFill/>
+                </a:ln>
+                <a:solidFill>
+                  <a:srgbClr val="D55FDE"/>
+                </a:solidFill>
+                <a:effectLst/>
+                <a:latin typeface="JetBrains Mono"/>
+              </a:rPr>
+              <a:t>output</a:t>
+            </a:r>
+            <a:r>
+              <a:rPr kumimoji="0" lang="de-DE" altLang="de-DE" sz="2000" b="0" i="1" u="none" strike="noStrike" cap="none" normalizeH="0" baseline="0" dirty="0" smtClean="0">
+                <a:ln>
+                  <a:noFill/>
+                </a:ln>
+                <a:solidFill>
+                  <a:srgbClr val="D55FDE"/>
+                </a:solidFill>
+                <a:effectLst/>
+                <a:latin typeface="JetBrains Mono"/>
+              </a:rPr>
+              <a:t> </a:t>
+            </a:r>
+            <a:r>
+              <a:rPr kumimoji="0" lang="de-DE" altLang="de-DE" sz="2000" b="0" i="0" u="none" strike="noStrike" cap="none" normalizeH="0" baseline="0" dirty="0" smtClean="0">
+                <a:ln>
+                  <a:noFill/>
+                </a:ln>
+                <a:solidFill>
+                  <a:srgbClr val="E5C07B"/>
+                </a:solidFill>
+                <a:effectLst/>
+                <a:latin typeface="JetBrains Mono"/>
+              </a:rPr>
+              <a:t>"s3_bucket_arn"</a:t>
+            </a:r>
+            <a:r>
+              <a:rPr kumimoji="0" lang="de-DE" altLang="de-DE" sz="2000" b="0" i="0" u="none" strike="noStrike" cap="none" normalizeH="0" baseline="0" dirty="0" smtClean="0">
+                <a:ln>
+                  <a:noFill/>
+                </a:ln>
+                <a:solidFill>
+                  <a:srgbClr val="BBBBBB"/>
+                </a:solidFill>
+                <a:effectLst/>
+                <a:latin typeface="JetBrains Mono"/>
+              </a:rPr>
+              <a:t>{</a:t>
+            </a:r>
+            <a:br>
+              <a:rPr kumimoji="0" lang="de-DE" altLang="de-DE" sz="2000" b="0" i="0" u="none" strike="noStrike" cap="none" normalizeH="0" baseline="0" dirty="0" smtClean="0">
+                <a:ln>
+                  <a:noFill/>
+                </a:ln>
+                <a:solidFill>
+                  <a:srgbClr val="BBBBBB"/>
+                </a:solidFill>
+                <a:effectLst/>
+                <a:latin typeface="JetBrains Mono"/>
+              </a:rPr>
+            </a:br>
+            <a:r>
+              <a:rPr kumimoji="0" lang="de-DE" altLang="de-DE" sz="2000" b="0" i="0" u="none" strike="noStrike" cap="none" normalizeH="0" baseline="0" dirty="0" smtClean="0">
+                <a:ln>
+                  <a:noFill/>
+                </a:ln>
+                <a:solidFill>
+                  <a:srgbClr val="BBBBBB"/>
+                </a:solidFill>
+                <a:effectLst/>
+                <a:latin typeface="JetBrains Mono"/>
+              </a:rPr>
+              <a:t>  </a:t>
+            </a:r>
+            <a:r>
+              <a:rPr kumimoji="0" lang="de-DE" altLang="de-DE" sz="2000" b="0" i="0" u="none" strike="noStrike" cap="none" normalizeH="0" baseline="0" dirty="0" err="1" smtClean="0">
+                <a:ln>
+                  <a:noFill/>
+                </a:ln>
+                <a:solidFill>
+                  <a:srgbClr val="EF596F"/>
+                </a:solidFill>
+                <a:effectLst/>
+                <a:latin typeface="JetBrains Mono"/>
+              </a:rPr>
+              <a:t>value</a:t>
+            </a:r>
+            <a:r>
+              <a:rPr kumimoji="0" lang="de-DE" altLang="de-DE" sz="2000" b="0" i="0" u="none" strike="noStrike" cap="none" normalizeH="0" baseline="0" dirty="0" smtClean="0">
+                <a:ln>
+                  <a:noFill/>
+                </a:ln>
+                <a:solidFill>
+                  <a:srgbClr val="EF596F"/>
+                </a:solidFill>
+                <a:effectLst/>
+                <a:latin typeface="JetBrains Mono"/>
+              </a:rPr>
+              <a:t> </a:t>
+            </a:r>
+            <a:r>
+              <a:rPr kumimoji="0" lang="de-DE" altLang="de-DE" sz="2000" b="0" i="0" u="none" strike="noStrike" cap="none" normalizeH="0" baseline="0" dirty="0" smtClean="0">
+                <a:ln>
+                  <a:noFill/>
+                </a:ln>
+                <a:solidFill>
+                  <a:srgbClr val="BBBBBB"/>
+                </a:solidFill>
+                <a:effectLst/>
+                <a:latin typeface="JetBrains Mono"/>
+              </a:rPr>
+              <a:t>= module.</a:t>
+            </a:r>
+            <a:r>
+              <a:rPr kumimoji="0" lang="de-DE" altLang="de-DE" sz="2000" b="0" i="0" u="none" strike="noStrike" cap="none" normalizeH="0" baseline="0" dirty="0" smtClean="0">
+                <a:ln>
+                  <a:noFill/>
+                </a:ln>
+                <a:solidFill>
+                  <a:srgbClr val="EF596F"/>
+                </a:solidFill>
+                <a:effectLst/>
+                <a:latin typeface="JetBrains Mono"/>
+              </a:rPr>
+              <a:t>s3_bucket</a:t>
+            </a:r>
+            <a:r>
+              <a:rPr kumimoji="0" lang="de-DE" altLang="de-DE" sz="2000" b="0" i="0" u="none" strike="noStrike" cap="none" normalizeH="0" baseline="0" dirty="0" smtClean="0">
+                <a:ln>
+                  <a:noFill/>
+                </a:ln>
+                <a:solidFill>
+                  <a:srgbClr val="BBBBBB"/>
+                </a:solidFill>
+                <a:effectLst/>
+                <a:latin typeface="JetBrains Mono"/>
+              </a:rPr>
+              <a:t>.</a:t>
+            </a:r>
+            <a:r>
+              <a:rPr kumimoji="0" lang="de-DE" altLang="de-DE" sz="2000" b="0" i="0" u="none" strike="noStrike" cap="none" normalizeH="0" baseline="0" dirty="0" smtClean="0">
+                <a:ln>
+                  <a:noFill/>
+                </a:ln>
+                <a:solidFill>
+                  <a:srgbClr val="EF596F"/>
+                </a:solidFill>
+                <a:effectLst/>
+                <a:latin typeface="JetBrains Mono"/>
+              </a:rPr>
+              <a:t>s3_bucket_arn</a:t>
+            </a:r>
+            <a:br>
+              <a:rPr kumimoji="0" lang="de-DE" altLang="de-DE" sz="2000" b="0" i="0" u="none" strike="noStrike" cap="none" normalizeH="0" baseline="0" dirty="0" smtClean="0">
+                <a:ln>
+                  <a:noFill/>
+                </a:ln>
+                <a:solidFill>
+                  <a:srgbClr val="EF596F"/>
+                </a:solidFill>
+                <a:effectLst/>
+                <a:latin typeface="JetBrains Mono"/>
+              </a:rPr>
+            </a:br>
+            <a:r>
+              <a:rPr kumimoji="0" lang="de-DE" altLang="de-DE" sz="2000" b="0" i="0" u="none" strike="noStrike" cap="none" normalizeH="0" baseline="0" dirty="0" smtClean="0">
+                <a:ln>
+                  <a:noFill/>
+                </a:ln>
+                <a:solidFill>
+                  <a:srgbClr val="BBBBBB"/>
+                </a:solidFill>
+                <a:effectLst/>
+                <a:latin typeface="JetBrains Mono"/>
+              </a:rPr>
+              <a:t>}</a:t>
+            </a:r>
+            <a:endParaRPr kumimoji="0" lang="de-DE" altLang="de-DE" sz="4400" b="0" i="0" u="none" strike="noStrike" cap="none" normalizeH="0" baseline="0" dirty="0" smtClean="0">
+              <a:ln>
+                <a:noFill/>
+              </a:ln>
+              <a:solidFill>
+                <a:schemeClr val="tx1"/>
+              </a:solidFill>
+              <a:effectLst/>
+              <a:latin typeface="Arial" panose="020B0604020202020204" pitchFamily="34" charset="0"/>
+            </a:endParaRPr>
+          </a:p>
+        </p:txBody>
+      </p:sp>
+    </p:spTree>
+    <p:extLst>
+      <p:ext uri="{BB962C8B-B14F-4D97-AF65-F5344CB8AC3E}">
+        <p14:creationId xmlns:p14="http://schemas.microsoft.com/office/powerpoint/2010/main" val="3906165168"/>
+      </p:ext>
+    </p:extLst>
+  </p:cSld>
+  <p:clrMapOvr>
+    <a:masterClrMapping/>
+  </p:clrMapOvr>
+</p:sld>
+</file>
+
+<file path=ppt/slides/slide9.xml><?xml version="1.0" encoding="utf-8"?>
+<p:sld xmlns:a="http://schemas.openxmlformats.org/drawingml/2006/main" xmlns:r="http://schemas.openxmlformats.org/officeDocument/2006/relationships" xmlns:p="http://schemas.openxmlformats.org/presentationml/2006/main">
+  <p:cSld>
+    <p:spTree>
+      <p:nvGrpSpPr>
+        <p:cNvPr id="1" name=""/>
+        <p:cNvGrpSpPr/>
+        <p:nvPr/>
+      </p:nvGrpSpPr>
+      <p:grpSpPr>
+        <a:xfrm>
+          <a:off x="0" y="0"/>
+          <a:ext cx="0" cy="0"/>
+          <a:chOff x="0" y="0"/>
+          <a:chExt cx="0" cy="0"/>
+        </a:xfrm>
+      </p:grpSpPr>
+      <p:sp>
+        <p:nvSpPr>
+          <p:cNvPr id="2" name="Titel 1"/>
+          <p:cNvSpPr>
+            <a:spLocks noGrp="1"/>
+          </p:cNvSpPr>
+          <p:nvPr>
+            <p:ph type="title"/>
+          </p:nvPr>
+        </p:nvSpPr>
+        <p:spPr/>
+        <p:txBody>
+          <a:bodyPr/>
+          <a:lstStyle/>
+          <a:p>
+            <a:r>
+              <a:rPr lang="de-DE" dirty="0" smtClean="0"/>
+              <a:t>Definition und Auslesen von </a:t>
+            </a:r>
+            <a:r>
+              <a:rPr lang="de-DE" dirty="0" err="1" smtClean="0"/>
+              <a:t>Locals</a:t>
             </a:r>
             <a:endParaRPr lang="de-DE" dirty="0"/>
           </a:p>
@@ -6141,7 +8741,7 @@
                 <a:effectLst/>
                 <a:latin typeface="JetBrains Mono"/>
               </a:rPr>
-              <a:t>lower</a:t>
+              <a:t>upper</a:t>
             </a:r>
             <a:r>
               <a:rPr kumimoji="0" lang="de-DE" altLang="de-DE" sz="2400" b="0" i="0" u="none" strike="noStrike" cap="none" normalizeH="0" baseline="0" dirty="0" smtClean="0">
@@ -6167,7 +8767,7 @@
                 <a:effectLst/>
                 <a:latin typeface="JetBrains Mono"/>
               </a:rPr>
-              <a:t>terraform.</a:t>
+              <a:t>var.</a:t>
             </a:r>
             <a:r>
               <a:rPr kumimoji="0" lang="de-DE" altLang="de-DE" sz="2400" b="0" i="0" u="none" strike="noStrike" cap="none" normalizeH="0" baseline="0" dirty="0" err="1" smtClean="0">
@@ -6180,7 +8780,7 @@
                 <a:effectLst/>
                 <a:latin typeface="JetBrains Mono"/>
               </a:rPr>
-              <a:t>workspace</a:t>
+              <a:t>environment</a:t>
             </a:r>
             <a:r>
               <a:rPr kumimoji="0" lang="de-DE" altLang="de-DE" sz="2400" b="0" i="0" u="none" strike="noStrike" cap="none" normalizeH="0" baseline="0" dirty="0" smtClean="0">
@@ -6194,6 +8794,19 @@
                 <a:latin typeface="JetBrains Mono"/>
               </a:rPr>
               <a:t>)</a:t>
+            </a:r>
+            <a:r>
+              <a:rPr kumimoji="0" lang="de-DE" altLang="de-DE" sz="2400" b="0" i="0" u="none" strike="noStrike" cap="none" normalizeH="0" baseline="0" dirty="0" smtClean="0">
+                <a:ln>
+                  <a:noFill/>
+                </a:ln>
+                <a:solidFill>
+                  <a:srgbClr val="BBBBBB"/>
+                </a:solidFill>
+                <a:effectLst/>
+                <a:latin typeface="JetBrains Mono"/>
+              </a:rPr>
+              <a:t/>
             </a:r>
             <a:br>
               <a:rPr kumimoji="0" lang="de-DE" altLang="de-DE" sz="2400" b="0" i="0" u="none" strike="noStrike" cap="none" normalizeH="0" baseline="0" dirty="0" smtClean="0">
@@ -6654,6 +9267,49 @@
               <a:effectLst/>
               <a:latin typeface="Arial" panose="020B0604020202020204" pitchFamily="34" charset="0"/>
             </a:endParaRPr>
+          </a:p>
+        </p:txBody>
+      </p:sp>
+      <p:sp>
+        <p:nvSpPr>
+          <p:cNvPr id="5" name="Inhaltsplatzhalter 2"/>
+          <p:cNvSpPr>
+            <a:spLocks noGrp="1"/>
+          </p:cNvSpPr>
+          <p:nvPr>
+            <p:ph idx="1"/>
+          </p:nvPr>
+        </p:nvSpPr>
+        <p:spPr>
+          <a:xfrm>
+            <a:off x="838200" y="1825625"/>
+            <a:ext cx="10515600" cy="4351338"/>
+          </a:xfrm>
+        </p:spPr>
+        <p:txBody>
+          <a:bodyPr/>
+          <a:lstStyle/>
+          <a:p>
+            <a:r>
+              <a:rPr lang="de-DE" dirty="0" smtClean="0"/>
+              <a:t>Definition via Schlüsselwort </a:t>
+            </a:r>
+            <a:r>
+              <a:rPr lang="de-DE" i="1" dirty="0" err="1" smtClean="0"/>
+              <a:t>locals</a:t>
+            </a:r>
+            <a:endParaRPr lang="de-DE" i="1" dirty="0" smtClean="0"/>
+          </a:p>
+          <a:p>
+            <a:r>
+              <a:rPr lang="de-DE" dirty="0" smtClean="0"/>
+              <a:t>Auslesen via </a:t>
+            </a:r>
+            <a:r>
+              <a:rPr lang="de-DE" i="1" dirty="0" err="1" smtClean="0"/>
+              <a:t>local</a:t>
+            </a:r>
+            <a:endParaRPr lang="de-DE" i="1" dirty="0" smtClean="0"/>
           </a:p>
         </p:txBody>
       </p:sp>
